--- a/Information Visualization.pptx
+++ b/Information Visualization.pptx
@@ -7,14 +7,28 @@
   <p:sldIdLst>
     <p:sldId id="256" r:id="rId2"/>
     <p:sldId id="257" r:id="rId3"/>
-    <p:sldId id="258" r:id="rId4"/>
-    <p:sldId id="263" r:id="rId5"/>
-    <p:sldId id="265" r:id="rId6"/>
-    <p:sldId id="266" r:id="rId7"/>
-    <p:sldId id="264" r:id="rId8"/>
-    <p:sldId id="267" r:id="rId9"/>
-    <p:sldId id="260" r:id="rId10"/>
-    <p:sldId id="268" r:id="rId11"/>
+    <p:sldId id="275" r:id="rId4"/>
+    <p:sldId id="276" r:id="rId5"/>
+    <p:sldId id="277" r:id="rId6"/>
+    <p:sldId id="279" r:id="rId7"/>
+    <p:sldId id="258" r:id="rId8"/>
+    <p:sldId id="280" r:id="rId9"/>
+    <p:sldId id="269" r:id="rId10"/>
+    <p:sldId id="270" r:id="rId11"/>
+    <p:sldId id="266" r:id="rId12"/>
+    <p:sldId id="271" r:id="rId13"/>
+    <p:sldId id="272" r:id="rId14"/>
+    <p:sldId id="264" r:id="rId15"/>
+    <p:sldId id="267" r:id="rId16"/>
+    <p:sldId id="286" r:id="rId17"/>
+    <p:sldId id="274" r:id="rId18"/>
+    <p:sldId id="260" r:id="rId19"/>
+    <p:sldId id="278" r:id="rId20"/>
+    <p:sldId id="281" r:id="rId21"/>
+    <p:sldId id="285" r:id="rId22"/>
+    <p:sldId id="282" r:id="rId23"/>
+    <p:sldId id="284" r:id="rId24"/>
+    <p:sldId id="283" r:id="rId25"/>
   </p:sldIdLst>
   <p:sldSz cx="12192000" cy="6858000"/>
   <p:notesSz cx="6858000" cy="9144000"/>
@@ -261,7 +275,7 @@
             <a:fld id="{33535D3A-6D45-45E3-A976-B17E69128BA5}" type="datetimeFigureOut">
               <a:rPr lang="en-US" smtClean="0"/>
               <a:pPr/>
-              <a:t>7/12/2015</a:t>
+              <a:t>7/13/15</a:t>
             </a:fld>
             <a:endParaRPr lang="en-US"/>
           </a:p>
@@ -337,7 +351,7 @@
   <p:timing>
     <p:tnLst>
       <p:par>
-        <p:cTn id="1" dur="indefinite" restart="never" nodeType="tmRoot"/>
+        <p:cTn xmlns:p14="http://schemas.microsoft.com/office/powerpoint/2010/main" id="1" dur="indefinite" restart="never" nodeType="tmRoot"/>
       </p:par>
     </p:tnLst>
   </p:timing>
@@ -453,7 +467,7 @@
           <a:p>
             <a:fld id="{33535D3A-6D45-45E3-A976-B17E69128BA5}" type="datetimeFigureOut">
               <a:rPr lang="en-US" smtClean="0"/>
-              <a:t>7/12/2015</a:t>
+              <a:t>7/13/15</a:t>
             </a:fld>
             <a:endParaRPr lang="en-US"/>
           </a:p>
@@ -633,7 +647,7 @@
           <a:p>
             <a:fld id="{33535D3A-6D45-45E3-A976-B17E69128BA5}" type="datetimeFigureOut">
               <a:rPr lang="en-US" smtClean="0"/>
-              <a:t>7/12/2015</a:t>
+              <a:t>7/13/15</a:t>
             </a:fld>
             <a:endParaRPr lang="en-US"/>
           </a:p>
@@ -849,7 +863,7 @@
             <a:fld id="{33535D3A-6D45-45E3-A976-B17E69128BA5}" type="datetimeFigureOut">
               <a:rPr lang="en-US" smtClean="0"/>
               <a:pPr/>
-              <a:t>7/12/2015</a:t>
+              <a:t>7/13/15</a:t>
             </a:fld>
             <a:endParaRPr lang="en-US"/>
           </a:p>
@@ -1110,7 +1124,7 @@
           <a:p>
             <a:fld id="{33535D3A-6D45-45E3-A976-B17E69128BA5}" type="datetimeFigureOut">
               <a:rPr lang="en-US" smtClean="0"/>
-              <a:t>7/12/2015</a:t>
+              <a:t>7/13/15</a:t>
             </a:fld>
             <a:endParaRPr lang="en-US"/>
           </a:p>
@@ -1171,7 +1185,7 @@
   <p:timing>
     <p:tnLst>
       <p:par>
-        <p:cTn id="1" dur="indefinite" restart="never" nodeType="tmRoot"/>
+        <p:cTn xmlns:p14="http://schemas.microsoft.com/office/powerpoint/2010/main" id="1" dur="indefinite" restart="never" nodeType="tmRoot"/>
       </p:par>
     </p:tnLst>
   </p:timing>
@@ -1349,7 +1363,7 @@
           <a:p>
             <a:fld id="{33535D3A-6D45-45E3-A976-B17E69128BA5}" type="datetimeFigureOut">
               <a:rPr lang="en-US" smtClean="0"/>
-              <a:t>7/12/2015</a:t>
+              <a:t>7/13/15</a:t>
             </a:fld>
             <a:endParaRPr lang="en-US"/>
           </a:p>
@@ -1716,7 +1730,7 @@
           <a:p>
             <a:fld id="{33535D3A-6D45-45E3-A976-B17E69128BA5}" type="datetimeFigureOut">
               <a:rPr lang="en-US" smtClean="0"/>
-              <a:t>7/12/2015</a:t>
+              <a:t>7/13/15</a:t>
             </a:fld>
             <a:endParaRPr lang="en-US"/>
           </a:p>
@@ -1834,7 +1848,7 @@
           <a:p>
             <a:fld id="{33535D3A-6D45-45E3-A976-B17E69128BA5}" type="datetimeFigureOut">
               <a:rPr lang="en-US" smtClean="0"/>
-              <a:t>7/12/2015</a:t>
+              <a:t>7/13/15</a:t>
             </a:fld>
             <a:endParaRPr lang="en-US"/>
           </a:p>
@@ -1929,7 +1943,7 @@
           <a:p>
             <a:fld id="{33535D3A-6D45-45E3-A976-B17E69128BA5}" type="datetimeFigureOut">
               <a:rPr lang="en-US" smtClean="0"/>
-              <a:t>7/12/2015</a:t>
+              <a:t>7/13/15</a:t>
             </a:fld>
             <a:endParaRPr lang="en-US"/>
           </a:p>
@@ -2206,7 +2220,7 @@
           <a:p>
             <a:fld id="{33535D3A-6D45-45E3-A976-B17E69128BA5}" type="datetimeFigureOut">
               <a:rPr lang="en-US" smtClean="0"/>
-              <a:t>7/12/2015</a:t>
+              <a:t>7/13/15</a:t>
             </a:fld>
             <a:endParaRPr lang="en-US"/>
           </a:p>
@@ -2459,7 +2473,7 @@
           <a:p>
             <a:fld id="{33535D3A-6D45-45E3-A976-B17E69128BA5}" type="datetimeFigureOut">
               <a:rPr lang="en-US" smtClean="0"/>
-              <a:t>7/12/2015</a:t>
+              <a:t>7/13/15</a:t>
             </a:fld>
             <a:endParaRPr lang="en-US"/>
           </a:p>
@@ -2675,7 +2689,7 @@
             <a:fld id="{33535D3A-6D45-45E3-A976-B17E69128BA5}" type="datetimeFigureOut">
               <a:rPr lang="en-US" smtClean="0"/>
               <a:pPr/>
-              <a:t>7/12/2015</a:t>
+              <a:t>7/13/15</a:t>
             </a:fld>
             <a:endParaRPr lang="en-US"/>
           </a:p>
@@ -2788,7 +2802,7 @@
   <p:timing>
     <p:tnLst>
       <p:par>
-        <p:cTn id="1" dur="indefinite" restart="never" nodeType="tmRoot"/>
+        <p:cTn xmlns:p14="http://schemas.microsoft.com/office/powerpoint/2010/main" id="1" dur="indefinite" restart="never" nodeType="tmRoot"/>
       </p:par>
     </p:tnLst>
   </p:timing>
@@ -3104,6 +3118,64 @@
           <a:chExt cx="0" cy="0"/>
         </a:xfrm>
       </p:grpSpPr>
+      <p:pic>
+        <p:nvPicPr>
+          <p:cNvPr id="6" name="Picture 5" descr="Screen Shot 2015-07-13 at 9.27.09 AM.png"/>
+          <p:cNvPicPr>
+            <a:picLocks noChangeAspect="1"/>
+          </p:cNvPicPr>
+          <p:nvPr/>
+        </p:nvPicPr>
+        <p:blipFill rotWithShape="1">
+          <a:blip r:embed="rId2">
+            <a:extLst>
+              <a:ext uri="{28A0092B-C50C-407E-A947-70E740481C1C}">
+                <a14:useLocalDpi xmlns:a14="http://schemas.microsoft.com/office/drawing/2010/main" val="0"/>
+              </a:ext>
+            </a:extLst>
+          </a:blip>
+          <a:srcRect t="12863"/>
+          <a:stretch/>
+        </p:blipFill>
+        <p:spPr>
+          <a:xfrm flipH="1">
+            <a:off x="-1475154" y="5161235"/>
+            <a:ext cx="5327103" cy="2688056"/>
+          </a:xfrm>
+          <a:prstGeom prst="rect">
+            <a:avLst/>
+          </a:prstGeom>
+        </p:spPr>
+      </p:pic>
+      <p:pic>
+        <p:nvPicPr>
+          <p:cNvPr id="5" name="Picture 4" descr="Screen Shot 2015-07-13 at 9.27.09 AM.png"/>
+          <p:cNvPicPr>
+            <a:picLocks noChangeAspect="1"/>
+          </p:cNvPicPr>
+          <p:nvPr/>
+        </p:nvPicPr>
+        <p:blipFill rotWithShape="1">
+          <a:blip r:embed="rId2">
+            <a:extLst>
+              <a:ext uri="{28A0092B-C50C-407E-A947-70E740481C1C}">
+                <a14:useLocalDpi xmlns:a14="http://schemas.microsoft.com/office/drawing/2010/main" val="0"/>
+              </a:ext>
+            </a:extLst>
+          </a:blip>
+          <a:srcRect l="2820" t="12863"/>
+          <a:stretch/>
+        </p:blipFill>
+        <p:spPr>
+          <a:xfrm>
+            <a:off x="3707274" y="5161709"/>
+            <a:ext cx="5176886" cy="2688056"/>
+          </a:xfrm>
+          <a:prstGeom prst="rect">
+            <a:avLst/>
+          </a:prstGeom>
+        </p:spPr>
+      </p:pic>
       <p:sp>
         <p:nvSpPr>
           <p:cNvPr id="2" name="Title 1"/>
@@ -3114,14 +3186,30 @@
             <p:ph type="ctrTitle"/>
           </p:nvPr>
         </p:nvSpPr>
-        <p:spPr/>
-        <p:txBody>
-          <a:bodyPr/>
-          <a:lstStyle/>
-          <a:p>
-            <a:r>
-              <a:rPr lang="en-US" dirty="0" smtClean="0"/>
-              <a:t>Information Visualization</a:t>
+        <p:spPr>
+          <a:xfrm>
+            <a:off x="1899220" y="2235200"/>
+            <a:ext cx="8393560" cy="2387600"/>
+          </a:xfrm>
+        </p:spPr>
+        <p:txBody>
+          <a:bodyPr anchor="ctr"/>
+          <a:lstStyle/>
+          <a:p>
+            <a:r>
+              <a:rPr lang="en-US" sz="4800" b="0" dirty="0" smtClean="0"/>
+              <a:t>information</a:t>
+            </a:r>
+            <a:r>
+              <a:rPr lang="en-US" sz="4400" dirty="0"/>
+              <a:t/>
+            </a:r>
+            <a:br>
+              <a:rPr lang="en-US" sz="4400" dirty="0"/>
+            </a:br>
+            <a:r>
+              <a:rPr lang="en-US" sz="4400" dirty="0" smtClean="0"/>
+              <a:t>VISUALIZATION</a:t>
             </a:r>
             <a:endParaRPr lang="en-US" dirty="0"/>
           </a:p>
@@ -3137,9 +3225,16 @@
             <p:ph type="subTitle" idx="1"/>
           </p:nvPr>
         </p:nvSpPr>
-        <p:spPr/>
-        <p:txBody>
-          <a:bodyPr/>
+        <p:spPr>
+          <a:xfrm>
+            <a:off x="1524000" y="4427334"/>
+            <a:ext cx="9144000" cy="376081"/>
+          </a:xfrm>
+        </p:spPr>
+        <p:txBody>
+          <a:bodyPr>
+            <a:normAutofit fontScale="92500" lnSpcReduction="10000"/>
+          </a:bodyPr>
           <a:lstStyle/>
           <a:p>
             <a:r>
@@ -3158,6 +3253,122 @@
           </a:p>
         </p:txBody>
       </p:sp>
+      <p:pic>
+        <p:nvPicPr>
+          <p:cNvPr id="7" name="Picture 6" descr="Screen Shot 2015-07-13 at 9.27.09 AM.png"/>
+          <p:cNvPicPr>
+            <a:picLocks noChangeAspect="1"/>
+          </p:cNvPicPr>
+          <p:nvPr/>
+        </p:nvPicPr>
+        <p:blipFill rotWithShape="1">
+          <a:blip r:embed="rId2">
+            <a:extLst>
+              <a:ext uri="{28A0092B-C50C-407E-A947-70E740481C1C}">
+                <a14:useLocalDpi xmlns:a14="http://schemas.microsoft.com/office/drawing/2010/main" val="0"/>
+              </a:ext>
+            </a:extLst>
+          </a:blip>
+          <a:srcRect t="12863" r="6089"/>
+          <a:stretch/>
+        </p:blipFill>
+        <p:spPr>
+          <a:xfrm flipH="1">
+            <a:off x="8538632" y="5160761"/>
+            <a:ext cx="5002707" cy="2688056"/>
+          </a:xfrm>
+          <a:prstGeom prst="rect">
+            <a:avLst/>
+          </a:prstGeom>
+        </p:spPr>
+      </p:pic>
+      <p:pic>
+        <p:nvPicPr>
+          <p:cNvPr id="8" name="Picture 7" descr="Screen Shot 2015-07-13 at 9.27.09 AM.png"/>
+          <p:cNvPicPr>
+            <a:picLocks noChangeAspect="1"/>
+          </p:cNvPicPr>
+          <p:nvPr/>
+        </p:nvPicPr>
+        <p:blipFill rotWithShape="1">
+          <a:blip r:embed="rId2">
+            <a:extLst>
+              <a:ext uri="{28A0092B-C50C-407E-A947-70E740481C1C}">
+                <a14:useLocalDpi xmlns:a14="http://schemas.microsoft.com/office/drawing/2010/main" val="0"/>
+              </a:ext>
+            </a:extLst>
+          </a:blip>
+          <a:srcRect t="12863"/>
+          <a:stretch/>
+        </p:blipFill>
+        <p:spPr>
+          <a:xfrm flipH="1" flipV="1">
+            <a:off x="-1470157" y="-730704"/>
+            <a:ext cx="5327103" cy="2688056"/>
+          </a:xfrm>
+          <a:prstGeom prst="rect">
+            <a:avLst/>
+          </a:prstGeom>
+        </p:spPr>
+      </p:pic>
+      <p:pic>
+        <p:nvPicPr>
+          <p:cNvPr id="9" name="Picture 8" descr="Screen Shot 2015-07-13 at 9.27.09 AM.png"/>
+          <p:cNvPicPr>
+            <a:picLocks noChangeAspect="1"/>
+          </p:cNvPicPr>
+          <p:nvPr/>
+        </p:nvPicPr>
+        <p:blipFill rotWithShape="1">
+          <a:blip r:embed="rId2">
+            <a:extLst>
+              <a:ext uri="{28A0092B-C50C-407E-A947-70E740481C1C}">
+                <a14:useLocalDpi xmlns:a14="http://schemas.microsoft.com/office/drawing/2010/main" val="0"/>
+              </a:ext>
+            </a:extLst>
+          </a:blip>
+          <a:srcRect l="2820" t="12863"/>
+          <a:stretch/>
+        </p:blipFill>
+        <p:spPr>
+          <a:xfrm flipV="1">
+            <a:off x="3712271" y="-730230"/>
+            <a:ext cx="5176886" cy="2688056"/>
+          </a:xfrm>
+          <a:prstGeom prst="rect">
+            <a:avLst/>
+          </a:prstGeom>
+        </p:spPr>
+      </p:pic>
+      <p:pic>
+        <p:nvPicPr>
+          <p:cNvPr id="10" name="Picture 9" descr="Screen Shot 2015-07-13 at 9.27.09 AM.png"/>
+          <p:cNvPicPr>
+            <a:picLocks noChangeAspect="1"/>
+          </p:cNvPicPr>
+          <p:nvPr/>
+        </p:nvPicPr>
+        <p:blipFill rotWithShape="1">
+          <a:blip r:embed="rId2">
+            <a:extLst>
+              <a:ext uri="{28A0092B-C50C-407E-A947-70E740481C1C}">
+                <a14:useLocalDpi xmlns:a14="http://schemas.microsoft.com/office/drawing/2010/main" val="0"/>
+              </a:ext>
+            </a:extLst>
+          </a:blip>
+          <a:srcRect t="12863" r="6089"/>
+          <a:stretch/>
+        </p:blipFill>
+        <p:spPr>
+          <a:xfrm flipH="1" flipV="1">
+            <a:off x="8543629" y="-731178"/>
+            <a:ext cx="5002707" cy="2688056"/>
+          </a:xfrm>
+          <a:prstGeom prst="rect">
+            <a:avLst/>
+          </a:prstGeom>
+        </p:spPr>
+      </p:pic>
     </p:spTree>
     <p:extLst>
       <p:ext uri="{BB962C8B-B14F-4D97-AF65-F5344CB8AC3E}">
@@ -3171,7 +3382,7 @@
   <p:timing>
     <p:tnLst>
       <p:par>
-        <p:cTn id="1" dur="indefinite" restart="never" nodeType="tmRoot"/>
+        <p:cTn xmlns:p14="http://schemas.microsoft.com/office/powerpoint/2010/main" id="1" dur="indefinite" restart="never" nodeType="tmRoot"/>
       </p:par>
     </p:tnLst>
   </p:timing>
@@ -3195,68 +3406,40 @@
           <a:chExt cx="0" cy="0"/>
         </a:xfrm>
       </p:grpSpPr>
-      <p:sp>
-        <p:nvSpPr>
-          <p:cNvPr id="2" name="Title 1"/>
-          <p:cNvSpPr>
-            <a:spLocks noGrp="1"/>
-          </p:cNvSpPr>
-          <p:nvPr>
-            <p:ph type="title"/>
-          </p:nvPr>
-        </p:nvSpPr>
+      <p:pic>
+        <p:nvPicPr>
+          <p:cNvPr id="2" name="Picture 1" descr="datatovisualization-3.pdf"/>
+          <p:cNvPicPr>
+            <a:picLocks noChangeAspect="1"/>
+          </p:cNvPicPr>
+          <p:nvPr/>
+        </p:nvPicPr>
+        <p:blipFill>
+          <a:blip r:embed="rId2">
+            <a:extLst>
+              <a:ext uri="{28A0092B-C50C-407E-A947-70E740481C1C}">
+                <a14:useLocalDpi xmlns:a14="http://schemas.microsoft.com/office/drawing/2010/main" val="0"/>
+              </a:ext>
+            </a:extLst>
+          </a:blip>
+          <a:stretch>
+            <a:fillRect/>
+          </a:stretch>
+        </p:blipFill>
         <p:spPr>
           <a:xfrm>
-            <a:off x="332509" y="1709738"/>
-            <a:ext cx="11461173" cy="2852737"/>
+            <a:off x="1600200" y="1130300"/>
+            <a:ext cx="8991600" cy="4597400"/>
           </a:xfrm>
+          <a:prstGeom prst="rect">
+            <a:avLst/>
+          </a:prstGeom>
         </p:spPr>
-        <p:txBody>
-          <a:bodyPr/>
-          <a:lstStyle/>
-          <a:p>
-            <a:r>
-              <a:rPr lang="en-US" sz="3200" b="0" dirty="0" smtClean="0"/>
-              <a:t>Why are </a:t>
-            </a:r>
-            <a:r>
-              <a:rPr lang="en-US" dirty="0" smtClean="0"/>
-              <a:t>information visualizations </a:t>
-            </a:r>
-            <a:br>
-              <a:rPr lang="en-US" dirty="0" smtClean="0"/>
-            </a:br>
-            <a:r>
-              <a:rPr lang="en-US" dirty="0" smtClean="0"/>
-              <a:t>powerful?</a:t>
-            </a:r>
-            <a:endParaRPr lang="en-US" dirty="0"/>
-          </a:p>
-        </p:txBody>
-      </p:sp>
-      <p:sp>
-        <p:nvSpPr>
-          <p:cNvPr id="3" name="Text Placeholder 2"/>
-          <p:cNvSpPr>
-            <a:spLocks noGrp="1"/>
-          </p:cNvSpPr>
-          <p:nvPr>
-            <p:ph type="body" idx="1"/>
-          </p:nvPr>
-        </p:nvSpPr>
-        <p:spPr/>
-        <p:txBody>
-          <a:bodyPr/>
-          <a:lstStyle/>
-          <a:p>
-            <a:endParaRPr lang="en-US"/>
-          </a:p>
-        </p:txBody>
-      </p:sp>
+      </p:pic>
     </p:spTree>
     <p:extLst>
       <p:ext uri="{BB962C8B-B14F-4D97-AF65-F5344CB8AC3E}">
-        <p14:creationId xmlns:p14="http://schemas.microsoft.com/office/powerpoint/2010/main" val="93628244"/>
+        <p14:creationId xmlns:p14="http://schemas.microsoft.com/office/powerpoint/2010/main" val="2449858494"/>
       </p:ext>
     </p:extLst>
   </p:cSld>
@@ -3266,10 +3449,1415 @@
   <p:timing>
     <p:tnLst>
       <p:par>
-        <p:cTn id="1" dur="indefinite" restart="never" nodeType="tmRoot"/>
+        <p:cTn xmlns:p14="http://schemas.microsoft.com/office/powerpoint/2010/main" id="1" dur="indefinite" restart="never" nodeType="tmRoot"/>
       </p:par>
     </p:tnLst>
   </p:timing>
+</p:sld>
+</file>
+
+<file path=ppt/slides/slide11.xml><?xml version="1.0" encoding="utf-8"?>
+<p:sld xmlns:a="http://schemas.openxmlformats.org/drawingml/2006/main" xmlns:r="http://schemas.openxmlformats.org/officeDocument/2006/relationships" xmlns:p="http://schemas.openxmlformats.org/presentationml/2006/main">
+  <p:cSld>
+    <p:spTree>
+      <p:nvGrpSpPr>
+        <p:cNvPr id="1" name=""/>
+        <p:cNvGrpSpPr/>
+        <p:nvPr/>
+      </p:nvGrpSpPr>
+      <p:grpSpPr>
+        <a:xfrm>
+          <a:off x="0" y="0"/>
+          <a:ext cx="0" cy="0"/>
+          <a:chOff x="0" y="0"/>
+          <a:chExt cx="0" cy="0"/>
+        </a:xfrm>
+      </p:grpSpPr>
+      <p:sp>
+        <p:nvSpPr>
+          <p:cNvPr id="2" name="Title 1"/>
+          <p:cNvSpPr>
+            <a:spLocks noGrp="1"/>
+          </p:cNvSpPr>
+          <p:nvPr>
+            <p:ph type="title"/>
+          </p:nvPr>
+        </p:nvSpPr>
+        <p:spPr>
+          <a:xfrm>
+            <a:off x="613065" y="529937"/>
+            <a:ext cx="11315700" cy="2569197"/>
+          </a:xfrm>
+        </p:spPr>
+        <p:txBody>
+          <a:bodyPr anchor="t">
+            <a:noAutofit/>
+          </a:bodyPr>
+          <a:lstStyle/>
+          <a:p>
+            <a:r>
+              <a:rPr lang="en-US" i="1" dirty="0" smtClean="0"/>
+              <a:t>Visualization</a:t>
+            </a:r>
+            <a:r>
+              <a:rPr lang="en-US" sz="4800" b="0" i="1" dirty="0" smtClean="0"/>
+              <a:t> is </a:t>
+            </a:r>
+            <a:br>
+              <a:rPr lang="en-US" sz="4800" b="0" i="1" dirty="0" smtClean="0"/>
+            </a:br>
+            <a:r>
+              <a:rPr lang="en-US" sz="1800" b="0" i="1" dirty="0" smtClean="0"/>
+              <a:t> </a:t>
+            </a:r>
+            <a:r>
+              <a:rPr lang="en-US" sz="1200" b="0" i="1" dirty="0"/>
+              <a:t/>
+            </a:r>
+            <a:br>
+              <a:rPr lang="en-US" sz="1200" b="0" i="1" dirty="0"/>
+            </a:br>
+            <a:r>
+              <a:rPr lang="en-US" sz="4800" b="0" i="1" dirty="0" smtClean="0"/>
+              <a:t>a study of transformation </a:t>
+            </a:r>
+            <a:br>
+              <a:rPr lang="en-US" sz="4800" b="0" i="1" dirty="0" smtClean="0"/>
+            </a:br>
+            <a:r>
+              <a:rPr lang="en-US" sz="4800" b="0" i="1" dirty="0" smtClean="0"/>
+              <a:t>from </a:t>
+            </a:r>
+            <a:r>
+              <a:rPr lang="en-US" sz="4800" i="1" dirty="0" smtClean="0"/>
+              <a:t>data</a:t>
+            </a:r>
+            <a:r>
+              <a:rPr lang="en-US" sz="4800" b="0" i="1" dirty="0" smtClean="0"/>
+              <a:t> to </a:t>
+            </a:r>
+            <a:r>
+              <a:rPr lang="en-US" sz="4800" i="1" dirty="0" smtClean="0"/>
+              <a:t>visual representations</a:t>
+            </a:r>
+            <a:r>
+              <a:rPr lang="en-US" sz="4800" b="0" i="1" dirty="0" smtClean="0"/>
+              <a:t> </a:t>
+            </a:r>
+            <a:br>
+              <a:rPr lang="en-US" sz="4800" b="0" i="1" dirty="0" smtClean="0"/>
+            </a:br>
+            <a:endParaRPr lang="en-US" sz="4800" b="0" i="1" dirty="0">
+              <a:latin typeface="Engravers MT" panose="02090707080505020304" pitchFamily="18" charset="0"/>
+            </a:endParaRPr>
+          </a:p>
+        </p:txBody>
+      </p:sp>
+      <p:sp>
+        <p:nvSpPr>
+          <p:cNvPr id="4" name="TextBox 3"/>
+          <p:cNvSpPr txBox="1"/>
+          <p:nvPr/>
+        </p:nvSpPr>
+        <p:spPr>
+          <a:xfrm>
+            <a:off x="9526273" y="6276109"/>
+            <a:ext cx="1706301" cy="369332"/>
+          </a:xfrm>
+          <a:prstGeom prst="rect">
+            <a:avLst/>
+          </a:prstGeom>
+          <a:noFill/>
+        </p:spPr>
+        <p:txBody>
+          <a:bodyPr wrap="none" rtlCol="0">
+            <a:spAutoFit/>
+          </a:bodyPr>
+          <a:lstStyle/>
+          <a:p>
+            <a:r>
+              <a:rPr lang="en-US" i="1" dirty="0" smtClean="0">
+                <a:latin typeface="Times" panose="02020603050405020304" pitchFamily="18" charset="0"/>
+                <a:cs typeface="Times" panose="02020603050405020304" pitchFamily="18" charset="0"/>
+              </a:rPr>
+              <a:t>Chen et al. 2014</a:t>
+            </a:r>
+            <a:endParaRPr lang="en-US" i="1" dirty="0">
+              <a:latin typeface="Times" panose="02020603050405020304" pitchFamily="18" charset="0"/>
+              <a:cs typeface="Times" panose="02020603050405020304" pitchFamily="18" charset="0"/>
+            </a:endParaRPr>
+          </a:p>
+        </p:txBody>
+      </p:sp>
+      <p:sp>
+        <p:nvSpPr>
+          <p:cNvPr id="3" name="Rectangle 2"/>
+          <p:cNvSpPr/>
+          <p:nvPr/>
+        </p:nvSpPr>
+        <p:spPr>
+          <a:xfrm>
+            <a:off x="-1504" y="334879"/>
+            <a:ext cx="889987" cy="1015663"/>
+          </a:xfrm>
+          <a:prstGeom prst="rect">
+            <a:avLst/>
+          </a:prstGeom>
+        </p:spPr>
+        <p:txBody>
+          <a:bodyPr wrap="none">
+            <a:spAutoFit/>
+          </a:bodyPr>
+          <a:lstStyle/>
+          <a:p>
+            <a:r>
+              <a:rPr lang="en-US" sz="6000" b="0" i="1" dirty="0" smtClean="0">
+                <a:latin typeface="Engravers MT" panose="02090707080505020304" pitchFamily="18" charset="0"/>
+                <a:cs typeface="Times New Roman" panose="02020603050405020304" pitchFamily="18" charset="0"/>
+              </a:rPr>
+              <a:t>“ </a:t>
+            </a:r>
+            <a:endParaRPr lang="en-US" sz="6000" dirty="0"/>
+          </a:p>
+        </p:txBody>
+      </p:sp>
+      <p:pic>
+        <p:nvPicPr>
+          <p:cNvPr id="6" name="Picture 5" descr="datatovisualization-4.pdf"/>
+          <p:cNvPicPr>
+            <a:picLocks noChangeAspect="1"/>
+          </p:cNvPicPr>
+          <p:nvPr/>
+        </p:nvPicPr>
+        <p:blipFill>
+          <a:blip r:embed="rId2">
+            <a:extLst>
+              <a:ext uri="{28A0092B-C50C-407E-A947-70E740481C1C}">
+                <a14:useLocalDpi xmlns:a14="http://schemas.microsoft.com/office/drawing/2010/main" val="0"/>
+              </a:ext>
+            </a:extLst>
+          </a:blip>
+          <a:stretch>
+            <a:fillRect/>
+          </a:stretch>
+        </p:blipFill>
+        <p:spPr>
+          <a:xfrm>
+            <a:off x="2196337" y="3182979"/>
+            <a:ext cx="3932433" cy="869415"/>
+          </a:xfrm>
+          <a:prstGeom prst="rect">
+            <a:avLst/>
+          </a:prstGeom>
+        </p:spPr>
+      </p:pic>
+    </p:spTree>
+    <p:extLst>
+      <p:ext uri="{BB962C8B-B14F-4D97-AF65-F5344CB8AC3E}">
+        <p14:creationId xmlns:p14="http://schemas.microsoft.com/office/powerpoint/2010/main" val="355613889"/>
+      </p:ext>
+    </p:extLst>
+  </p:cSld>
+  <p:clrMapOvr>
+    <a:masterClrMapping/>
+  </p:clrMapOvr>
+  <p:timing>
+    <p:tnLst>
+      <p:par>
+        <p:cTn xmlns:p14="http://schemas.microsoft.com/office/powerpoint/2010/main" id="1" dur="indefinite" restart="never" nodeType="tmRoot"/>
+      </p:par>
+    </p:tnLst>
+  </p:timing>
+</p:sld>
+</file>
+
+<file path=ppt/slides/slide12.xml><?xml version="1.0" encoding="utf-8"?>
+<p:sld xmlns:a="http://schemas.openxmlformats.org/drawingml/2006/main" xmlns:r="http://schemas.openxmlformats.org/officeDocument/2006/relationships" xmlns:p="http://schemas.openxmlformats.org/presentationml/2006/main">
+  <p:cSld>
+    <p:spTree>
+      <p:nvGrpSpPr>
+        <p:cNvPr id="1" name=""/>
+        <p:cNvGrpSpPr/>
+        <p:nvPr/>
+      </p:nvGrpSpPr>
+      <p:grpSpPr>
+        <a:xfrm>
+          <a:off x="0" y="0"/>
+          <a:ext cx="0" cy="0"/>
+          <a:chOff x="0" y="0"/>
+          <a:chExt cx="0" cy="0"/>
+        </a:xfrm>
+      </p:grpSpPr>
+      <p:sp>
+        <p:nvSpPr>
+          <p:cNvPr id="2" name="Title 1"/>
+          <p:cNvSpPr>
+            <a:spLocks noGrp="1"/>
+          </p:cNvSpPr>
+          <p:nvPr>
+            <p:ph type="title"/>
+          </p:nvPr>
+        </p:nvSpPr>
+        <p:spPr>
+          <a:xfrm>
+            <a:off x="613065" y="529937"/>
+            <a:ext cx="11315700" cy="4551217"/>
+          </a:xfrm>
+        </p:spPr>
+        <p:txBody>
+          <a:bodyPr anchor="t">
+            <a:noAutofit/>
+          </a:bodyPr>
+          <a:lstStyle/>
+          <a:p>
+            <a:r>
+              <a:rPr lang="en-US" i="1" dirty="0" smtClean="0"/>
+              <a:t>Visualization</a:t>
+            </a:r>
+            <a:r>
+              <a:rPr lang="en-US" sz="4800" b="0" i="1" dirty="0" smtClean="0"/>
+              <a:t> is </a:t>
+            </a:r>
+            <a:br>
+              <a:rPr lang="en-US" sz="4800" b="0" i="1" dirty="0" smtClean="0"/>
+            </a:br>
+            <a:r>
+              <a:rPr lang="en-US" sz="1800" b="0" i="1" dirty="0" smtClean="0"/>
+              <a:t> </a:t>
+            </a:r>
+            <a:r>
+              <a:rPr lang="en-US" sz="1200" b="0" i="1" dirty="0"/>
+              <a:t/>
+            </a:r>
+            <a:br>
+              <a:rPr lang="en-US" sz="1200" b="0" i="1" dirty="0"/>
+            </a:br>
+            <a:r>
+              <a:rPr lang="en-US" sz="4800" b="0" i="1" dirty="0" smtClean="0"/>
+              <a:t>a study of transformation </a:t>
+            </a:r>
+            <a:br>
+              <a:rPr lang="en-US" sz="4800" b="0" i="1" dirty="0" smtClean="0"/>
+            </a:br>
+            <a:r>
+              <a:rPr lang="en-US" sz="4800" b="0" i="1" dirty="0" smtClean="0"/>
+              <a:t>from </a:t>
+            </a:r>
+            <a:r>
+              <a:rPr lang="en-US" sz="4800" i="1" dirty="0" smtClean="0"/>
+              <a:t>data</a:t>
+            </a:r>
+            <a:r>
+              <a:rPr lang="en-US" sz="4800" b="0" i="1" dirty="0" smtClean="0"/>
+              <a:t> to </a:t>
+            </a:r>
+            <a:r>
+              <a:rPr lang="en-US" sz="4800" i="1" dirty="0" smtClean="0"/>
+              <a:t>visual representations</a:t>
+            </a:r>
+            <a:r>
+              <a:rPr lang="en-US" sz="4800" b="0" i="1" dirty="0" smtClean="0"/>
+              <a:t> </a:t>
+            </a:r>
+            <a:br>
+              <a:rPr lang="en-US" sz="4800" b="0" i="1" dirty="0" smtClean="0"/>
+            </a:br>
+            <a:r>
+              <a:rPr lang="en-US" sz="1800" b="0" i="1" dirty="0" smtClean="0"/>
+              <a:t> </a:t>
+            </a:r>
+            <a:r>
+              <a:rPr lang="en-US" sz="1200" b="0" i="1" dirty="0" smtClean="0"/>
+              <a:t/>
+            </a:r>
+            <a:br>
+              <a:rPr lang="en-US" sz="1200" b="0" i="1" dirty="0" smtClean="0"/>
+            </a:br>
+            <a:r>
+              <a:rPr lang="en-US" sz="2400" b="0" i="1" dirty="0" smtClean="0"/>
+              <a:t>in </a:t>
+            </a:r>
+            <a:r>
+              <a:rPr lang="en-US" sz="2400" b="0" i="1" dirty="0" smtClean="0"/>
+              <a:t>order to facilitate </a:t>
+            </a:r>
+            <a:r>
+              <a:rPr lang="en-US" sz="2400" dirty="0" smtClean="0"/>
+              <a:t>↴</a:t>
+            </a:r>
+            <a:r>
+              <a:rPr lang="en-US" sz="2400" b="0" i="1" dirty="0" smtClean="0"/>
+              <a:t> </a:t>
+            </a:r>
+            <a:r>
+              <a:rPr lang="en-US" sz="4000" b="0" i="1" dirty="0" smtClean="0"/>
+              <a:t/>
+            </a:r>
+            <a:br>
+              <a:rPr lang="en-US" sz="4000" b="0" i="1" dirty="0" smtClean="0"/>
+            </a:br>
+            <a:r>
+              <a:rPr lang="en-US" sz="2000" b="0" i="1" dirty="0" smtClean="0"/>
+              <a:t> </a:t>
+            </a:r>
+            <a:r>
+              <a:rPr lang="en-US" sz="1400" b="0" i="1" dirty="0" smtClean="0"/>
+              <a:t> </a:t>
+            </a:r>
+            <a:r>
+              <a:rPr lang="en-US" sz="4800" b="0" i="1" dirty="0" smtClean="0"/>
+              <a:t/>
+            </a:r>
+            <a:br>
+              <a:rPr lang="en-US" sz="4800" b="0" i="1" dirty="0" smtClean="0"/>
+            </a:br>
+            <a:endParaRPr lang="en-US" sz="4800" b="0" i="1" dirty="0">
+              <a:latin typeface="Engravers MT" panose="02090707080505020304" pitchFamily="18" charset="0"/>
+            </a:endParaRPr>
+          </a:p>
+        </p:txBody>
+      </p:sp>
+      <p:sp>
+        <p:nvSpPr>
+          <p:cNvPr id="4" name="TextBox 3"/>
+          <p:cNvSpPr txBox="1"/>
+          <p:nvPr/>
+        </p:nvSpPr>
+        <p:spPr>
+          <a:xfrm>
+            <a:off x="9526273" y="6276109"/>
+            <a:ext cx="1706301" cy="369332"/>
+          </a:xfrm>
+          <a:prstGeom prst="rect">
+            <a:avLst/>
+          </a:prstGeom>
+          <a:noFill/>
+        </p:spPr>
+        <p:txBody>
+          <a:bodyPr wrap="none" rtlCol="0">
+            <a:spAutoFit/>
+          </a:bodyPr>
+          <a:lstStyle/>
+          <a:p>
+            <a:r>
+              <a:rPr lang="en-US" i="1" dirty="0" smtClean="0">
+                <a:latin typeface="Times" panose="02020603050405020304" pitchFamily="18" charset="0"/>
+                <a:cs typeface="Times" panose="02020603050405020304" pitchFamily="18" charset="0"/>
+              </a:rPr>
+              <a:t>Chen et al. 2014</a:t>
+            </a:r>
+            <a:endParaRPr lang="en-US" i="1" dirty="0">
+              <a:latin typeface="Times" panose="02020603050405020304" pitchFamily="18" charset="0"/>
+              <a:cs typeface="Times" panose="02020603050405020304" pitchFamily="18" charset="0"/>
+            </a:endParaRPr>
+          </a:p>
+        </p:txBody>
+      </p:sp>
+      <p:sp>
+        <p:nvSpPr>
+          <p:cNvPr id="3" name="Rectangle 2"/>
+          <p:cNvSpPr/>
+          <p:nvPr/>
+        </p:nvSpPr>
+        <p:spPr>
+          <a:xfrm>
+            <a:off x="-1504" y="334879"/>
+            <a:ext cx="889987" cy="1015663"/>
+          </a:xfrm>
+          <a:prstGeom prst="rect">
+            <a:avLst/>
+          </a:prstGeom>
+        </p:spPr>
+        <p:txBody>
+          <a:bodyPr wrap="none">
+            <a:spAutoFit/>
+          </a:bodyPr>
+          <a:lstStyle/>
+          <a:p>
+            <a:r>
+              <a:rPr lang="en-US" sz="6000" b="0" i="1" dirty="0" smtClean="0">
+                <a:latin typeface="Engravers MT" panose="02090707080505020304" pitchFamily="18" charset="0"/>
+                <a:cs typeface="Times New Roman" panose="02020603050405020304" pitchFamily="18" charset="0"/>
+              </a:rPr>
+              <a:t>“ </a:t>
+            </a:r>
+            <a:endParaRPr lang="en-US" sz="6000" dirty="0"/>
+          </a:p>
+        </p:txBody>
+      </p:sp>
+    </p:spTree>
+    <p:extLst>
+      <p:ext uri="{BB962C8B-B14F-4D97-AF65-F5344CB8AC3E}">
+        <p14:creationId xmlns:p14="http://schemas.microsoft.com/office/powerpoint/2010/main" val="1887288185"/>
+      </p:ext>
+    </p:extLst>
+  </p:cSld>
+  <p:clrMapOvr>
+    <a:masterClrMapping/>
+  </p:clrMapOvr>
+  <p:timing>
+    <p:tnLst>
+      <p:par>
+        <p:cTn xmlns:p14="http://schemas.microsoft.com/office/powerpoint/2010/main" id="1" dur="indefinite" restart="never" nodeType="tmRoot"/>
+      </p:par>
+    </p:tnLst>
+  </p:timing>
+</p:sld>
+</file>
+
+<file path=ppt/slides/slide13.xml><?xml version="1.0" encoding="utf-8"?>
+<p:sld xmlns:a="http://schemas.openxmlformats.org/drawingml/2006/main" xmlns:r="http://schemas.openxmlformats.org/officeDocument/2006/relationships" xmlns:p="http://schemas.openxmlformats.org/presentationml/2006/main">
+  <p:cSld>
+    <p:spTree>
+      <p:nvGrpSpPr>
+        <p:cNvPr id="1" name=""/>
+        <p:cNvGrpSpPr/>
+        <p:nvPr/>
+      </p:nvGrpSpPr>
+      <p:grpSpPr>
+        <a:xfrm>
+          <a:off x="0" y="0"/>
+          <a:ext cx="0" cy="0"/>
+          <a:chOff x="0" y="0"/>
+          <a:chExt cx="0" cy="0"/>
+        </a:xfrm>
+      </p:grpSpPr>
+      <p:sp>
+        <p:nvSpPr>
+          <p:cNvPr id="2" name="Title 1"/>
+          <p:cNvSpPr>
+            <a:spLocks noGrp="1"/>
+          </p:cNvSpPr>
+          <p:nvPr>
+            <p:ph type="title"/>
+          </p:nvPr>
+        </p:nvSpPr>
+        <p:spPr>
+          <a:xfrm>
+            <a:off x="613065" y="529937"/>
+            <a:ext cx="11315700" cy="4551217"/>
+          </a:xfrm>
+        </p:spPr>
+        <p:txBody>
+          <a:bodyPr anchor="t">
+            <a:noAutofit/>
+          </a:bodyPr>
+          <a:lstStyle/>
+          <a:p>
+            <a:r>
+              <a:rPr lang="en-US" i="1" dirty="0" smtClean="0"/>
+              <a:t>Visualization</a:t>
+            </a:r>
+            <a:r>
+              <a:rPr lang="en-US" sz="4800" b="0" i="1" dirty="0" smtClean="0"/>
+              <a:t> is </a:t>
+            </a:r>
+            <a:br>
+              <a:rPr lang="en-US" sz="4800" b="0" i="1" dirty="0" smtClean="0"/>
+            </a:br>
+            <a:r>
+              <a:rPr lang="en-US" sz="1800" b="0" i="1" dirty="0" smtClean="0"/>
+              <a:t> </a:t>
+            </a:r>
+            <a:r>
+              <a:rPr lang="en-US" sz="1200" b="0" i="1" dirty="0"/>
+              <a:t/>
+            </a:r>
+            <a:br>
+              <a:rPr lang="en-US" sz="1200" b="0" i="1" dirty="0"/>
+            </a:br>
+            <a:r>
+              <a:rPr lang="en-US" sz="4800" b="0" i="1" dirty="0" smtClean="0"/>
+              <a:t>a study of transformation </a:t>
+            </a:r>
+            <a:br>
+              <a:rPr lang="en-US" sz="4800" b="0" i="1" dirty="0" smtClean="0"/>
+            </a:br>
+            <a:r>
+              <a:rPr lang="en-US" sz="4800" b="0" i="1" dirty="0" smtClean="0"/>
+              <a:t>from </a:t>
+            </a:r>
+            <a:r>
+              <a:rPr lang="en-US" sz="4800" i="1" dirty="0" smtClean="0"/>
+              <a:t>data</a:t>
+            </a:r>
+            <a:r>
+              <a:rPr lang="en-US" sz="4800" b="0" i="1" dirty="0" smtClean="0"/>
+              <a:t> to </a:t>
+            </a:r>
+            <a:r>
+              <a:rPr lang="en-US" sz="4800" i="1" dirty="0" smtClean="0"/>
+              <a:t>visual representations</a:t>
+            </a:r>
+            <a:r>
+              <a:rPr lang="en-US" sz="4800" b="0" i="1" dirty="0" smtClean="0"/>
+              <a:t> </a:t>
+            </a:r>
+            <a:br>
+              <a:rPr lang="en-US" sz="4800" b="0" i="1" dirty="0" smtClean="0"/>
+            </a:br>
+            <a:r>
+              <a:rPr lang="en-US" sz="1800" b="0" i="1" dirty="0" smtClean="0"/>
+              <a:t> </a:t>
+            </a:r>
+            <a:r>
+              <a:rPr lang="en-US" sz="1200" b="0" i="1" dirty="0" smtClean="0"/>
+              <a:t/>
+            </a:r>
+            <a:br>
+              <a:rPr lang="en-US" sz="1200" b="0" i="1" dirty="0" smtClean="0"/>
+            </a:br>
+            <a:r>
+              <a:rPr lang="en-US" sz="2400" b="0" i="1" dirty="0" smtClean="0"/>
+              <a:t>in </a:t>
+            </a:r>
+            <a:r>
+              <a:rPr lang="en-US" sz="2400" b="0" i="1" dirty="0" smtClean="0"/>
+              <a:t>order to facilitate </a:t>
+            </a:r>
+            <a:r>
+              <a:rPr lang="en-US" sz="2400" dirty="0" smtClean="0"/>
+              <a:t>↴</a:t>
+            </a:r>
+            <a:r>
+              <a:rPr lang="en-US" sz="2400" b="0" i="1" dirty="0" smtClean="0"/>
+              <a:t> </a:t>
+            </a:r>
+            <a:r>
+              <a:rPr lang="en-US" sz="4000" b="0" i="1" dirty="0" smtClean="0"/>
+              <a:t/>
+            </a:r>
+            <a:br>
+              <a:rPr lang="en-US" sz="4000" b="0" i="1" dirty="0" smtClean="0"/>
+            </a:br>
+            <a:r>
+              <a:rPr lang="en-US" sz="2000" b="0" i="1" dirty="0" smtClean="0"/>
+              <a:t> </a:t>
+            </a:r>
+            <a:r>
+              <a:rPr lang="en-US" sz="1400" b="0" i="1" dirty="0" smtClean="0"/>
+              <a:t> </a:t>
+            </a:r>
+            <a:r>
+              <a:rPr lang="en-US" sz="4800" b="0" i="1" dirty="0" smtClean="0"/>
+              <a:t/>
+            </a:r>
+            <a:br>
+              <a:rPr lang="en-US" sz="4800" b="0" i="1" dirty="0" smtClean="0"/>
+            </a:br>
+            <a:r>
+              <a:rPr lang="en-US" sz="4800" i="1" dirty="0" smtClean="0"/>
+              <a:t>effective</a:t>
+            </a:r>
+            <a:r>
+              <a:rPr lang="en-US" sz="4800" b="0" i="1" dirty="0" smtClean="0"/>
+              <a:t> and </a:t>
+            </a:r>
+            <a:r>
+              <a:rPr lang="en-US" sz="4800" i="1" dirty="0" smtClean="0"/>
+              <a:t>efficient</a:t>
+            </a:r>
+            <a:r>
+              <a:rPr lang="en-US" sz="4800" b="0" i="1" dirty="0" smtClean="0"/>
+              <a:t> </a:t>
+            </a:r>
+            <a:br>
+              <a:rPr lang="en-US" sz="4800" b="0" i="1" dirty="0" smtClean="0"/>
+            </a:br>
+            <a:r>
+              <a:rPr lang="en-US" sz="4800" b="0" i="1" dirty="0" smtClean="0"/>
+              <a:t>cognitive processes </a:t>
+            </a:r>
+            <a:br>
+              <a:rPr lang="en-US" sz="4800" b="0" i="1" dirty="0" smtClean="0"/>
+            </a:br>
+            <a:r>
+              <a:rPr lang="en-US" sz="4800" b="0" i="1" dirty="0" smtClean="0"/>
+              <a:t>in </a:t>
+            </a:r>
+            <a:r>
+              <a:rPr lang="en-US" sz="4800" i="1" dirty="0" smtClean="0"/>
+              <a:t>performing tasks involving data</a:t>
+            </a:r>
+            <a:r>
+              <a:rPr lang="en-US" sz="4800" b="0" i="1" dirty="0" smtClean="0"/>
+              <a:t>.</a:t>
+            </a:r>
+            <a:r>
+              <a:rPr lang="en-US" sz="4800" b="0" i="1" dirty="0" smtClean="0">
+                <a:latin typeface="Engravers MT" panose="02090707080505020304" pitchFamily="18" charset="0"/>
+              </a:rPr>
+              <a:t>"</a:t>
+            </a:r>
+            <a:endParaRPr lang="en-US" sz="4800" b="0" i="1" dirty="0">
+              <a:latin typeface="Engravers MT" panose="02090707080505020304" pitchFamily="18" charset="0"/>
+            </a:endParaRPr>
+          </a:p>
+        </p:txBody>
+      </p:sp>
+      <p:sp>
+        <p:nvSpPr>
+          <p:cNvPr id="4" name="TextBox 3"/>
+          <p:cNvSpPr txBox="1"/>
+          <p:nvPr/>
+        </p:nvSpPr>
+        <p:spPr>
+          <a:xfrm>
+            <a:off x="9526273" y="6276109"/>
+            <a:ext cx="1706301" cy="369332"/>
+          </a:xfrm>
+          <a:prstGeom prst="rect">
+            <a:avLst/>
+          </a:prstGeom>
+          <a:noFill/>
+        </p:spPr>
+        <p:txBody>
+          <a:bodyPr wrap="none" rtlCol="0">
+            <a:spAutoFit/>
+          </a:bodyPr>
+          <a:lstStyle/>
+          <a:p>
+            <a:r>
+              <a:rPr lang="en-US" i="1" dirty="0" smtClean="0">
+                <a:latin typeface="Times" panose="02020603050405020304" pitchFamily="18" charset="0"/>
+                <a:cs typeface="Times" panose="02020603050405020304" pitchFamily="18" charset="0"/>
+              </a:rPr>
+              <a:t>Chen et al. 2014</a:t>
+            </a:r>
+            <a:endParaRPr lang="en-US" i="1" dirty="0">
+              <a:latin typeface="Times" panose="02020603050405020304" pitchFamily="18" charset="0"/>
+              <a:cs typeface="Times" panose="02020603050405020304" pitchFamily="18" charset="0"/>
+            </a:endParaRPr>
+          </a:p>
+        </p:txBody>
+      </p:sp>
+      <p:sp>
+        <p:nvSpPr>
+          <p:cNvPr id="3" name="Rectangle 2"/>
+          <p:cNvSpPr/>
+          <p:nvPr/>
+        </p:nvSpPr>
+        <p:spPr>
+          <a:xfrm>
+            <a:off x="-1504" y="334879"/>
+            <a:ext cx="889987" cy="1015663"/>
+          </a:xfrm>
+          <a:prstGeom prst="rect">
+            <a:avLst/>
+          </a:prstGeom>
+        </p:spPr>
+        <p:txBody>
+          <a:bodyPr wrap="none">
+            <a:spAutoFit/>
+          </a:bodyPr>
+          <a:lstStyle/>
+          <a:p>
+            <a:r>
+              <a:rPr lang="en-US" sz="6000" b="0" i="1" dirty="0" smtClean="0">
+                <a:latin typeface="Engravers MT" panose="02090707080505020304" pitchFamily="18" charset="0"/>
+                <a:cs typeface="Times New Roman" panose="02020603050405020304" pitchFamily="18" charset="0"/>
+              </a:rPr>
+              <a:t>“ </a:t>
+            </a:r>
+            <a:endParaRPr lang="en-US" sz="6000" dirty="0"/>
+          </a:p>
+        </p:txBody>
+      </p:sp>
+    </p:spTree>
+    <p:extLst>
+      <p:ext uri="{BB962C8B-B14F-4D97-AF65-F5344CB8AC3E}">
+        <p14:creationId xmlns:p14="http://schemas.microsoft.com/office/powerpoint/2010/main" val="1887288185"/>
+      </p:ext>
+    </p:extLst>
+  </p:cSld>
+  <p:clrMapOvr>
+    <a:masterClrMapping/>
+  </p:clrMapOvr>
+  <p:timing>
+    <p:tnLst>
+      <p:par>
+        <p:cTn xmlns:p14="http://schemas.microsoft.com/office/powerpoint/2010/main" id="1" dur="indefinite" restart="never" nodeType="tmRoot"/>
+      </p:par>
+    </p:tnLst>
+  </p:timing>
+</p:sld>
+</file>
+
+<file path=ppt/slides/slide14.xml><?xml version="1.0" encoding="utf-8"?>
+<p:sld xmlns:a="http://schemas.openxmlformats.org/drawingml/2006/main" xmlns:r="http://schemas.openxmlformats.org/officeDocument/2006/relationships" xmlns:p="http://schemas.openxmlformats.org/presentationml/2006/main">
+  <p:cSld>
+    <p:spTree>
+      <p:nvGrpSpPr>
+        <p:cNvPr id="1" name=""/>
+        <p:cNvGrpSpPr/>
+        <p:nvPr/>
+      </p:nvGrpSpPr>
+      <p:grpSpPr>
+        <a:xfrm>
+          <a:off x="0" y="0"/>
+          <a:ext cx="0" cy="0"/>
+          <a:chOff x="0" y="0"/>
+          <a:chExt cx="0" cy="0"/>
+        </a:xfrm>
+      </p:grpSpPr>
+      <p:sp>
+        <p:nvSpPr>
+          <p:cNvPr id="2" name="Title 1"/>
+          <p:cNvSpPr>
+            <a:spLocks noGrp="1"/>
+          </p:cNvSpPr>
+          <p:nvPr>
+            <p:ph type="title"/>
+          </p:nvPr>
+        </p:nvSpPr>
+        <p:spPr>
+          <a:xfrm>
+            <a:off x="831850" y="426028"/>
+            <a:ext cx="10515600" cy="4136448"/>
+          </a:xfrm>
+        </p:spPr>
+        <p:txBody>
+          <a:bodyPr anchor="ctr"/>
+          <a:lstStyle/>
+          <a:p>
+            <a:pPr>
+              <a:spcAft>
+                <a:spcPts val="600"/>
+              </a:spcAft>
+            </a:pPr>
+            <a:r>
+              <a:rPr lang="en-US" dirty="0" smtClean="0">
+                <a:solidFill>
+                  <a:schemeClr val="tx1"/>
+                </a:solidFill>
+              </a:rPr>
+              <a:t>Visualizations</a:t>
+            </a:r>
+            <a:br>
+              <a:rPr lang="en-US" dirty="0" smtClean="0">
+                <a:solidFill>
+                  <a:schemeClr val="tx1"/>
+                </a:solidFill>
+              </a:rPr>
+            </a:br>
+            <a:r>
+              <a:rPr lang="en-US" sz="2400" b="0" dirty="0" smtClean="0"/>
+              <a:t> </a:t>
+            </a:r>
+            <a:r>
+              <a:rPr lang="en-US" dirty="0" smtClean="0">
+                <a:solidFill>
+                  <a:schemeClr val="bg1">
+                    <a:lumMod val="50000"/>
+                  </a:schemeClr>
+                </a:solidFill>
+              </a:rPr>
+              <a:t/>
+            </a:r>
+            <a:br>
+              <a:rPr lang="en-US" dirty="0" smtClean="0">
+                <a:solidFill>
+                  <a:schemeClr val="bg1">
+                    <a:lumMod val="50000"/>
+                  </a:schemeClr>
+                </a:solidFill>
+              </a:rPr>
+            </a:br>
+            <a:r>
+              <a:rPr lang="en-US" sz="4400" dirty="0" smtClean="0">
+                <a:solidFill>
+                  <a:srgbClr val="C00000"/>
+                </a:solidFill>
+              </a:rPr>
+              <a:t>facilitate</a:t>
+            </a:r>
+            <a:r>
+              <a:rPr lang="en-US" sz="4400" dirty="0" smtClean="0"/>
+              <a:t> effective</a:t>
+            </a:r>
+            <a:r>
+              <a:rPr lang="en-US" sz="4400" b="0" dirty="0" smtClean="0"/>
+              <a:t> and </a:t>
+            </a:r>
+            <a:r>
+              <a:rPr lang="en-US" sz="4400" dirty="0" smtClean="0"/>
+              <a:t>efficient</a:t>
+            </a:r>
+            <a:r>
+              <a:rPr lang="en-US" sz="4400" b="0" dirty="0" smtClean="0"/>
+              <a:t> </a:t>
+            </a:r>
+            <a:br>
+              <a:rPr lang="en-US" sz="4400" b="0" dirty="0" smtClean="0"/>
+            </a:br>
+            <a:r>
+              <a:rPr lang="en-US" sz="4400" b="0" dirty="0" smtClean="0"/>
+              <a:t>cognitive processes</a:t>
+            </a:r>
+            <a:endParaRPr lang="en-US" sz="4800" dirty="0"/>
+          </a:p>
+        </p:txBody>
+      </p:sp>
+      <p:sp>
+        <p:nvSpPr>
+          <p:cNvPr id="3" name="Text Placeholder 2"/>
+          <p:cNvSpPr>
+            <a:spLocks noGrp="1"/>
+          </p:cNvSpPr>
+          <p:nvPr>
+            <p:ph type="body" idx="1"/>
+          </p:nvPr>
+        </p:nvSpPr>
+        <p:spPr/>
+        <p:txBody>
+          <a:bodyPr/>
+          <a:lstStyle/>
+          <a:p>
+            <a:endParaRPr lang="en-US" dirty="0"/>
+          </a:p>
+        </p:txBody>
+      </p:sp>
+    </p:spTree>
+    <p:extLst>
+      <p:ext uri="{BB962C8B-B14F-4D97-AF65-F5344CB8AC3E}">
+        <p14:creationId xmlns:p14="http://schemas.microsoft.com/office/powerpoint/2010/main" val="97883252"/>
+      </p:ext>
+    </p:extLst>
+  </p:cSld>
+  <p:clrMapOvr>
+    <a:masterClrMapping/>
+  </p:clrMapOvr>
+  <p:timing>
+    <p:tnLst>
+      <p:par>
+        <p:cTn xmlns:p14="http://schemas.microsoft.com/office/powerpoint/2010/main" id="1" dur="indefinite" restart="never" nodeType="tmRoot"/>
+      </p:par>
+    </p:tnLst>
+  </p:timing>
+</p:sld>
+</file>
+
+<file path=ppt/slides/slide15.xml><?xml version="1.0" encoding="utf-8"?>
+<p:sld xmlns:a="http://schemas.openxmlformats.org/drawingml/2006/main" xmlns:r="http://schemas.openxmlformats.org/officeDocument/2006/relationships" xmlns:p="http://schemas.openxmlformats.org/presentationml/2006/main">
+  <p:cSld>
+    <p:spTree>
+      <p:nvGrpSpPr>
+        <p:cNvPr id="1" name=""/>
+        <p:cNvGrpSpPr/>
+        <p:nvPr/>
+      </p:nvGrpSpPr>
+      <p:grpSpPr>
+        <a:xfrm>
+          <a:off x="0" y="0"/>
+          <a:ext cx="0" cy="0"/>
+          <a:chOff x="0" y="0"/>
+          <a:chExt cx="0" cy="0"/>
+        </a:xfrm>
+      </p:grpSpPr>
+      <p:sp>
+        <p:nvSpPr>
+          <p:cNvPr id="2" name="Title 1"/>
+          <p:cNvSpPr>
+            <a:spLocks noGrp="1"/>
+          </p:cNvSpPr>
+          <p:nvPr>
+            <p:ph type="title"/>
+          </p:nvPr>
+        </p:nvSpPr>
+        <p:spPr>
+          <a:xfrm>
+            <a:off x="831850" y="426028"/>
+            <a:ext cx="10515600" cy="4136448"/>
+          </a:xfrm>
+        </p:spPr>
+        <p:txBody>
+          <a:bodyPr anchor="ctr"/>
+          <a:lstStyle/>
+          <a:p>
+            <a:pPr>
+              <a:spcAft>
+                <a:spcPts val="600"/>
+              </a:spcAft>
+            </a:pPr>
+            <a:r>
+              <a:rPr lang="en-US" dirty="0" smtClean="0">
+                <a:solidFill>
+                  <a:schemeClr val="tx1"/>
+                </a:solidFill>
+              </a:rPr>
+              <a:t>Visualizations</a:t>
+            </a:r>
+            <a:br>
+              <a:rPr lang="en-US" dirty="0" smtClean="0">
+                <a:solidFill>
+                  <a:schemeClr val="tx1"/>
+                </a:solidFill>
+              </a:rPr>
+            </a:br>
+            <a:r>
+              <a:rPr lang="en-US" sz="2400" b="0" dirty="0" smtClean="0"/>
+              <a:t> </a:t>
+            </a:r>
+            <a:r>
+              <a:rPr lang="en-US" dirty="0" smtClean="0">
+                <a:solidFill>
+                  <a:schemeClr val="bg1">
+                    <a:lumMod val="50000"/>
+                  </a:schemeClr>
+                </a:solidFill>
+              </a:rPr>
+              <a:t/>
+            </a:r>
+            <a:br>
+              <a:rPr lang="en-US" dirty="0" smtClean="0">
+                <a:solidFill>
+                  <a:schemeClr val="bg1">
+                    <a:lumMod val="50000"/>
+                  </a:schemeClr>
+                </a:solidFill>
+              </a:rPr>
+            </a:br>
+            <a:r>
+              <a:rPr lang="en-US" sz="4400" dirty="0" smtClean="0">
+                <a:solidFill>
+                  <a:srgbClr val="C00000"/>
+                </a:solidFill>
+              </a:rPr>
+              <a:t>facilitate</a:t>
+            </a:r>
+            <a:r>
+              <a:rPr lang="en-US" sz="4400" dirty="0" smtClean="0"/>
+              <a:t> performing tasks</a:t>
+            </a:r>
+            <a:r>
+              <a:rPr lang="en-US" sz="4400" b="0" dirty="0" smtClean="0"/>
+              <a:t/>
+            </a:r>
+            <a:br>
+              <a:rPr lang="en-US" sz="4400" b="0" dirty="0" smtClean="0"/>
+            </a:br>
+            <a:r>
+              <a:rPr lang="en-US" sz="4400" b="0" dirty="0" smtClean="0"/>
+              <a:t>involving data </a:t>
+            </a:r>
+            <a:endParaRPr lang="en-US" sz="4800" b="0" dirty="0"/>
+          </a:p>
+        </p:txBody>
+      </p:sp>
+      <p:sp>
+        <p:nvSpPr>
+          <p:cNvPr id="3" name="Text Placeholder 2"/>
+          <p:cNvSpPr>
+            <a:spLocks noGrp="1"/>
+          </p:cNvSpPr>
+          <p:nvPr>
+            <p:ph type="body" idx="1"/>
+          </p:nvPr>
+        </p:nvSpPr>
+        <p:spPr/>
+        <p:txBody>
+          <a:bodyPr/>
+          <a:lstStyle/>
+          <a:p>
+            <a:endParaRPr lang="en-US" dirty="0"/>
+          </a:p>
+        </p:txBody>
+      </p:sp>
+    </p:spTree>
+    <p:extLst>
+      <p:ext uri="{BB962C8B-B14F-4D97-AF65-F5344CB8AC3E}">
+        <p14:creationId xmlns:p14="http://schemas.microsoft.com/office/powerpoint/2010/main" val="2935861299"/>
+      </p:ext>
+    </p:extLst>
+  </p:cSld>
+  <p:clrMapOvr>
+    <a:masterClrMapping/>
+  </p:clrMapOvr>
+  <p:timing>
+    <p:tnLst>
+      <p:par>
+        <p:cTn xmlns:p14="http://schemas.microsoft.com/office/powerpoint/2010/main" id="1" dur="indefinite" restart="never" nodeType="tmRoot"/>
+      </p:par>
+    </p:tnLst>
+  </p:timing>
+</p:sld>
+</file>
+
+<file path=ppt/slides/slide16.xml><?xml version="1.0" encoding="utf-8"?>
+<p:sld xmlns:a="http://schemas.openxmlformats.org/drawingml/2006/main" xmlns:r="http://schemas.openxmlformats.org/officeDocument/2006/relationships" xmlns:p="http://schemas.openxmlformats.org/presentationml/2006/main">
+  <p:cSld>
+    <p:spTree>
+      <p:nvGrpSpPr>
+        <p:cNvPr id="1" name=""/>
+        <p:cNvGrpSpPr/>
+        <p:nvPr/>
+      </p:nvGrpSpPr>
+      <p:grpSpPr>
+        <a:xfrm>
+          <a:off x="0" y="0"/>
+          <a:ext cx="0" cy="0"/>
+          <a:chOff x="0" y="0"/>
+          <a:chExt cx="0" cy="0"/>
+        </a:xfrm>
+      </p:grpSpPr>
+    </p:spTree>
+    <p:extLst>
+      <p:ext uri="{BB962C8B-B14F-4D97-AF65-F5344CB8AC3E}">
+        <p14:creationId xmlns:p14="http://schemas.microsoft.com/office/powerpoint/2010/main" val="3409758796"/>
+      </p:ext>
+    </p:extLst>
+  </p:cSld>
+  <p:clrMapOvr>
+    <a:masterClrMapping/>
+  </p:clrMapOvr>
+</p:sld>
+</file>
+
+<file path=ppt/slides/slide17.xml><?xml version="1.0" encoding="utf-8"?>
+<p:sld xmlns:a="http://schemas.openxmlformats.org/drawingml/2006/main" xmlns:r="http://schemas.openxmlformats.org/officeDocument/2006/relationships" xmlns:p="http://schemas.openxmlformats.org/presentationml/2006/main">
+  <p:cSld>
+    <p:spTree>
+      <p:nvGrpSpPr>
+        <p:cNvPr id="1" name=""/>
+        <p:cNvGrpSpPr/>
+        <p:nvPr/>
+      </p:nvGrpSpPr>
+      <p:grpSpPr>
+        <a:xfrm>
+          <a:off x="0" y="0"/>
+          <a:ext cx="0" cy="0"/>
+          <a:chOff x="0" y="0"/>
+          <a:chExt cx="0" cy="0"/>
+        </a:xfrm>
+      </p:grpSpPr>
+      <p:sp>
+        <p:nvSpPr>
+          <p:cNvPr id="4" name="Title 3"/>
+          <p:cNvSpPr>
+            <a:spLocks noGrp="1"/>
+          </p:cNvSpPr>
+          <p:nvPr>
+            <p:ph type="title"/>
+          </p:nvPr>
+        </p:nvSpPr>
+        <p:spPr/>
+        <p:txBody>
+          <a:bodyPr/>
+          <a:lstStyle/>
+          <a:p>
+            <a:r>
+              <a:rPr lang="en-US" b="0" dirty="0" smtClean="0"/>
+              <a:t>What is </a:t>
+            </a:r>
+            <a:r>
+              <a:rPr lang="en-US" b="0" dirty="0" smtClean="0"/>
+              <a:t/>
+            </a:r>
+            <a:br>
+              <a:rPr lang="en-US" b="0" dirty="0" smtClean="0"/>
+            </a:br>
+            <a:r>
+              <a:rPr lang="en-US" dirty="0" smtClean="0"/>
+              <a:t>information</a:t>
+            </a:r>
+            <a:r>
+              <a:rPr lang="en-US" b="0" dirty="0" smtClean="0"/>
+              <a:t> </a:t>
+            </a:r>
+            <a:r>
+              <a:rPr lang="en-US" b="0" dirty="0" smtClean="0"/>
+              <a:t>visualization</a:t>
+            </a:r>
+            <a:r>
+              <a:rPr lang="en-US" dirty="0" smtClean="0"/>
+              <a:t>? 	</a:t>
+            </a:r>
+            <a:endParaRPr lang="en-US" dirty="0"/>
+          </a:p>
+        </p:txBody>
+      </p:sp>
+      <p:sp>
+        <p:nvSpPr>
+          <p:cNvPr id="6" name="Text Placeholder 5"/>
+          <p:cNvSpPr>
+            <a:spLocks noGrp="1"/>
+          </p:cNvSpPr>
+          <p:nvPr>
+            <p:ph type="body" idx="1"/>
+          </p:nvPr>
+        </p:nvSpPr>
+        <p:spPr/>
+        <p:txBody>
+          <a:bodyPr/>
+          <a:lstStyle/>
+          <a:p>
+            <a:r>
+              <a:rPr lang="en-US" i="0" dirty="0" smtClean="0"/>
+              <a:t>◕ </a:t>
+            </a:r>
+            <a:r>
+              <a:rPr lang="en-US" sz="1200" i="0" dirty="0">
+                <a:latin typeface="Helvetica"/>
+                <a:cs typeface="Helvetica"/>
+              </a:rPr>
+              <a:t>o</a:t>
+            </a:r>
+            <a:r>
+              <a:rPr lang="en-US" i="0" dirty="0" smtClean="0"/>
+              <a:t> </a:t>
+            </a:r>
+            <a:r>
+              <a:rPr lang="en-US" i="0" dirty="0" smtClean="0"/>
+              <a:t>◕</a:t>
+            </a:r>
+            <a:endParaRPr lang="en-US" i="0" dirty="0"/>
+          </a:p>
+        </p:txBody>
+      </p:sp>
+    </p:spTree>
+    <p:extLst>
+      <p:ext uri="{BB962C8B-B14F-4D97-AF65-F5344CB8AC3E}">
+        <p14:creationId xmlns:p14="http://schemas.microsoft.com/office/powerpoint/2010/main" val="2566385291"/>
+      </p:ext>
+    </p:extLst>
+  </p:cSld>
+  <p:clrMapOvr>
+    <a:masterClrMapping/>
+  </p:clrMapOvr>
+  <p:timing>
+    <p:tnLst>
+      <p:par>
+        <p:cTn xmlns:p14="http://schemas.microsoft.com/office/powerpoint/2010/main" id="1" dur="indefinite" restart="never" nodeType="tmRoot"/>
+      </p:par>
+    </p:tnLst>
+  </p:timing>
+</p:sld>
+</file>
+
+<file path=ppt/slides/slide18.xml><?xml version="1.0" encoding="utf-8"?>
+<p:sld xmlns:a="http://schemas.openxmlformats.org/drawingml/2006/main" xmlns:r="http://schemas.openxmlformats.org/officeDocument/2006/relationships" xmlns:p="http://schemas.openxmlformats.org/presentationml/2006/main">
+  <p:cSld>
+    <p:spTree>
+      <p:nvGrpSpPr>
+        <p:cNvPr id="1" name=""/>
+        <p:cNvGrpSpPr/>
+        <p:nvPr/>
+      </p:nvGrpSpPr>
+      <p:grpSpPr>
+        <a:xfrm>
+          <a:off x="0" y="0"/>
+          <a:ext cx="0" cy="0"/>
+          <a:chOff x="0" y="0"/>
+          <a:chExt cx="0" cy="0"/>
+        </a:xfrm>
+      </p:grpSpPr>
+      <p:sp>
+        <p:nvSpPr>
+          <p:cNvPr id="2" name="Title 1"/>
+          <p:cNvSpPr>
+            <a:spLocks noGrp="1"/>
+          </p:cNvSpPr>
+          <p:nvPr>
+            <p:ph type="title"/>
+          </p:nvPr>
+        </p:nvSpPr>
+        <p:spPr>
+          <a:xfrm>
+            <a:off x="838200" y="557908"/>
+            <a:ext cx="10515600" cy="2073023"/>
+          </a:xfrm>
+        </p:spPr>
+        <p:txBody>
+          <a:bodyPr anchor="ctr">
+            <a:normAutofit/>
+          </a:bodyPr>
+          <a:lstStyle/>
+          <a:p>
+            <a:pPr>
+              <a:spcAft>
+                <a:spcPts val="600"/>
+              </a:spcAft>
+            </a:pPr>
+            <a:r>
+              <a:rPr lang="en-US" sz="4400" b="0" dirty="0" smtClean="0"/>
+              <a:t>What is</a:t>
+            </a:r>
+            <a:r>
+              <a:rPr lang="en-US" sz="4400" dirty="0" smtClean="0"/>
+              <a:t/>
+            </a:r>
+            <a:br>
+              <a:rPr lang="en-US" sz="4400" dirty="0" smtClean="0"/>
+            </a:br>
+            <a:r>
+              <a:rPr lang="en-US" sz="6000" dirty="0" smtClean="0"/>
+              <a:t>information</a:t>
+            </a:r>
+            <a:r>
+              <a:rPr lang="en-US" b="0" dirty="0" smtClean="0">
+                <a:solidFill>
+                  <a:schemeClr val="bg1">
+                    <a:lumMod val="85000"/>
+                  </a:schemeClr>
+                </a:solidFill>
+              </a:rPr>
+              <a:t> </a:t>
+            </a:r>
+            <a:r>
+              <a:rPr lang="en-US" sz="5400" b="0" dirty="0" smtClean="0"/>
+              <a:t>visualization</a:t>
+            </a:r>
+            <a:r>
+              <a:rPr lang="en-US" sz="5400" dirty="0" smtClean="0"/>
+              <a:t>?</a:t>
+            </a:r>
+            <a:endParaRPr lang="en-US" sz="4800" dirty="0"/>
+          </a:p>
+        </p:txBody>
+      </p:sp>
+      <p:sp>
+        <p:nvSpPr>
+          <p:cNvPr id="4" name="Content Placeholder 3"/>
+          <p:cNvSpPr>
+            <a:spLocks noGrp="1"/>
+          </p:cNvSpPr>
+          <p:nvPr>
+            <p:ph idx="1"/>
+          </p:nvPr>
+        </p:nvSpPr>
+        <p:spPr>
+          <a:xfrm>
+            <a:off x="838200" y="2801035"/>
+            <a:ext cx="10515600" cy="3375927"/>
+          </a:xfrm>
+        </p:spPr>
+        <p:txBody>
+          <a:bodyPr>
+            <a:normAutofit/>
+          </a:bodyPr>
+          <a:lstStyle/>
+          <a:p>
+            <a:pPr marL="0" indent="0">
+              <a:buNone/>
+            </a:pPr>
+            <a:r>
+              <a:rPr lang="en-US" sz="3600" b="1" dirty="0"/>
+              <a:t>visual analytic tools </a:t>
+            </a:r>
+            <a:r>
+              <a:rPr lang="en-US" sz="3600" dirty="0"/>
+              <a:t/>
+            </a:r>
+            <a:br>
+              <a:rPr lang="en-US" sz="3600" dirty="0"/>
+            </a:br>
+            <a:r>
+              <a:rPr lang="en-US" sz="3600" dirty="0"/>
+              <a:t> </a:t>
+            </a:r>
+            <a:br>
+              <a:rPr lang="en-US" sz="3600" dirty="0"/>
+            </a:br>
+            <a:r>
+              <a:rPr lang="en-US" sz="3600" dirty="0"/>
+              <a:t>for </a:t>
+            </a:r>
+            <a:r>
+              <a:rPr lang="en-US" sz="3600" b="1" dirty="0"/>
+              <a:t>exploring</a:t>
+            </a:r>
+            <a:r>
+              <a:rPr lang="en-US" sz="3600" dirty="0"/>
+              <a:t> and </a:t>
+            </a:r>
+            <a:r>
+              <a:rPr lang="en-US" sz="3600" b="1" dirty="0"/>
+              <a:t>extracting patterns</a:t>
+            </a:r>
+            <a:r>
+              <a:rPr lang="en-US" sz="3600" dirty="0"/>
+              <a:t> from abstract data. </a:t>
+            </a:r>
+          </a:p>
+        </p:txBody>
+      </p:sp>
+    </p:spTree>
+    <p:extLst>
+      <p:ext uri="{BB962C8B-B14F-4D97-AF65-F5344CB8AC3E}">
+        <p14:creationId xmlns:p14="http://schemas.microsoft.com/office/powerpoint/2010/main" val="2685811996"/>
+      </p:ext>
+    </p:extLst>
+  </p:cSld>
+  <p:clrMapOvr>
+    <a:masterClrMapping/>
+  </p:clrMapOvr>
+  <p:timing>
+    <p:tnLst>
+      <p:par>
+        <p:cTn xmlns:p14="http://schemas.microsoft.com/office/powerpoint/2010/main" id="1" dur="indefinite" restart="never" nodeType="tmRoot"/>
+      </p:par>
+    </p:tnLst>
+  </p:timing>
+</p:sld>
+</file>
+
+<file path=ppt/slides/slide19.xml><?xml version="1.0" encoding="utf-8"?>
+<p:sld xmlns:a="http://schemas.openxmlformats.org/drawingml/2006/main" xmlns:r="http://schemas.openxmlformats.org/officeDocument/2006/relationships" xmlns:p="http://schemas.openxmlformats.org/presentationml/2006/main">
+  <p:cSld>
+    <p:spTree>
+      <p:nvGrpSpPr>
+        <p:cNvPr id="1" name=""/>
+        <p:cNvGrpSpPr/>
+        <p:nvPr/>
+      </p:nvGrpSpPr>
+      <p:grpSpPr>
+        <a:xfrm>
+          <a:off x="0" y="0"/>
+          <a:ext cx="0" cy="0"/>
+          <a:chOff x="0" y="0"/>
+          <a:chExt cx="0" cy="0"/>
+        </a:xfrm>
+      </p:grpSpPr>
+      <p:pic>
+        <p:nvPicPr>
+          <p:cNvPr id="2" name="Picture 1" descr="iknowwhereyourcatlives.png"/>
+          <p:cNvPicPr>
+            <a:picLocks noChangeAspect="1"/>
+          </p:cNvPicPr>
+          <p:nvPr/>
+        </p:nvPicPr>
+        <p:blipFill>
+          <a:blip r:embed="rId2">
+            <a:extLst>
+              <a:ext uri="{28A0092B-C50C-407E-A947-70E740481C1C}">
+                <a14:useLocalDpi xmlns:a14="http://schemas.microsoft.com/office/drawing/2010/main" val="0"/>
+              </a:ext>
+            </a:extLst>
+          </a:blip>
+          <a:stretch>
+            <a:fillRect/>
+          </a:stretch>
+        </p:blipFill>
+        <p:spPr>
+          <a:xfrm>
+            <a:off x="2692400" y="0"/>
+            <a:ext cx="6805336" cy="6858000"/>
+          </a:xfrm>
+          <a:prstGeom prst="rect">
+            <a:avLst/>
+          </a:prstGeom>
+        </p:spPr>
+      </p:pic>
+    </p:spTree>
+    <p:extLst>
+      <p:ext uri="{BB962C8B-B14F-4D97-AF65-F5344CB8AC3E}">
+        <p14:creationId xmlns:p14="http://schemas.microsoft.com/office/powerpoint/2010/main" val="2849696453"/>
+      </p:ext>
+    </p:extLst>
+  </p:cSld>
+  <p:clrMapOvr>
+    <a:masterClrMapping/>
+  </p:clrMapOvr>
 </p:sld>
 </file>
 
@@ -3353,10 +4941,346 @@
   <p:timing>
     <p:tnLst>
       <p:par>
-        <p:cTn id="1" dur="indefinite" restart="never" nodeType="tmRoot"/>
+        <p:cTn xmlns:p14="http://schemas.microsoft.com/office/powerpoint/2010/main" id="1" dur="indefinite" restart="never" nodeType="tmRoot"/>
       </p:par>
     </p:tnLst>
   </p:timing>
+</p:sld>
+</file>
+
+<file path=ppt/slides/slide20.xml><?xml version="1.0" encoding="utf-8"?>
+<p:sld xmlns:a="http://schemas.openxmlformats.org/drawingml/2006/main" xmlns:r="http://schemas.openxmlformats.org/officeDocument/2006/relationships" xmlns:p="http://schemas.openxmlformats.org/presentationml/2006/main">
+  <p:cSld>
+    <p:spTree>
+      <p:nvGrpSpPr>
+        <p:cNvPr id="1" name=""/>
+        <p:cNvGrpSpPr/>
+        <p:nvPr/>
+      </p:nvGrpSpPr>
+      <p:grpSpPr>
+        <a:xfrm>
+          <a:off x="0" y="0"/>
+          <a:ext cx="0" cy="0"/>
+          <a:chOff x="0" y="0"/>
+          <a:chExt cx="0" cy="0"/>
+        </a:xfrm>
+      </p:grpSpPr>
+      <p:pic>
+        <p:nvPicPr>
+          <p:cNvPr id="2" name="Picture 1" descr="germanyPopulation.png"/>
+          <p:cNvPicPr>
+            <a:picLocks noChangeAspect="1"/>
+          </p:cNvPicPr>
+          <p:nvPr/>
+        </p:nvPicPr>
+        <p:blipFill>
+          <a:blip r:embed="rId2">
+            <a:extLst>
+              <a:ext uri="{28A0092B-C50C-407E-A947-70E740481C1C}">
+                <a14:useLocalDpi xmlns:a14="http://schemas.microsoft.com/office/drawing/2010/main" val="0"/>
+              </a:ext>
+            </a:extLst>
+          </a:blip>
+          <a:stretch>
+            <a:fillRect/>
+          </a:stretch>
+        </p:blipFill>
+        <p:spPr>
+          <a:xfrm>
+            <a:off x="977900" y="0"/>
+            <a:ext cx="10228169" cy="6858000"/>
+          </a:xfrm>
+          <a:prstGeom prst="rect">
+            <a:avLst/>
+          </a:prstGeom>
+        </p:spPr>
+      </p:pic>
+    </p:spTree>
+    <p:extLst>
+      <p:ext uri="{BB962C8B-B14F-4D97-AF65-F5344CB8AC3E}">
+        <p14:creationId xmlns:p14="http://schemas.microsoft.com/office/powerpoint/2010/main" val="2693806406"/>
+      </p:ext>
+    </p:extLst>
+  </p:cSld>
+  <p:clrMapOvr>
+    <a:masterClrMapping/>
+  </p:clrMapOvr>
+</p:sld>
+</file>
+
+<file path=ppt/slides/slide21.xml><?xml version="1.0" encoding="utf-8"?>
+<p:sld xmlns:a="http://schemas.openxmlformats.org/drawingml/2006/main" xmlns:r="http://schemas.openxmlformats.org/officeDocument/2006/relationships" xmlns:p="http://schemas.openxmlformats.org/presentationml/2006/main">
+  <p:cSld>
+    <p:spTree>
+      <p:nvGrpSpPr>
+        <p:cNvPr id="1" name=""/>
+        <p:cNvGrpSpPr/>
+        <p:nvPr/>
+      </p:nvGrpSpPr>
+      <p:grpSpPr>
+        <a:xfrm>
+          <a:off x="0" y="0"/>
+          <a:ext cx="0" cy="0"/>
+          <a:chOff x="0" y="0"/>
+          <a:chExt cx="0" cy="0"/>
+        </a:xfrm>
+      </p:grpSpPr>
+    </p:spTree>
+    <p:extLst>
+      <p:ext uri="{BB962C8B-B14F-4D97-AF65-F5344CB8AC3E}">
+        <p14:creationId xmlns:p14="http://schemas.microsoft.com/office/powerpoint/2010/main" val="422288985"/>
+      </p:ext>
+    </p:extLst>
+  </p:cSld>
+  <p:clrMapOvr>
+    <a:masterClrMapping/>
+  </p:clrMapOvr>
+</p:sld>
+</file>
+
+<file path=ppt/slides/slide22.xml><?xml version="1.0" encoding="utf-8"?>
+<p:sld xmlns:a="http://schemas.openxmlformats.org/drawingml/2006/main" xmlns:r="http://schemas.openxmlformats.org/officeDocument/2006/relationships" xmlns:p="http://schemas.openxmlformats.org/presentationml/2006/main">
+  <p:cSld>
+    <p:spTree>
+      <p:nvGrpSpPr>
+        <p:cNvPr id="1" name=""/>
+        <p:cNvGrpSpPr/>
+        <p:nvPr/>
+      </p:nvGrpSpPr>
+      <p:grpSpPr>
+        <a:xfrm>
+          <a:off x="0" y="0"/>
+          <a:ext cx="0" cy="0"/>
+          <a:chOff x="0" y="0"/>
+          <a:chExt cx="0" cy="0"/>
+        </a:xfrm>
+      </p:grpSpPr>
+      <p:sp>
+        <p:nvSpPr>
+          <p:cNvPr id="2" name="Title 1"/>
+          <p:cNvSpPr>
+            <a:spLocks noGrp="1"/>
+          </p:cNvSpPr>
+          <p:nvPr>
+            <p:ph type="title"/>
+          </p:nvPr>
+        </p:nvSpPr>
+        <p:spPr/>
+        <p:txBody>
+          <a:bodyPr/>
+          <a:lstStyle/>
+          <a:p>
+            <a:r>
+              <a:rPr lang="en-US" b="0" dirty="0" smtClean="0"/>
+              <a:t>How do you </a:t>
+            </a:r>
+            <a:r>
+              <a:rPr lang="en-US" dirty="0" smtClean="0"/>
+              <a:t>assess</a:t>
+            </a:r>
+            <a:br>
+              <a:rPr lang="en-US" dirty="0" smtClean="0"/>
+            </a:br>
+            <a:r>
+              <a:rPr lang="en-US" b="0" dirty="0" smtClean="0"/>
+              <a:t>information visualization</a:t>
+            </a:r>
+            <a:r>
+              <a:rPr lang="en-US" dirty="0" smtClean="0"/>
+              <a:t>?</a:t>
+            </a:r>
+            <a:endParaRPr lang="en-US" dirty="0"/>
+          </a:p>
+        </p:txBody>
+      </p:sp>
+      <p:sp>
+        <p:nvSpPr>
+          <p:cNvPr id="3" name="Text Placeholder 2"/>
+          <p:cNvSpPr>
+            <a:spLocks noGrp="1"/>
+          </p:cNvSpPr>
+          <p:nvPr>
+            <p:ph type="body" idx="1"/>
+          </p:nvPr>
+        </p:nvSpPr>
+        <p:spPr/>
+        <p:txBody>
+          <a:bodyPr/>
+          <a:lstStyle/>
+          <a:p>
+            <a:r>
+              <a:rPr lang="en-US" dirty="0" smtClean="0"/>
+              <a:t>Very carefully</a:t>
+            </a:r>
+            <a:endParaRPr lang="en-US" dirty="0"/>
+          </a:p>
+        </p:txBody>
+      </p:sp>
+    </p:spTree>
+    <p:extLst>
+      <p:ext uri="{BB962C8B-B14F-4D97-AF65-F5344CB8AC3E}">
+        <p14:creationId xmlns:p14="http://schemas.microsoft.com/office/powerpoint/2010/main" val="1843394657"/>
+      </p:ext>
+    </p:extLst>
+  </p:cSld>
+  <p:clrMapOvr>
+    <a:masterClrMapping/>
+  </p:clrMapOvr>
+</p:sld>
+</file>
+
+<file path=ppt/slides/slide23.xml><?xml version="1.0" encoding="utf-8"?>
+<p:sld xmlns:a="http://schemas.openxmlformats.org/drawingml/2006/main" xmlns:r="http://schemas.openxmlformats.org/officeDocument/2006/relationships" xmlns:p="http://schemas.openxmlformats.org/presentationml/2006/main">
+  <p:cSld>
+    <p:spTree>
+      <p:nvGrpSpPr>
+        <p:cNvPr id="1" name=""/>
+        <p:cNvGrpSpPr/>
+        <p:nvPr/>
+      </p:nvGrpSpPr>
+      <p:grpSpPr>
+        <a:xfrm>
+          <a:off x="0" y="0"/>
+          <a:ext cx="0" cy="0"/>
+          <a:chOff x="0" y="0"/>
+          <a:chExt cx="0" cy="0"/>
+        </a:xfrm>
+      </p:grpSpPr>
+      <p:sp>
+        <p:nvSpPr>
+          <p:cNvPr id="2" name="Title 1"/>
+          <p:cNvSpPr>
+            <a:spLocks noGrp="1"/>
+          </p:cNvSpPr>
+          <p:nvPr>
+            <p:ph type="title"/>
+          </p:nvPr>
+        </p:nvSpPr>
+        <p:spPr/>
+        <p:txBody>
+          <a:bodyPr/>
+          <a:lstStyle/>
+          <a:p>
+            <a:r>
+              <a:rPr lang="en-US" b="0" dirty="0" smtClean="0"/>
+              <a:t>How do you </a:t>
+            </a:r>
+            <a:r>
+              <a:rPr lang="en-US" dirty="0" smtClean="0"/>
+              <a:t>assess</a:t>
+            </a:r>
+            <a:br>
+              <a:rPr lang="en-US" dirty="0" smtClean="0"/>
+            </a:br>
+            <a:r>
+              <a:rPr lang="en-US" b="0" dirty="0" smtClean="0"/>
+              <a:t>information visualization</a:t>
+            </a:r>
+            <a:r>
+              <a:rPr lang="en-US" dirty="0" smtClean="0"/>
+              <a:t>?</a:t>
+            </a:r>
+            <a:endParaRPr lang="en-US" dirty="0"/>
+          </a:p>
+        </p:txBody>
+      </p:sp>
+      <p:sp>
+        <p:nvSpPr>
+          <p:cNvPr id="3" name="Text Placeholder 2"/>
+          <p:cNvSpPr>
+            <a:spLocks noGrp="1"/>
+          </p:cNvSpPr>
+          <p:nvPr>
+            <p:ph idx="1"/>
+          </p:nvPr>
+        </p:nvSpPr>
+        <p:spPr/>
+        <p:txBody>
+          <a:bodyPr/>
+          <a:lstStyle/>
+          <a:p>
+            <a:endParaRPr lang="en-US" dirty="0"/>
+          </a:p>
+        </p:txBody>
+      </p:sp>
+    </p:spTree>
+    <p:extLst>
+      <p:ext uri="{BB962C8B-B14F-4D97-AF65-F5344CB8AC3E}">
+        <p14:creationId xmlns:p14="http://schemas.microsoft.com/office/powerpoint/2010/main" val="2225573448"/>
+      </p:ext>
+    </p:extLst>
+  </p:cSld>
+  <p:clrMapOvr>
+    <a:masterClrMapping/>
+  </p:clrMapOvr>
+</p:sld>
+</file>
+
+<file path=ppt/slides/slide24.xml><?xml version="1.0" encoding="utf-8"?>
+<p:sld xmlns:a="http://schemas.openxmlformats.org/drawingml/2006/main" xmlns:r="http://schemas.openxmlformats.org/officeDocument/2006/relationships" xmlns:p="http://schemas.openxmlformats.org/presentationml/2006/main">
+  <p:cSld>
+    <p:spTree>
+      <p:nvGrpSpPr>
+        <p:cNvPr id="1" name=""/>
+        <p:cNvGrpSpPr/>
+        <p:nvPr/>
+      </p:nvGrpSpPr>
+      <p:grpSpPr>
+        <a:xfrm>
+          <a:off x="0" y="0"/>
+          <a:ext cx="0" cy="0"/>
+          <a:chOff x="0" y="0"/>
+          <a:chExt cx="0" cy="0"/>
+        </a:xfrm>
+      </p:grpSpPr>
+      <p:sp>
+        <p:nvSpPr>
+          <p:cNvPr id="2" name="Title 1"/>
+          <p:cNvSpPr>
+            <a:spLocks noGrp="1"/>
+          </p:cNvSpPr>
+          <p:nvPr>
+            <p:ph type="title"/>
+          </p:nvPr>
+        </p:nvSpPr>
+        <p:spPr/>
+        <p:txBody>
+          <a:bodyPr/>
+          <a:lstStyle/>
+          <a:p>
+            <a:endParaRPr lang="en-US"/>
+          </a:p>
+        </p:txBody>
+      </p:sp>
+      <p:sp>
+        <p:nvSpPr>
+          <p:cNvPr id="3" name="Text Placeholder 2"/>
+          <p:cNvSpPr>
+            <a:spLocks noGrp="1"/>
+          </p:cNvSpPr>
+          <p:nvPr>
+            <p:ph type="body" idx="1"/>
+          </p:nvPr>
+        </p:nvSpPr>
+        <p:spPr/>
+        <p:txBody>
+          <a:bodyPr/>
+          <a:lstStyle/>
+          <a:p>
+            <a:endParaRPr lang="en-US"/>
+          </a:p>
+        </p:txBody>
+      </p:sp>
+    </p:spTree>
+    <p:extLst>
+      <p:ext uri="{BB962C8B-B14F-4D97-AF65-F5344CB8AC3E}">
+        <p14:creationId xmlns:p14="http://schemas.microsoft.com/office/powerpoint/2010/main" val="3682656141"/>
+      </p:ext>
+    </p:extLst>
+  </p:cSld>
+  <p:clrMapOvr>
+    <a:masterClrMapping/>
+  </p:clrMapOvr>
 </p:sld>
 </file>
 
@@ -3377,69 +5301,45 @@
           <a:chExt cx="0" cy="0"/>
         </a:xfrm>
       </p:grpSpPr>
-      <p:sp>
-        <p:nvSpPr>
-          <p:cNvPr id="7" name="Title 6"/>
-          <p:cNvSpPr>
-            <a:spLocks noGrp="1"/>
-          </p:cNvSpPr>
-          <p:nvPr>
-            <p:ph type="title"/>
-          </p:nvPr>
-        </p:nvSpPr>
-        <p:spPr/>
-        <p:txBody>
-          <a:bodyPr/>
-          <a:lstStyle/>
-          <a:p>
-            <a:r>
-              <a:rPr lang="en-US" dirty="0" smtClean="0"/>
-              <a:t>[turning abstract data into visualizations]	</a:t>
-            </a:r>
-            <a:endParaRPr lang="en-US" dirty="0"/>
-          </a:p>
-        </p:txBody>
-      </p:sp>
-      <p:sp>
-        <p:nvSpPr>
-          <p:cNvPr id="8" name="Text Placeholder 7"/>
-          <p:cNvSpPr>
-            <a:spLocks noGrp="1"/>
-          </p:cNvSpPr>
-          <p:nvPr>
-            <p:ph type="body" idx="1"/>
-          </p:nvPr>
-        </p:nvSpPr>
-        <p:spPr/>
-        <p:txBody>
-          <a:bodyPr/>
-          <a:lstStyle/>
-          <a:p>
-            <a:r>
-              <a:rPr lang="en-US" dirty="0" smtClean="0"/>
-              <a:t>For different purposes: communication, scientific modeling, solving analytic problems</a:t>
-            </a:r>
-            <a:endParaRPr lang="en-US" dirty="0"/>
-          </a:p>
-        </p:txBody>
-      </p:sp>
+      <p:pic>
+        <p:nvPicPr>
+          <p:cNvPr id="6" name="Picture 5" descr="birds_and_dinosaurs.png"/>
+          <p:cNvPicPr>
+            <a:picLocks noChangeAspect="1"/>
+          </p:cNvPicPr>
+          <p:nvPr/>
+        </p:nvPicPr>
+        <p:blipFill rotWithShape="1">
+          <a:blip r:embed="rId2">
+            <a:extLst>
+              <a:ext uri="{28A0092B-C50C-407E-A947-70E740481C1C}">
+                <a14:useLocalDpi xmlns:a14="http://schemas.microsoft.com/office/drawing/2010/main" val="0"/>
+              </a:ext>
+            </a:extLst>
+          </a:blip>
+          <a:srcRect t="6458" b="33670"/>
+          <a:stretch/>
+        </p:blipFill>
+        <p:spPr>
+          <a:xfrm>
+            <a:off x="4274773" y="1485486"/>
+            <a:ext cx="3642455" cy="3891395"/>
+          </a:xfrm>
+          <a:prstGeom prst="rect">
+            <a:avLst/>
+          </a:prstGeom>
+        </p:spPr>
+      </p:pic>
     </p:spTree>
     <p:extLst>
       <p:ext uri="{BB962C8B-B14F-4D97-AF65-F5344CB8AC3E}">
-        <p14:creationId xmlns:p14="http://schemas.microsoft.com/office/powerpoint/2010/main" val="3853355549"/>
+        <p14:creationId xmlns:p14="http://schemas.microsoft.com/office/powerpoint/2010/main" val="3338424746"/>
       </p:ext>
     </p:extLst>
   </p:cSld>
   <p:clrMapOvr>
     <a:masterClrMapping/>
   </p:clrMapOvr>
-  <p:timing>
-    <p:tnLst>
-      <p:par>
-        <p:cTn id="1" dur="indefinite" restart="never" nodeType="tmRoot"/>
-      </p:par>
-    </p:tnLst>
-  </p:timing>
 </p:sld>
 </file>
 
@@ -3460,175 +5360,46 @@
           <a:chExt cx="0" cy="0"/>
         </a:xfrm>
       </p:grpSpPr>
-      <p:sp>
-        <p:nvSpPr>
-          <p:cNvPr id="2" name="Title 1"/>
-          <p:cNvSpPr>
-            <a:spLocks noGrp="1"/>
-          </p:cNvSpPr>
-          <p:nvPr>
-            <p:ph type="title"/>
-          </p:nvPr>
-        </p:nvSpPr>
+      <p:pic>
+        <p:nvPicPr>
+          <p:cNvPr id="2" name="Picture 1" descr="cat_proximity.png"/>
+          <p:cNvPicPr>
+            <a:picLocks noChangeAspect="1"/>
+          </p:cNvPicPr>
+          <p:nvPr/>
+        </p:nvPicPr>
+        <p:blipFill>
+          <a:blip r:embed="rId2">
+            <a:extLst>
+              <a:ext uri="{28A0092B-C50C-407E-A947-70E740481C1C}">
+                <a14:useLocalDpi xmlns:a14="http://schemas.microsoft.com/office/drawing/2010/main" val="0"/>
+              </a:ext>
+            </a:extLst>
+          </a:blip>
+          <a:stretch>
+            <a:fillRect/>
+          </a:stretch>
+        </p:blipFill>
         <p:spPr>
           <a:xfrm>
-            <a:off x="613065" y="529937"/>
-            <a:ext cx="11315700" cy="4551217"/>
-          </a:xfrm>
-        </p:spPr>
-        <p:txBody>
-          <a:bodyPr anchor="t">
-            <a:noAutofit/>
-          </a:bodyPr>
-          <a:lstStyle/>
-          <a:p>
-            <a:r>
-              <a:rPr lang="en-US" i="1" dirty="0" smtClean="0"/>
-              <a:t>Visualization</a:t>
-            </a:r>
-            <a:r>
-              <a:rPr lang="en-US" sz="4800" b="0" i="1" dirty="0" smtClean="0"/>
-              <a:t> is </a:t>
-            </a:r>
-            <a:br>
-              <a:rPr lang="en-US" sz="4800" b="0" i="1" dirty="0" smtClean="0"/>
-            </a:br>
-            <a:r>
-              <a:rPr lang="en-US" sz="1800" b="0" i="1" dirty="0" smtClean="0"/>
-              <a:t> </a:t>
-            </a:r>
-            <a:r>
-              <a:rPr lang="en-US" sz="4800" b="0" i="1" dirty="0"/>
-              <a:t/>
-            </a:r>
-            <a:br>
-              <a:rPr lang="en-US" sz="4800" b="0" i="1" dirty="0"/>
-            </a:br>
-            <a:r>
-              <a:rPr lang="en-US" sz="4800" b="0" i="1" dirty="0" smtClean="0"/>
-              <a:t>a study of transformation </a:t>
-            </a:r>
-            <a:br>
-              <a:rPr lang="en-US" sz="4800" b="0" i="1" dirty="0" smtClean="0"/>
-            </a:br>
-            <a:r>
-              <a:rPr lang="en-US" sz="4800" b="0" i="1" dirty="0" smtClean="0"/>
-              <a:t>from </a:t>
-            </a:r>
-            <a:r>
-              <a:rPr lang="en-US" sz="4800" i="1" dirty="0" smtClean="0"/>
-              <a:t>data</a:t>
-            </a:r>
-            <a:r>
-              <a:rPr lang="en-US" sz="4800" b="0" i="1" dirty="0" smtClean="0"/>
-              <a:t> to </a:t>
-            </a:r>
-            <a:r>
-              <a:rPr lang="en-US" sz="4800" i="1" dirty="0" smtClean="0"/>
-              <a:t>visual representations</a:t>
-            </a:r>
-            <a:r>
-              <a:rPr lang="en-US" sz="4800" b="0" i="1" dirty="0" smtClean="0"/>
-              <a:t> </a:t>
-            </a:r>
-            <a:br>
-              <a:rPr lang="en-US" sz="4800" b="0" i="1" dirty="0" smtClean="0"/>
-            </a:br>
-            <a:r>
-              <a:rPr lang="en-US" sz="1800" b="0" i="1" dirty="0" smtClean="0"/>
-              <a:t> </a:t>
-            </a:r>
-            <a:endParaRPr lang="en-US" sz="4800" b="0" i="1" dirty="0">
-              <a:latin typeface="Engravers MT" panose="02090707080505020304" pitchFamily="18" charset="0"/>
-            </a:endParaRPr>
-          </a:p>
-        </p:txBody>
-      </p:sp>
-      <p:sp>
-        <p:nvSpPr>
-          <p:cNvPr id="4" name="TextBox 3"/>
-          <p:cNvSpPr txBox="1"/>
-          <p:nvPr/>
-        </p:nvSpPr>
-        <p:spPr>
-          <a:xfrm>
-            <a:off x="9526273" y="6276109"/>
-            <a:ext cx="1706301" cy="369332"/>
-          </a:xfrm>
-          <a:prstGeom prst="rect">
-            <a:avLst/>
-          </a:prstGeom>
-          <a:noFill/>
-        </p:spPr>
-        <p:txBody>
-          <a:bodyPr wrap="none" rtlCol="0">
-            <a:spAutoFit/>
-          </a:bodyPr>
-          <a:lstStyle/>
-          <a:p>
-            <a:r>
-              <a:rPr lang="en-US" i="1" dirty="0" smtClean="0">
-                <a:latin typeface="Times" panose="02020603050405020304" pitchFamily="18" charset="0"/>
-                <a:cs typeface="Times" panose="02020603050405020304" pitchFamily="18" charset="0"/>
-              </a:rPr>
-              <a:t>Chen et al. 2014</a:t>
-            </a:r>
-            <a:endParaRPr lang="en-US" i="1" dirty="0">
-              <a:latin typeface="Times" panose="02020603050405020304" pitchFamily="18" charset="0"/>
-              <a:cs typeface="Times" panose="02020603050405020304" pitchFamily="18" charset="0"/>
-            </a:endParaRPr>
-          </a:p>
-        </p:txBody>
-      </p:sp>
-      <p:sp>
-        <p:nvSpPr>
-          <p:cNvPr id="3" name="Rectangle 2"/>
-          <p:cNvSpPr/>
-          <p:nvPr/>
-        </p:nvSpPr>
-        <p:spPr>
-          <a:xfrm>
-            <a:off x="-1504" y="334879"/>
-            <a:ext cx="889987" cy="1015663"/>
+            <a:off x="3238500" y="646650"/>
+            <a:ext cx="5715000" cy="5575300"/>
           </a:xfrm>
           <a:prstGeom prst="rect">
             <a:avLst/>
           </a:prstGeom>
         </p:spPr>
-        <p:txBody>
-          <a:bodyPr wrap="none">
-            <a:spAutoFit/>
-          </a:bodyPr>
-          <a:lstStyle/>
-          <a:p>
-            <a:r>
-              <a:rPr lang="en-US" sz="6000" b="0" i="1" dirty="0" smtClean="0">
-                <a:latin typeface="Engravers MT" panose="02090707080505020304" pitchFamily="18" charset="0"/>
-                <a:cs typeface="Times New Roman" panose="02020603050405020304" pitchFamily="18" charset="0"/>
-              </a:rPr>
-              <a:t>“ </a:t>
-            </a:r>
-            <a:endParaRPr lang="en-US" sz="6000" dirty="0"/>
-          </a:p>
-        </p:txBody>
-      </p:sp>
+      </p:pic>
     </p:spTree>
     <p:extLst>
       <p:ext uri="{BB962C8B-B14F-4D97-AF65-F5344CB8AC3E}">
-        <p14:creationId xmlns:p14="http://schemas.microsoft.com/office/powerpoint/2010/main" val="877498444"/>
+        <p14:creationId xmlns:p14="http://schemas.microsoft.com/office/powerpoint/2010/main" val="3354959464"/>
       </p:ext>
     </p:extLst>
   </p:cSld>
   <p:clrMapOvr>
     <a:masterClrMapping/>
   </p:clrMapOvr>
-  <p:timing>
-    <p:tnLst>
-      <p:par>
-        <p:cTn id="1" dur="indefinite" restart="never" nodeType="tmRoot"/>
-      </p:par>
-    </p:tnLst>
-  </p:timing>
 </p:sld>
 </file>
 
@@ -3649,216 +5420,46 @@
           <a:chExt cx="0" cy="0"/>
         </a:xfrm>
       </p:grpSpPr>
-      <p:sp>
-        <p:nvSpPr>
-          <p:cNvPr id="2" name="Title 1"/>
-          <p:cNvSpPr>
-            <a:spLocks noGrp="1"/>
-          </p:cNvSpPr>
-          <p:nvPr>
-            <p:ph type="title"/>
-          </p:nvPr>
-        </p:nvSpPr>
+      <p:pic>
+        <p:nvPicPr>
+          <p:cNvPr id="2" name="Picture 1" descr="catsvspoverty.png"/>
+          <p:cNvPicPr>
+            <a:picLocks noChangeAspect="1"/>
+          </p:cNvPicPr>
+          <p:nvPr/>
+        </p:nvPicPr>
+        <p:blipFill>
+          <a:blip r:embed="rId2">
+            <a:extLst>
+              <a:ext uri="{28A0092B-C50C-407E-A947-70E740481C1C}">
+                <a14:useLocalDpi xmlns:a14="http://schemas.microsoft.com/office/drawing/2010/main" val="0"/>
+              </a:ext>
+            </a:extLst>
+          </a:blip>
+          <a:stretch>
+            <a:fillRect/>
+          </a:stretch>
+        </p:blipFill>
         <p:spPr>
           <a:xfrm>
-            <a:off x="613065" y="529937"/>
-            <a:ext cx="11315700" cy="4551217"/>
-          </a:xfrm>
-        </p:spPr>
-        <p:txBody>
-          <a:bodyPr anchor="t">
-            <a:noAutofit/>
-          </a:bodyPr>
-          <a:lstStyle/>
-          <a:p>
-            <a:r>
-              <a:rPr lang="en-US" i="1" dirty="0" smtClean="0"/>
-              <a:t>Visualization</a:t>
-            </a:r>
-            <a:r>
-              <a:rPr lang="en-US" sz="4800" b="0" i="1" dirty="0" smtClean="0"/>
-              <a:t> is </a:t>
-            </a:r>
-            <a:br>
-              <a:rPr lang="en-US" sz="4800" b="0" i="1" dirty="0" smtClean="0"/>
-            </a:br>
-            <a:r>
-              <a:rPr lang="en-US" sz="1800" b="0" i="1" dirty="0" smtClean="0"/>
-              <a:t> </a:t>
-            </a:r>
-            <a:r>
-              <a:rPr lang="en-US" sz="4800" b="0" i="1" dirty="0"/>
-              <a:t/>
-            </a:r>
-            <a:br>
-              <a:rPr lang="en-US" sz="4800" b="0" i="1" dirty="0"/>
-            </a:br>
-            <a:r>
-              <a:rPr lang="en-US" sz="4800" b="0" i="1" dirty="0" smtClean="0"/>
-              <a:t>a study of transformation </a:t>
-            </a:r>
-            <a:br>
-              <a:rPr lang="en-US" sz="4800" b="0" i="1" dirty="0" smtClean="0"/>
-            </a:br>
-            <a:r>
-              <a:rPr lang="en-US" sz="4800" b="0" i="1" dirty="0" smtClean="0"/>
-              <a:t>from </a:t>
-            </a:r>
-            <a:r>
-              <a:rPr lang="en-US" sz="4800" i="1" dirty="0" smtClean="0"/>
-              <a:t>data</a:t>
-            </a:r>
-            <a:r>
-              <a:rPr lang="en-US" sz="4800" b="0" i="1" dirty="0" smtClean="0"/>
-              <a:t> to </a:t>
-            </a:r>
-            <a:r>
-              <a:rPr lang="en-US" sz="4800" i="1" dirty="0" smtClean="0"/>
-              <a:t>visual representations</a:t>
-            </a:r>
-            <a:r>
-              <a:rPr lang="en-US" sz="4800" b="0" i="1" dirty="0" smtClean="0"/>
-              <a:t> </a:t>
-            </a:r>
-            <a:br>
-              <a:rPr lang="en-US" sz="4800" b="0" i="1" dirty="0" smtClean="0"/>
-            </a:br>
-            <a:r>
-              <a:rPr lang="en-US" sz="1800" b="0" i="1" dirty="0" smtClean="0"/>
-              <a:t> </a:t>
-            </a:r>
-            <a:r>
-              <a:rPr lang="en-US" sz="4800" b="0" i="1" dirty="0" smtClean="0"/>
-              <a:t/>
-            </a:r>
-            <a:br>
-              <a:rPr lang="en-US" sz="4800" b="0" i="1" dirty="0" smtClean="0"/>
-            </a:br>
-            <a:r>
-              <a:rPr lang="en-US" sz="4800" b="0" i="1" dirty="0" smtClean="0"/>
-              <a:t>in order to facilitate </a:t>
-            </a:r>
-            <a:r>
-              <a:rPr lang="en-US" sz="4800" dirty="0" smtClean="0"/>
-              <a:t>↴</a:t>
-            </a:r>
-            <a:r>
-              <a:rPr lang="en-US" sz="4800" b="0" i="1" dirty="0" smtClean="0"/>
-              <a:t> </a:t>
-            </a:r>
-            <a:r>
-              <a:rPr lang="en-US" sz="4000" b="0" i="1" dirty="0" smtClean="0"/>
-              <a:t/>
-            </a:r>
-            <a:br>
-              <a:rPr lang="en-US" sz="4000" b="0" i="1" dirty="0" smtClean="0"/>
-            </a:br>
-            <a:r>
-              <a:rPr lang="en-US" sz="2000" b="0" i="1" dirty="0" smtClean="0"/>
-              <a:t> </a:t>
-            </a:r>
-            <a:r>
-              <a:rPr lang="en-US" sz="1400" b="0" i="1" dirty="0" smtClean="0"/>
-              <a:t> </a:t>
-            </a:r>
-            <a:r>
-              <a:rPr lang="en-US" sz="4800" b="0" i="1" dirty="0" smtClean="0"/>
-              <a:t/>
-            </a:r>
-            <a:br>
-              <a:rPr lang="en-US" sz="4800" b="0" i="1" dirty="0" smtClean="0"/>
-            </a:br>
-            <a:endParaRPr lang="en-US" sz="4800" b="0" i="1" dirty="0">
-              <a:latin typeface="Engravers MT" panose="02090707080505020304" pitchFamily="18" charset="0"/>
-            </a:endParaRPr>
-          </a:p>
-        </p:txBody>
-      </p:sp>
-      <p:sp>
-        <p:nvSpPr>
-          <p:cNvPr id="4" name="TextBox 3"/>
-          <p:cNvSpPr txBox="1"/>
-          <p:nvPr/>
-        </p:nvSpPr>
-        <p:spPr>
-          <a:xfrm>
-            <a:off x="9526273" y="6276109"/>
-            <a:ext cx="1706301" cy="369332"/>
-          </a:xfrm>
-          <a:prstGeom prst="rect">
-            <a:avLst/>
-          </a:prstGeom>
-          <a:noFill/>
-        </p:spPr>
-        <p:txBody>
-          <a:bodyPr wrap="none" rtlCol="0">
-            <a:spAutoFit/>
-          </a:bodyPr>
-          <a:lstStyle/>
-          <a:p>
-            <a:r>
-              <a:rPr lang="en-US" i="1" dirty="0" smtClean="0">
-                <a:latin typeface="Times" panose="02020603050405020304" pitchFamily="18" charset="0"/>
-                <a:cs typeface="Times" panose="02020603050405020304" pitchFamily="18" charset="0"/>
-              </a:rPr>
-              <a:t>Chen et al. 2014</a:t>
-            </a:r>
-            <a:endParaRPr lang="en-US" i="1" dirty="0">
-              <a:latin typeface="Times" panose="02020603050405020304" pitchFamily="18" charset="0"/>
-              <a:cs typeface="Times" panose="02020603050405020304" pitchFamily="18" charset="0"/>
-            </a:endParaRPr>
-          </a:p>
-        </p:txBody>
-      </p:sp>
-      <p:sp>
-        <p:nvSpPr>
-          <p:cNvPr id="3" name="Rectangle 2"/>
-          <p:cNvSpPr/>
-          <p:nvPr/>
-        </p:nvSpPr>
-        <p:spPr>
-          <a:xfrm>
-            <a:off x="-1504" y="334879"/>
-            <a:ext cx="889987" cy="1015663"/>
+            <a:off x="1959423" y="1681285"/>
+            <a:ext cx="8273154" cy="3495431"/>
           </a:xfrm>
           <a:prstGeom prst="rect">
             <a:avLst/>
           </a:prstGeom>
         </p:spPr>
-        <p:txBody>
-          <a:bodyPr wrap="none">
-            <a:spAutoFit/>
-          </a:bodyPr>
-          <a:lstStyle/>
-          <a:p>
-            <a:r>
-              <a:rPr lang="en-US" sz="6000" b="0" i="1" dirty="0" smtClean="0">
-                <a:latin typeface="Engravers MT" panose="02090707080505020304" pitchFamily="18" charset="0"/>
-                <a:cs typeface="Times New Roman" panose="02020603050405020304" pitchFamily="18" charset="0"/>
-              </a:rPr>
-              <a:t>“ </a:t>
-            </a:r>
-            <a:endParaRPr lang="en-US" sz="6000" dirty="0"/>
-          </a:p>
-        </p:txBody>
-      </p:sp>
+      </p:pic>
     </p:spTree>
     <p:extLst>
       <p:ext uri="{BB962C8B-B14F-4D97-AF65-F5344CB8AC3E}">
-        <p14:creationId xmlns:p14="http://schemas.microsoft.com/office/powerpoint/2010/main" val="3528711821"/>
+        <p14:creationId xmlns:p14="http://schemas.microsoft.com/office/powerpoint/2010/main" val="822362111"/>
       </p:ext>
     </p:extLst>
   </p:cSld>
   <p:clrMapOvr>
     <a:masterClrMapping/>
   </p:clrMapOvr>
-  <p:timing>
-    <p:tnLst>
-      <p:par>
-        <p:cTn id="1" dur="indefinite" restart="never" nodeType="tmRoot"/>
-      </p:par>
-    </p:tnLst>
-  </p:timing>
 </p:sld>
 </file>
 
@@ -3879,260 +5480,16 @@
           <a:chExt cx="0" cy="0"/>
         </a:xfrm>
       </p:grpSpPr>
-      <p:sp>
-        <p:nvSpPr>
-          <p:cNvPr id="2" name="Title 1"/>
-          <p:cNvSpPr>
-            <a:spLocks noGrp="1"/>
-          </p:cNvSpPr>
-          <p:nvPr>
-            <p:ph type="title"/>
-          </p:nvPr>
-        </p:nvSpPr>
-        <p:spPr>
-          <a:xfrm>
-            <a:off x="613065" y="529937"/>
-            <a:ext cx="11315700" cy="4551217"/>
-          </a:xfrm>
-        </p:spPr>
-        <p:txBody>
-          <a:bodyPr anchor="t">
-            <a:noAutofit/>
-          </a:bodyPr>
-          <a:lstStyle/>
-          <a:p>
-            <a:r>
-              <a:rPr lang="en-US" i="1" dirty="0" smtClean="0"/>
-              <a:t>Visualization</a:t>
-            </a:r>
-            <a:r>
-              <a:rPr lang="en-US" sz="4800" b="0" i="1" dirty="0" smtClean="0"/>
-              <a:t> is </a:t>
-            </a:r>
-            <a:br>
-              <a:rPr lang="en-US" sz="4800" b="0" i="1" dirty="0" smtClean="0"/>
-            </a:br>
-            <a:r>
-              <a:rPr lang="en-US" sz="1800" b="0" i="1" dirty="0" smtClean="0"/>
-              <a:t> </a:t>
-            </a:r>
-            <a:r>
-              <a:rPr lang="en-US" sz="4800" b="0" i="1" dirty="0"/>
-              <a:t/>
-            </a:r>
-            <a:br>
-              <a:rPr lang="en-US" sz="4800" b="0" i="1" dirty="0"/>
-            </a:br>
-            <a:r>
-              <a:rPr lang="en-US" sz="4800" b="0" i="1" dirty="0" smtClean="0"/>
-              <a:t>a study of transformation </a:t>
-            </a:r>
-            <a:br>
-              <a:rPr lang="en-US" sz="4800" b="0" i="1" dirty="0" smtClean="0"/>
-            </a:br>
-            <a:r>
-              <a:rPr lang="en-US" sz="4800" b="0" i="1" dirty="0" smtClean="0"/>
-              <a:t>from </a:t>
-            </a:r>
-            <a:r>
-              <a:rPr lang="en-US" sz="4800" i="1" dirty="0" smtClean="0"/>
-              <a:t>data</a:t>
-            </a:r>
-            <a:r>
-              <a:rPr lang="en-US" sz="4800" b="0" i="1" dirty="0" smtClean="0"/>
-              <a:t> to </a:t>
-            </a:r>
-            <a:r>
-              <a:rPr lang="en-US" sz="4800" i="1" dirty="0" smtClean="0"/>
-              <a:t>visual representations</a:t>
-            </a:r>
-            <a:r>
-              <a:rPr lang="en-US" sz="4800" b="0" i="1" dirty="0" smtClean="0"/>
-              <a:t> </a:t>
-            </a:r>
-            <a:br>
-              <a:rPr lang="en-US" sz="4800" b="0" i="1" dirty="0" smtClean="0"/>
-            </a:br>
-            <a:r>
-              <a:rPr lang="en-US" sz="1800" b="0" i="1" dirty="0" smtClean="0"/>
-              <a:t> </a:t>
-            </a:r>
-            <a:r>
-              <a:rPr lang="en-US" sz="4800" b="0" i="1" dirty="0" smtClean="0"/>
-              <a:t/>
-            </a:r>
-            <a:br>
-              <a:rPr lang="en-US" sz="4800" b="0" i="1" dirty="0" smtClean="0"/>
-            </a:br>
-            <a:r>
-              <a:rPr lang="en-US" sz="4800" b="0" i="1" dirty="0" smtClean="0"/>
-              <a:t>in order to facilitate </a:t>
-            </a:r>
-            <a:r>
-              <a:rPr lang="en-US" sz="4800" dirty="0" smtClean="0"/>
-              <a:t>↴</a:t>
-            </a:r>
-            <a:r>
-              <a:rPr lang="en-US" sz="4800" b="0" i="1" dirty="0" smtClean="0"/>
-              <a:t> </a:t>
-            </a:r>
-            <a:r>
-              <a:rPr lang="en-US" sz="4000" b="0" i="1" dirty="0" smtClean="0"/>
-              <a:t/>
-            </a:r>
-            <a:br>
-              <a:rPr lang="en-US" sz="4000" b="0" i="1" dirty="0" smtClean="0"/>
-            </a:br>
-            <a:r>
-              <a:rPr lang="en-US" sz="2000" b="0" i="1" dirty="0" smtClean="0"/>
-              <a:t> </a:t>
-            </a:r>
-            <a:r>
-              <a:rPr lang="en-US" sz="1400" b="0" i="1" dirty="0" smtClean="0"/>
-              <a:t> </a:t>
-            </a:r>
-            <a:r>
-              <a:rPr lang="en-US" sz="4800" b="0" i="1" dirty="0" smtClean="0"/>
-              <a:t/>
-            </a:r>
-            <a:br>
-              <a:rPr lang="en-US" sz="4800" b="0" i="1" dirty="0" smtClean="0"/>
-            </a:br>
-            <a:r>
-              <a:rPr lang="en-US" sz="4800" i="1" dirty="0" smtClean="0"/>
-              <a:t>effective</a:t>
-            </a:r>
-            <a:r>
-              <a:rPr lang="en-US" sz="4800" b="0" i="1" dirty="0" smtClean="0"/>
-              <a:t> and </a:t>
-            </a:r>
-            <a:r>
-              <a:rPr lang="en-US" sz="4800" i="1" dirty="0" smtClean="0"/>
-              <a:t>efficient</a:t>
-            </a:r>
-            <a:r>
-              <a:rPr lang="en-US" sz="4800" b="0" i="1" dirty="0" smtClean="0"/>
-              <a:t> </a:t>
-            </a:r>
-            <a:br>
-              <a:rPr lang="en-US" sz="4800" b="0" i="1" dirty="0" smtClean="0"/>
-            </a:br>
-            <a:r>
-              <a:rPr lang="en-US" sz="4800" b="0" i="1" dirty="0" smtClean="0"/>
-              <a:t>cognitive processes </a:t>
-            </a:r>
-            <a:br>
-              <a:rPr lang="en-US" sz="4800" b="0" i="1" dirty="0" smtClean="0"/>
-            </a:br>
-            <a:r>
-              <a:rPr lang="en-US" sz="4800" b="0" i="1" dirty="0" smtClean="0"/>
-              <a:t>in </a:t>
-            </a:r>
-            <a:r>
-              <a:rPr lang="en-US" sz="4800" i="1" dirty="0" smtClean="0"/>
-              <a:t>performing tasks involving data</a:t>
-            </a:r>
-            <a:r>
-              <a:rPr lang="en-US" sz="4800" b="0" i="1" dirty="0" smtClean="0"/>
-              <a:t>.</a:t>
-            </a:r>
-            <a:r>
-              <a:rPr lang="en-US" sz="4800" b="0" i="1" dirty="0" smtClean="0">
-                <a:latin typeface="Engravers MT" panose="02090707080505020304" pitchFamily="18" charset="0"/>
-              </a:rPr>
-              <a:t>"</a:t>
-            </a:r>
-            <a:endParaRPr lang="en-US" sz="4800" b="0" i="1" dirty="0">
-              <a:latin typeface="Engravers MT" panose="02090707080505020304" pitchFamily="18" charset="0"/>
-            </a:endParaRPr>
-          </a:p>
-        </p:txBody>
-      </p:sp>
-      <p:sp>
-        <p:nvSpPr>
-          <p:cNvPr id="4" name="TextBox 3"/>
-          <p:cNvSpPr txBox="1"/>
-          <p:nvPr/>
-        </p:nvSpPr>
-        <p:spPr>
-          <a:xfrm>
-            <a:off x="9526273" y="6276109"/>
-            <a:ext cx="1706301" cy="369332"/>
-          </a:xfrm>
-          <a:prstGeom prst="rect">
-            <a:avLst/>
-          </a:prstGeom>
-          <a:noFill/>
-        </p:spPr>
-        <p:txBody>
-          <a:bodyPr wrap="none" rtlCol="0">
-            <a:spAutoFit/>
-          </a:bodyPr>
-          <a:lstStyle/>
-          <a:p>
-            <a:r>
-              <a:rPr lang="en-US" i="1" dirty="0" smtClean="0">
-                <a:latin typeface="Times" panose="02020603050405020304" pitchFamily="18" charset="0"/>
-                <a:cs typeface="Times" panose="02020603050405020304" pitchFamily="18" charset="0"/>
-              </a:rPr>
-              <a:t>Chen et al. 2014</a:t>
-            </a:r>
-            <a:endParaRPr lang="en-US" i="1" dirty="0">
-              <a:latin typeface="Times" panose="02020603050405020304" pitchFamily="18" charset="0"/>
-              <a:cs typeface="Times" panose="02020603050405020304" pitchFamily="18" charset="0"/>
-            </a:endParaRPr>
-          </a:p>
-        </p:txBody>
-      </p:sp>
-      <p:sp>
-        <p:nvSpPr>
-          <p:cNvPr id="3" name="Rectangle 2"/>
-          <p:cNvSpPr/>
-          <p:nvPr/>
-        </p:nvSpPr>
-        <p:spPr>
-          <a:xfrm>
-            <a:off x="-1504" y="334879"/>
-            <a:ext cx="889987" cy="1015663"/>
-          </a:xfrm>
-          <a:prstGeom prst="rect">
-            <a:avLst/>
-          </a:prstGeom>
-        </p:spPr>
-        <p:txBody>
-          <a:bodyPr wrap="none">
-            <a:spAutoFit/>
-          </a:bodyPr>
-          <a:lstStyle/>
-          <a:p>
-            <a:r>
-              <a:rPr lang="en-US" sz="6000" b="0" i="1" dirty="0" smtClean="0">
-                <a:latin typeface="Engravers MT" panose="02090707080505020304" pitchFamily="18" charset="0"/>
-                <a:cs typeface="Times New Roman" panose="02020603050405020304" pitchFamily="18" charset="0"/>
-              </a:rPr>
-              <a:t>“ </a:t>
-            </a:r>
-            <a:endParaRPr lang="en-US" sz="6000" dirty="0"/>
-          </a:p>
-        </p:txBody>
-      </p:sp>
     </p:spTree>
     <p:extLst>
       <p:ext uri="{BB962C8B-B14F-4D97-AF65-F5344CB8AC3E}">
-        <p14:creationId xmlns:p14="http://schemas.microsoft.com/office/powerpoint/2010/main" val="355613889"/>
+        <p14:creationId xmlns:p14="http://schemas.microsoft.com/office/powerpoint/2010/main" val="3160389608"/>
       </p:ext>
     </p:extLst>
   </p:cSld>
   <p:clrMapOvr>
     <a:masterClrMapping/>
   </p:clrMapOvr>
-  <p:timing>
-    <p:tnLst>
-      <p:par>
-        <p:cTn id="1" dur="indefinite" restart="never" nodeType="tmRoot"/>
-      </p:par>
-    </p:tnLst>
-  </p:timing>
 </p:sld>
 </file>
 
@@ -4153,127 +5510,39 @@
           <a:chExt cx="0" cy="0"/>
         </a:xfrm>
       </p:grpSpPr>
-      <p:sp>
-        <p:nvSpPr>
-          <p:cNvPr id="2" name="Title 1"/>
-          <p:cNvSpPr>
-            <a:spLocks noGrp="1"/>
-          </p:cNvSpPr>
-          <p:nvPr>
-            <p:ph type="title"/>
-          </p:nvPr>
-        </p:nvSpPr>
+      <p:pic>
+        <p:nvPicPr>
+          <p:cNvPr id="9" name="Picture 8" descr="datatovisualization-1.pdf"/>
+          <p:cNvPicPr>
+            <a:picLocks noChangeAspect="1"/>
+          </p:cNvPicPr>
+          <p:nvPr/>
+        </p:nvPicPr>
+        <p:blipFill rotWithShape="1">
+          <a:blip r:embed="rId2">
+            <a:extLst>
+              <a:ext uri="{28A0092B-C50C-407E-A947-70E740481C1C}">
+                <a14:useLocalDpi xmlns:a14="http://schemas.microsoft.com/office/drawing/2010/main" val="0"/>
+              </a:ext>
+            </a:extLst>
+          </a:blip>
+          <a:srcRect r="63151"/>
+          <a:stretch/>
+        </p:blipFill>
         <p:spPr>
           <a:xfrm>
-            <a:off x="831850" y="426028"/>
-            <a:ext cx="10515600" cy="4136448"/>
+            <a:off x="838200" y="1498600"/>
+            <a:ext cx="3874894" cy="3860800"/>
           </a:xfrm>
+          <a:prstGeom prst="rect">
+            <a:avLst/>
+          </a:prstGeom>
         </p:spPr>
-        <p:txBody>
-          <a:bodyPr anchor="ctr"/>
-          <a:lstStyle/>
-          <a:p>
-            <a:pPr>
-              <a:spcAft>
-                <a:spcPts val="600"/>
-              </a:spcAft>
-            </a:pPr>
-            <a:r>
-              <a:rPr lang="en-US" dirty="0" smtClean="0">
-                <a:solidFill>
-                  <a:schemeClr val="tx1"/>
-                </a:solidFill>
-              </a:rPr>
-              <a:t>Visualizations</a:t>
-            </a:r>
-            <a:br>
-              <a:rPr lang="en-US" dirty="0" smtClean="0">
-                <a:solidFill>
-                  <a:schemeClr val="tx1"/>
-                </a:solidFill>
-              </a:rPr>
-            </a:br>
-            <a:r>
-              <a:rPr lang="en-US" sz="2400" b="0" dirty="0" smtClean="0"/>
-              <a:t> </a:t>
-            </a:r>
-            <a:r>
-              <a:rPr lang="en-US" dirty="0" smtClean="0">
-                <a:solidFill>
-                  <a:schemeClr val="bg1">
-                    <a:lumMod val="50000"/>
-                  </a:schemeClr>
-                </a:solidFill>
-              </a:rPr>
-              <a:t/>
-            </a:r>
-            <a:br>
-              <a:rPr lang="en-US" dirty="0" smtClean="0">
-                <a:solidFill>
-                  <a:schemeClr val="bg1">
-                    <a:lumMod val="50000"/>
-                  </a:schemeClr>
-                </a:solidFill>
-              </a:rPr>
-            </a:br>
-            <a:r>
-              <a:rPr lang="en-US" sz="4400" dirty="0" smtClean="0">
-                <a:solidFill>
-                  <a:srgbClr val="C00000"/>
-                </a:solidFill>
-              </a:rPr>
-              <a:t>facilitate</a:t>
-            </a:r>
-            <a:r>
-              <a:rPr lang="en-US" sz="4400" dirty="0" smtClean="0"/>
-              <a:t> effective</a:t>
-            </a:r>
-            <a:r>
-              <a:rPr lang="en-US" sz="4400" b="0" dirty="0" smtClean="0"/>
-              <a:t> and </a:t>
-            </a:r>
-            <a:r>
-              <a:rPr lang="en-US" sz="4400" dirty="0" smtClean="0"/>
-              <a:t>efficient</a:t>
-            </a:r>
-            <a:r>
-              <a:rPr lang="en-US" sz="4400" b="0" dirty="0" smtClean="0"/>
-              <a:t> </a:t>
-            </a:r>
-            <a:br>
-              <a:rPr lang="en-US" sz="4400" b="0" dirty="0" smtClean="0"/>
-            </a:br>
-            <a:r>
-              <a:rPr lang="en-US" sz="4400" b="0" dirty="0" smtClean="0"/>
-              <a:t>cognitive processes</a:t>
-            </a:r>
-            <a:endParaRPr lang="en-US" sz="4800" dirty="0"/>
-          </a:p>
-        </p:txBody>
-      </p:sp>
-      <p:sp>
-        <p:nvSpPr>
-          <p:cNvPr id="3" name="Text Placeholder 2"/>
-          <p:cNvSpPr>
-            <a:spLocks noGrp="1"/>
-          </p:cNvSpPr>
-          <p:nvPr>
-            <p:ph type="body" idx="1"/>
-          </p:nvPr>
-        </p:nvSpPr>
-        <p:spPr/>
-        <p:txBody>
-          <a:bodyPr/>
-          <a:lstStyle/>
-          <a:p>
-            <a:endParaRPr lang="en-US" dirty="0"/>
-          </a:p>
-        </p:txBody>
-      </p:sp>
+      </p:pic>
     </p:spTree>
     <p:extLst>
       <p:ext uri="{BB962C8B-B14F-4D97-AF65-F5344CB8AC3E}">
-        <p14:creationId xmlns:p14="http://schemas.microsoft.com/office/powerpoint/2010/main" val="97883252"/>
+        <p14:creationId xmlns:p14="http://schemas.microsoft.com/office/powerpoint/2010/main" val="3853355549"/>
       </p:ext>
     </p:extLst>
   </p:cSld>
@@ -4283,7 +5552,7 @@
   <p:timing>
     <p:tnLst>
       <p:par>
-        <p:cTn id="1" dur="indefinite" restart="never" nodeType="tmRoot"/>
+        <p:cTn xmlns:p14="http://schemas.microsoft.com/office/powerpoint/2010/main" id="1" dur="indefinite" restart="never" nodeType="tmRoot"/>
       </p:par>
     </p:tnLst>
   </p:timing>
@@ -4307,119 +5576,40 @@
           <a:chExt cx="0" cy="0"/>
         </a:xfrm>
       </p:grpSpPr>
-      <p:sp>
-        <p:nvSpPr>
-          <p:cNvPr id="2" name="Title 1"/>
-          <p:cNvSpPr>
-            <a:spLocks noGrp="1"/>
-          </p:cNvSpPr>
-          <p:nvPr>
-            <p:ph type="title"/>
-          </p:nvPr>
-        </p:nvSpPr>
+      <p:pic>
+        <p:nvPicPr>
+          <p:cNvPr id="9" name="Picture 8" descr="datatovisualization-1.pdf"/>
+          <p:cNvPicPr>
+            <a:picLocks noChangeAspect="1"/>
+          </p:cNvPicPr>
+          <p:nvPr/>
+        </p:nvPicPr>
+        <p:blipFill>
+          <a:blip r:embed="rId2">
+            <a:extLst>
+              <a:ext uri="{28A0092B-C50C-407E-A947-70E740481C1C}">
+                <a14:useLocalDpi xmlns:a14="http://schemas.microsoft.com/office/drawing/2010/main" val="0"/>
+              </a:ext>
+            </a:extLst>
+          </a:blip>
+          <a:stretch>
+            <a:fillRect/>
+          </a:stretch>
+        </p:blipFill>
         <p:spPr>
           <a:xfrm>
-            <a:off x="831850" y="426028"/>
-            <a:ext cx="10515600" cy="4136448"/>
+            <a:off x="838200" y="1498600"/>
+            <a:ext cx="10515600" cy="3860800"/>
           </a:xfrm>
+          <a:prstGeom prst="rect">
+            <a:avLst/>
+          </a:prstGeom>
         </p:spPr>
-        <p:txBody>
-          <a:bodyPr anchor="ctr"/>
-          <a:lstStyle/>
-          <a:p>
-            <a:pPr>
-              <a:spcAft>
-                <a:spcPts val="600"/>
-              </a:spcAft>
-            </a:pPr>
-            <a:r>
-              <a:rPr lang="en-US" dirty="0" smtClean="0">
-                <a:solidFill>
-                  <a:schemeClr val="tx1"/>
-                </a:solidFill>
-              </a:rPr>
-              <a:t>Visualizations</a:t>
-            </a:r>
-            <a:br>
-              <a:rPr lang="en-US" dirty="0" smtClean="0">
-                <a:solidFill>
-                  <a:schemeClr val="tx1"/>
-                </a:solidFill>
-              </a:rPr>
-            </a:br>
-            <a:r>
-              <a:rPr lang="en-US" sz="2400" b="0" dirty="0" smtClean="0"/>
-              <a:t> </a:t>
-            </a:r>
-            <a:r>
-              <a:rPr lang="en-US" dirty="0" smtClean="0">
-                <a:solidFill>
-                  <a:schemeClr val="bg1">
-                    <a:lumMod val="50000"/>
-                  </a:schemeClr>
-                </a:solidFill>
-              </a:rPr>
-              <a:t/>
-            </a:r>
-            <a:br>
-              <a:rPr lang="en-US" dirty="0" smtClean="0">
-                <a:solidFill>
-                  <a:schemeClr val="bg1">
-                    <a:lumMod val="50000"/>
-                  </a:schemeClr>
-                </a:solidFill>
-              </a:rPr>
-            </a:br>
-            <a:r>
-              <a:rPr lang="en-US" sz="4400" dirty="0" smtClean="0">
-                <a:solidFill>
-                  <a:srgbClr val="C00000"/>
-                </a:solidFill>
-              </a:rPr>
-              <a:t>facilitate</a:t>
-            </a:r>
-            <a:r>
-              <a:rPr lang="en-US" sz="4400" dirty="0" smtClean="0"/>
-              <a:t> </a:t>
-            </a:r>
-            <a:r>
-              <a:rPr lang="en-US" sz="4400" b="0" dirty="0" smtClean="0"/>
-              <a:t>performing tasks</a:t>
-            </a:r>
-            <a:br>
-              <a:rPr lang="en-US" sz="4400" b="0" dirty="0" smtClean="0"/>
-            </a:br>
-            <a:r>
-              <a:rPr lang="en-US" sz="4400" b="0" dirty="0" smtClean="0"/>
-              <a:t>involving data </a:t>
-            </a:r>
-            <a:endParaRPr lang="en-US" sz="4800" b="0" dirty="0"/>
-          </a:p>
-        </p:txBody>
-      </p:sp>
-      <p:sp>
-        <p:nvSpPr>
-          <p:cNvPr id="3" name="Text Placeholder 2"/>
-          <p:cNvSpPr>
-            <a:spLocks noGrp="1"/>
-          </p:cNvSpPr>
-          <p:nvPr>
-            <p:ph type="body" idx="1"/>
-          </p:nvPr>
-        </p:nvSpPr>
-        <p:spPr/>
-        <p:txBody>
-          <a:bodyPr/>
-          <a:lstStyle/>
-          <a:p>
-            <a:endParaRPr lang="en-US" dirty="0"/>
-          </a:p>
-        </p:txBody>
-      </p:sp>
+      </p:pic>
     </p:spTree>
     <p:extLst>
       <p:ext uri="{BB962C8B-B14F-4D97-AF65-F5344CB8AC3E}">
-        <p14:creationId xmlns:p14="http://schemas.microsoft.com/office/powerpoint/2010/main" val="2935861299"/>
+        <p14:creationId xmlns:p14="http://schemas.microsoft.com/office/powerpoint/2010/main" val="3637088768"/>
       </p:ext>
     </p:extLst>
   </p:cSld>
@@ -4429,7 +5619,7 @@
   <p:timing>
     <p:tnLst>
       <p:par>
-        <p:cTn id="1" dur="indefinite" restart="never" nodeType="tmRoot"/>
+        <p:cTn xmlns:p14="http://schemas.microsoft.com/office/powerpoint/2010/main" id="1" dur="indefinite" restart="never" nodeType="tmRoot"/>
       </p:par>
     </p:tnLst>
   </p:timing>
@@ -4453,129 +5643,40 @@
           <a:chExt cx="0" cy="0"/>
         </a:xfrm>
       </p:grpSpPr>
-      <p:sp>
-        <p:nvSpPr>
-          <p:cNvPr id="2" name="Title 1"/>
-          <p:cNvSpPr>
-            <a:spLocks noGrp="1"/>
-          </p:cNvSpPr>
-          <p:nvPr>
-            <p:ph type="title"/>
-          </p:nvPr>
-        </p:nvSpPr>
+      <p:pic>
+        <p:nvPicPr>
+          <p:cNvPr id="4" name="Picture 3" descr="datatovisualization-2.pdf"/>
+          <p:cNvPicPr>
+            <a:picLocks noChangeAspect="1"/>
+          </p:cNvPicPr>
+          <p:nvPr/>
+        </p:nvPicPr>
+        <p:blipFill>
+          <a:blip r:embed="rId2">
+            <a:extLst>
+              <a:ext uri="{28A0092B-C50C-407E-A947-70E740481C1C}">
+                <a14:useLocalDpi xmlns:a14="http://schemas.microsoft.com/office/drawing/2010/main" val="0"/>
+              </a:ext>
+            </a:extLst>
+          </a:blip>
+          <a:stretch>
+            <a:fillRect/>
+          </a:stretch>
+        </p:blipFill>
         <p:spPr>
           <a:xfrm>
-            <a:off x="831850" y="426028"/>
-            <a:ext cx="10515600" cy="4136448"/>
+            <a:off x="1600200" y="1930400"/>
+            <a:ext cx="8991600" cy="2984500"/>
           </a:xfrm>
+          <a:prstGeom prst="rect">
+            <a:avLst/>
+          </a:prstGeom>
         </p:spPr>
-        <p:txBody>
-          <a:bodyPr anchor="ctr"/>
-          <a:lstStyle/>
-          <a:p>
-            <a:pPr>
-              <a:spcAft>
-                <a:spcPts val="600"/>
-              </a:spcAft>
-            </a:pPr>
-            <a:r>
-              <a:rPr lang="en-US" dirty="0" err="1" smtClean="0"/>
-              <a:t>Information</a:t>
-            </a:r>
-            <a:r>
-              <a:rPr lang="en-US" sz="3600" dirty="0" err="1" smtClean="0">
-                <a:solidFill>
-                  <a:schemeClr val="bg1">
-                    <a:lumMod val="85000"/>
-                  </a:schemeClr>
-                </a:solidFill>
-              </a:rPr>
-              <a:t>+</a:t>
-            </a:r>
-            <a:r>
-              <a:rPr lang="en-US" dirty="0" err="1" smtClean="0"/>
-              <a:t>visualizations</a:t>
-            </a:r>
-            <a:r>
-              <a:rPr lang="en-US" dirty="0" smtClean="0"/>
-              <a:t/>
-            </a:r>
-            <a:br>
-              <a:rPr lang="en-US" dirty="0" smtClean="0"/>
-            </a:br>
-            <a:r>
-              <a:rPr lang="en-US" sz="4400" b="0" dirty="0" smtClean="0"/>
-              <a:t>are </a:t>
-            </a:r>
-            <a:r>
-              <a:rPr lang="en-US" sz="4400" dirty="0" smtClean="0"/>
-              <a:t>visual analytic tools </a:t>
-            </a:r>
-            <a:br>
-              <a:rPr lang="en-US" sz="4400" dirty="0" smtClean="0"/>
-            </a:br>
-            <a:r>
-              <a:rPr lang="en-US" sz="2000" dirty="0" smtClean="0"/>
-              <a:t> </a:t>
-            </a:r>
-            <a:r>
-              <a:rPr lang="en-US" sz="4400" dirty="0" smtClean="0"/>
-              <a:t/>
-            </a:r>
-            <a:br>
-              <a:rPr lang="en-US" sz="4400" dirty="0" smtClean="0"/>
-            </a:br>
-            <a:r>
-              <a:rPr lang="en-US" sz="4400" b="0" dirty="0" smtClean="0"/>
-              <a:t>for </a:t>
-            </a:r>
-            <a:r>
-              <a:rPr lang="en-US" sz="4400" dirty="0" smtClean="0"/>
-              <a:t>exploring </a:t>
-            </a:r>
-            <a:r>
-              <a:rPr lang="en-US" sz="4400" b="0" dirty="0" smtClean="0"/>
-              <a:t>and </a:t>
-            </a:r>
-            <a:r>
-              <a:rPr lang="en-US" sz="4400" dirty="0" smtClean="0"/>
-              <a:t>extracting patterns </a:t>
-            </a:r>
-            <a:r>
-              <a:rPr lang="en-US" sz="4400" b="0" dirty="0" smtClean="0"/>
-              <a:t>from abstract data.</a:t>
-            </a:r>
-            <a:r>
-              <a:rPr lang="en-US" sz="4400" dirty="0" smtClean="0"/>
-              <a:t> </a:t>
-            </a:r>
-            <a:endParaRPr lang="en-US" sz="4800" dirty="0"/>
-          </a:p>
-        </p:txBody>
-      </p:sp>
-      <p:sp>
-        <p:nvSpPr>
-          <p:cNvPr id="3" name="Text Placeholder 2"/>
-          <p:cNvSpPr>
-            <a:spLocks noGrp="1"/>
-          </p:cNvSpPr>
-          <p:nvPr>
-            <p:ph type="body" idx="1"/>
-          </p:nvPr>
-        </p:nvSpPr>
-        <p:spPr/>
-        <p:txBody>
-          <a:bodyPr/>
-          <a:lstStyle/>
-          <a:p>
-            <a:endParaRPr lang="en-US" dirty="0"/>
-          </a:p>
-        </p:txBody>
-      </p:sp>
+      </p:pic>
     </p:spTree>
     <p:extLst>
       <p:ext uri="{BB962C8B-B14F-4D97-AF65-F5344CB8AC3E}">
-        <p14:creationId xmlns:p14="http://schemas.microsoft.com/office/powerpoint/2010/main" val="2685811996"/>
+        <p14:creationId xmlns:p14="http://schemas.microsoft.com/office/powerpoint/2010/main" val="410493932"/>
       </p:ext>
     </p:extLst>
   </p:cSld>
@@ -4585,7 +5686,7 @@
   <p:timing>
     <p:tnLst>
       <p:par>
-        <p:cTn id="1" dur="indefinite" restart="never" nodeType="tmRoot"/>
+        <p:cTn xmlns:p14="http://schemas.microsoft.com/office/powerpoint/2010/main" id="1" dur="indefinite" restart="never" nodeType="tmRoot"/>
       </p:par>
     </p:tnLst>
   </p:timing>
@@ -4635,7 +5736,7 @@
     </a:clrScheme>
     <a:fontScheme name="Office">
       <a:majorFont>
-        <a:latin typeface="Calibri Light" panose="020F0302020204030204"/>
+        <a:latin typeface="Calibri Light"/>
         <a:ea typeface=""/>
         <a:cs typeface=""/>
         <a:font script="Jpan" typeface="ＭＳ Ｐゴシック"/>
@@ -4670,7 +5771,7 @@
         <a:font script="Geor" typeface="Sylfaen"/>
       </a:majorFont>
       <a:minorFont>
-        <a:latin typeface="Calibri" panose="020F0502020204030204"/>
+        <a:latin typeface="Calibri"/>
         <a:ea typeface=""/>
         <a:cs typeface=""/>
         <a:font script="Jpan" typeface="ＭＳ Ｐゴシック"/>
@@ -4847,7 +5948,7 @@
   <a:extraClrSchemeLst/>
   <a:extLst>
     <a:ext uri="{05A4C25C-085E-4340-85A3-A5531E510DB2}">
-      <thm15:themeFamily xmlns:thm15="http://schemas.microsoft.com/office/thememl/2012/main" name="Office Theme" id="{62F939B6-93AF-4DB8-9C6B-D6C7DFDC589F}" vid="{4A3C46E8-61CC-4603-A589-7422A47A8E4A}"/>
+      <thm15:themeFamily xmlns:thm15="http://schemas.microsoft.com/office/thememl/2012/main" xmlns="" name="Office Theme" id="{62F939B6-93AF-4DB8-9C6B-D6C7DFDC589F}" vid="{4A3C46E8-61CC-4603-A589-7422A47A8E4A}"/>
     </a:ext>
   </a:extLst>
 </a:theme>

--- a/Information Visualization.pptx
+++ b/Information Visualization.pptx
@@ -26,9 +26,19 @@
     <p:sldId id="278" r:id="rId20"/>
     <p:sldId id="281" r:id="rId21"/>
     <p:sldId id="285" r:id="rId22"/>
-    <p:sldId id="282" r:id="rId23"/>
-    <p:sldId id="284" r:id="rId24"/>
-    <p:sldId id="283" r:id="rId25"/>
+    <p:sldId id="287" r:id="rId23"/>
+    <p:sldId id="291" r:id="rId24"/>
+    <p:sldId id="289" r:id="rId25"/>
+    <p:sldId id="292" r:id="rId26"/>
+    <p:sldId id="282" r:id="rId27"/>
+    <p:sldId id="293" r:id="rId28"/>
+    <p:sldId id="294" r:id="rId29"/>
+    <p:sldId id="295" r:id="rId30"/>
+    <p:sldId id="290" r:id="rId31"/>
+    <p:sldId id="284" r:id="rId32"/>
+    <p:sldId id="283" r:id="rId33"/>
+    <p:sldId id="297" r:id="rId34"/>
+    <p:sldId id="296" r:id="rId35"/>
   </p:sldIdLst>
   <p:sldSz cx="12192000" cy="6858000"/>
   <p:notesSz cx="6858000" cy="9144000"/>
@@ -127,6 +137,22 @@
       </a:defRPr>
     </a:lvl9pPr>
   </p:defaultTextStyle>
+  <p:extLst>
+    <p:ext uri="{EFAFB233-063F-42B5-8137-9DF3F51BA10A}">
+      <p15:sldGuideLst xmlns:p15="http://schemas.microsoft.com/office/powerpoint/2012/main">
+        <p15:guide id="1" orient="horz" pos="2160">
+          <p15:clr>
+            <a:srgbClr val="A4A3A4"/>
+          </p15:clr>
+        </p15:guide>
+        <p15:guide id="2" pos="3840">
+          <p15:clr>
+            <a:srgbClr val="A4A3A4"/>
+          </p15:clr>
+        </p15:guide>
+      </p15:sldGuideLst>
+    </p:ext>
+  </p:extLst>
 </p:presentation>
 </file>
 
@@ -275,7 +301,7 @@
             <a:fld id="{33535D3A-6D45-45E3-A976-B17E69128BA5}" type="datetimeFigureOut">
               <a:rPr lang="en-US" smtClean="0"/>
               <a:pPr/>
-              <a:t>7/13/15</a:t>
+              <a:t>7/13/2015</a:t>
             </a:fld>
             <a:endParaRPr lang="en-US"/>
           </a:p>
@@ -351,7 +377,7 @@
   <p:timing>
     <p:tnLst>
       <p:par>
-        <p:cTn xmlns:p14="http://schemas.microsoft.com/office/powerpoint/2010/main" id="1" dur="indefinite" restart="never" nodeType="tmRoot"/>
+        <p:cTn id="1" dur="indefinite" restart="never" nodeType="tmRoot"/>
       </p:par>
     </p:tnLst>
   </p:timing>
@@ -467,7 +493,7 @@
           <a:p>
             <a:fld id="{33535D3A-6D45-45E3-A976-B17E69128BA5}" type="datetimeFigureOut">
               <a:rPr lang="en-US" smtClean="0"/>
-              <a:t>7/13/15</a:t>
+              <a:t>7/13/2015</a:t>
             </a:fld>
             <a:endParaRPr lang="en-US"/>
           </a:p>
@@ -647,7 +673,7 @@
           <a:p>
             <a:fld id="{33535D3A-6D45-45E3-A976-B17E69128BA5}" type="datetimeFigureOut">
               <a:rPr lang="en-US" smtClean="0"/>
-              <a:t>7/13/15</a:t>
+              <a:t>7/13/2015</a:t>
             </a:fld>
             <a:endParaRPr lang="en-US"/>
           </a:p>
@@ -863,7 +889,7 @@
             <a:fld id="{33535D3A-6D45-45E3-A976-B17E69128BA5}" type="datetimeFigureOut">
               <a:rPr lang="en-US" smtClean="0"/>
               <a:pPr/>
-              <a:t>7/13/15</a:t>
+              <a:t>7/13/2015</a:t>
             </a:fld>
             <a:endParaRPr lang="en-US"/>
           </a:p>
@@ -1124,7 +1150,7 @@
           <a:p>
             <a:fld id="{33535D3A-6D45-45E3-A976-B17E69128BA5}" type="datetimeFigureOut">
               <a:rPr lang="en-US" smtClean="0"/>
-              <a:t>7/13/15</a:t>
+              <a:t>7/13/2015</a:t>
             </a:fld>
             <a:endParaRPr lang="en-US"/>
           </a:p>
@@ -1185,7 +1211,7 @@
   <p:timing>
     <p:tnLst>
       <p:par>
-        <p:cTn xmlns:p14="http://schemas.microsoft.com/office/powerpoint/2010/main" id="1" dur="indefinite" restart="never" nodeType="tmRoot"/>
+        <p:cTn id="1" dur="indefinite" restart="never" nodeType="tmRoot"/>
       </p:par>
     </p:tnLst>
   </p:timing>
@@ -1363,7 +1389,7 @@
           <a:p>
             <a:fld id="{33535D3A-6D45-45E3-A976-B17E69128BA5}" type="datetimeFigureOut">
               <a:rPr lang="en-US" smtClean="0"/>
-              <a:t>7/13/15</a:t>
+              <a:t>7/13/2015</a:t>
             </a:fld>
             <a:endParaRPr lang="en-US"/>
           </a:p>
@@ -1730,7 +1756,7 @@
           <a:p>
             <a:fld id="{33535D3A-6D45-45E3-A976-B17E69128BA5}" type="datetimeFigureOut">
               <a:rPr lang="en-US" smtClean="0"/>
-              <a:t>7/13/15</a:t>
+              <a:t>7/13/2015</a:t>
             </a:fld>
             <a:endParaRPr lang="en-US"/>
           </a:p>
@@ -1848,7 +1874,7 @@
           <a:p>
             <a:fld id="{33535D3A-6D45-45E3-A976-B17E69128BA5}" type="datetimeFigureOut">
               <a:rPr lang="en-US" smtClean="0"/>
-              <a:t>7/13/15</a:t>
+              <a:t>7/13/2015</a:t>
             </a:fld>
             <a:endParaRPr lang="en-US"/>
           </a:p>
@@ -1943,7 +1969,7 @@
           <a:p>
             <a:fld id="{33535D3A-6D45-45E3-A976-B17E69128BA5}" type="datetimeFigureOut">
               <a:rPr lang="en-US" smtClean="0"/>
-              <a:t>7/13/15</a:t>
+              <a:t>7/13/2015</a:t>
             </a:fld>
             <a:endParaRPr lang="en-US"/>
           </a:p>
@@ -2220,7 +2246,7 @@
           <a:p>
             <a:fld id="{33535D3A-6D45-45E3-A976-B17E69128BA5}" type="datetimeFigureOut">
               <a:rPr lang="en-US" smtClean="0"/>
-              <a:t>7/13/15</a:t>
+              <a:t>7/13/2015</a:t>
             </a:fld>
             <a:endParaRPr lang="en-US"/>
           </a:p>
@@ -2473,7 +2499,7 @@
           <a:p>
             <a:fld id="{33535D3A-6D45-45E3-A976-B17E69128BA5}" type="datetimeFigureOut">
               <a:rPr lang="en-US" smtClean="0"/>
-              <a:t>7/13/15</a:t>
+              <a:t>7/13/2015</a:t>
             </a:fld>
             <a:endParaRPr lang="en-US"/>
           </a:p>
@@ -2689,7 +2715,7 @@
             <a:fld id="{33535D3A-6D45-45E3-A976-B17E69128BA5}" type="datetimeFigureOut">
               <a:rPr lang="en-US" smtClean="0"/>
               <a:pPr/>
-              <a:t>7/13/15</a:t>
+              <a:t>7/13/2015</a:t>
             </a:fld>
             <a:endParaRPr lang="en-US"/>
           </a:p>
@@ -2802,7 +2828,7 @@
   <p:timing>
     <p:tnLst>
       <p:par>
-        <p:cTn xmlns:p14="http://schemas.microsoft.com/office/powerpoint/2010/main" id="1" dur="indefinite" restart="never" nodeType="tmRoot"/>
+        <p:cTn id="1" dur="indefinite" restart="never" nodeType="tmRoot"/>
       </p:par>
     </p:tnLst>
   </p:timing>
@@ -3127,7 +3153,7 @@
           <p:nvPr/>
         </p:nvPicPr>
         <p:blipFill rotWithShape="1">
-          <a:blip r:embed="rId2">
+          <a:blip r:embed="rId2" cstate="print">
             <a:extLst>
               <a:ext uri="{28A0092B-C50C-407E-A947-70E740481C1C}">
                 <a14:useLocalDpi xmlns:a14="http://schemas.microsoft.com/office/drawing/2010/main" val="0"/>
@@ -3156,7 +3182,7 @@
           <p:nvPr/>
         </p:nvPicPr>
         <p:blipFill rotWithShape="1">
-          <a:blip r:embed="rId2">
+          <a:blip r:embed="rId2" cstate="print">
             <a:extLst>
               <a:ext uri="{28A0092B-C50C-407E-A947-70E740481C1C}">
                 <a14:useLocalDpi xmlns:a14="http://schemas.microsoft.com/office/drawing/2010/main" val="0"/>
@@ -3262,7 +3288,7 @@
           <p:nvPr/>
         </p:nvPicPr>
         <p:blipFill rotWithShape="1">
-          <a:blip r:embed="rId2">
+          <a:blip r:embed="rId2" cstate="print">
             <a:extLst>
               <a:ext uri="{28A0092B-C50C-407E-A947-70E740481C1C}">
                 <a14:useLocalDpi xmlns:a14="http://schemas.microsoft.com/office/drawing/2010/main" val="0"/>
@@ -3291,7 +3317,7 @@
           <p:nvPr/>
         </p:nvPicPr>
         <p:blipFill rotWithShape="1">
-          <a:blip r:embed="rId2">
+          <a:blip r:embed="rId2" cstate="print">
             <a:extLst>
               <a:ext uri="{28A0092B-C50C-407E-A947-70E740481C1C}">
                 <a14:useLocalDpi xmlns:a14="http://schemas.microsoft.com/office/drawing/2010/main" val="0"/>
@@ -3320,7 +3346,7 @@
           <p:nvPr/>
         </p:nvPicPr>
         <p:blipFill rotWithShape="1">
-          <a:blip r:embed="rId2">
+          <a:blip r:embed="rId2" cstate="print">
             <a:extLst>
               <a:ext uri="{28A0092B-C50C-407E-A947-70E740481C1C}">
                 <a14:useLocalDpi xmlns:a14="http://schemas.microsoft.com/office/drawing/2010/main" val="0"/>
@@ -3349,7 +3375,7 @@
           <p:nvPr/>
         </p:nvPicPr>
         <p:blipFill rotWithShape="1">
-          <a:blip r:embed="rId2">
+          <a:blip r:embed="rId2" cstate="print">
             <a:extLst>
               <a:ext uri="{28A0092B-C50C-407E-A947-70E740481C1C}">
                 <a14:useLocalDpi xmlns:a14="http://schemas.microsoft.com/office/drawing/2010/main" val="0"/>
@@ -3382,7 +3408,7 @@
   <p:timing>
     <p:tnLst>
       <p:par>
-        <p:cTn xmlns:p14="http://schemas.microsoft.com/office/powerpoint/2010/main" id="1" dur="indefinite" restart="never" nodeType="tmRoot"/>
+        <p:cTn id="1" dur="indefinite" restart="never" nodeType="tmRoot"/>
       </p:par>
     </p:tnLst>
   </p:timing>
@@ -3449,7 +3475,7 @@
   <p:timing>
     <p:tnLst>
       <p:par>
-        <p:cTn xmlns:p14="http://schemas.microsoft.com/office/powerpoint/2010/main" id="1" dur="indefinite" restart="never" nodeType="tmRoot"/>
+        <p:cTn id="1" dur="indefinite" restart="never" nodeType="tmRoot"/>
       </p:par>
     </p:tnLst>
   </p:timing>
@@ -3664,7 +3690,7 @@
   <p:timing>
     <p:tnLst>
       <p:par>
-        <p:cTn xmlns:p14="http://schemas.microsoft.com/office/powerpoint/2010/main" id="1" dur="indefinite" restart="never" nodeType="tmRoot"/>
+        <p:cTn id="1" dur="indefinite" restart="never" nodeType="tmRoot"/>
       </p:par>
     </p:tnLst>
   </p:timing>
@@ -3775,11 +3801,7 @@
             </a:br>
             <a:r>
               <a:rPr lang="en-US" sz="2400" b="0" i="1" dirty="0" smtClean="0"/>
-              <a:t>in </a:t>
-            </a:r>
-            <a:r>
-              <a:rPr lang="en-US" sz="2400" b="0" i="1" dirty="0" smtClean="0"/>
-              <a:t>order to facilitate </a:t>
+              <a:t>in order to facilitate </a:t>
             </a:r>
             <a:r>
               <a:rPr lang="en-US" sz="2400" dirty="0" smtClean="0"/>
@@ -3898,7 +3920,7 @@
   <p:timing>
     <p:tnLst>
       <p:par>
-        <p:cTn xmlns:p14="http://schemas.microsoft.com/office/powerpoint/2010/main" id="1" dur="indefinite" restart="never" nodeType="tmRoot"/>
+        <p:cTn id="1" dur="indefinite" restart="never" nodeType="tmRoot"/>
       </p:par>
     </p:tnLst>
   </p:timing>
@@ -4009,11 +4031,7 @@
             </a:br>
             <a:r>
               <a:rPr lang="en-US" sz="2400" b="0" i="1" dirty="0" smtClean="0"/>
-              <a:t>in </a:t>
-            </a:r>
-            <a:r>
-              <a:rPr lang="en-US" sz="2400" b="0" i="1" dirty="0" smtClean="0"/>
-              <a:t>order to facilitate </a:t>
+              <a:t>in order to facilitate </a:t>
             </a:r>
             <a:r>
               <a:rPr lang="en-US" sz="2400" dirty="0" smtClean="0"/>
@@ -4176,7 +4194,7 @@
   <p:timing>
     <p:tnLst>
       <p:par>
-        <p:cTn xmlns:p14="http://schemas.microsoft.com/office/powerpoint/2010/main" id="1" dur="indefinite" restart="never" nodeType="tmRoot"/>
+        <p:cTn id="1" dur="indefinite" restart="never" nodeType="tmRoot"/>
       </p:par>
     </p:tnLst>
   </p:timing>
@@ -4330,7 +4348,7 @@
   <p:timing>
     <p:tnLst>
       <p:par>
-        <p:cTn xmlns:p14="http://schemas.microsoft.com/office/powerpoint/2010/main" id="1" dur="indefinite" restart="never" nodeType="tmRoot"/>
+        <p:cTn id="1" dur="indefinite" restart="never" nodeType="tmRoot"/>
       </p:par>
     </p:tnLst>
   </p:timing>
@@ -4476,7 +4494,7 @@
   <p:timing>
     <p:tnLst>
       <p:par>
-        <p:cTn xmlns:p14="http://schemas.microsoft.com/office/powerpoint/2010/main" id="1" dur="indefinite" restart="never" nodeType="tmRoot"/>
+        <p:cTn id="1" dur="indefinite" restart="never" nodeType="tmRoot"/>
       </p:par>
     </p:tnLst>
   </p:timing>
@@ -4510,6 +4528,13 @@
   <p:clrMapOvr>
     <a:masterClrMapping/>
   </p:clrMapOvr>
+  <p:timing>
+    <p:tnLst>
+      <p:par>
+        <p:cTn id="1" dur="indefinite" restart="never" nodeType="tmRoot"/>
+      </p:par>
+    </p:tnLst>
+  </p:timing>
 </p:sld>
 </file>
 
@@ -4549,10 +4574,6 @@
               <a:rPr lang="en-US" b="0" dirty="0" smtClean="0"/>
               <a:t>What is </a:t>
             </a:r>
-            <a:r>
-              <a:rPr lang="en-US" b="0" dirty="0" smtClean="0"/>
-              <a:t/>
-            </a:r>
             <a:br>
               <a:rPr lang="en-US" b="0" dirty="0" smtClean="0"/>
             </a:br>
@@ -4562,11 +4583,7 @@
             </a:r>
             <a:r>
               <a:rPr lang="en-US" b="0" dirty="0" smtClean="0"/>
-              <a:t> </a:t>
-            </a:r>
-            <a:r>
-              <a:rPr lang="en-US" b="0" dirty="0" smtClean="0"/>
-              <a:t>visualization</a:t>
+              <a:t> visualization</a:t>
             </a:r>
             <a:r>
               <a:rPr lang="en-US" dirty="0" smtClean="0"/>
@@ -4604,11 +4621,7 @@
             </a:r>
             <a:r>
               <a:rPr lang="en-US" i="0" dirty="0" smtClean="0"/>
-              <a:t> </a:t>
-            </a:r>
-            <a:r>
-              <a:rPr lang="en-US" i="0" dirty="0" smtClean="0"/>
-              <a:t>◕</a:t>
+              <a:t> ◕</a:t>
             </a:r>
             <a:endParaRPr lang="en-US" i="0" dirty="0"/>
           </a:p>
@@ -4627,7 +4640,7 @@
   <p:timing>
     <p:tnLst>
       <p:par>
-        <p:cTn xmlns:p14="http://schemas.microsoft.com/office/powerpoint/2010/main" id="1" dur="indefinite" restart="never" nodeType="tmRoot"/>
+        <p:cTn id="1" dur="indefinite" restart="never" nodeType="tmRoot"/>
       </p:par>
     </p:tnLst>
   </p:timing>
@@ -4794,7 +4807,7 @@
   <p:timing>
     <p:tnLst>
       <p:par>
-        <p:cTn xmlns:p14="http://schemas.microsoft.com/office/powerpoint/2010/main" id="1" dur="indefinite" restart="never" nodeType="tmRoot"/>
+        <p:cTn id="1" dur="indefinite" restart="never" nodeType="tmRoot"/>
       </p:par>
     </p:tnLst>
   </p:timing>
@@ -4858,6 +4871,13 @@
   <p:clrMapOvr>
     <a:masterClrMapping/>
   </p:clrMapOvr>
+  <p:timing>
+    <p:tnLst>
+      <p:par>
+        <p:cTn id="1" dur="indefinite" restart="never" nodeType="tmRoot"/>
+      </p:par>
+    </p:tnLst>
+  </p:timing>
 </p:sld>
 </file>
 
@@ -4941,7 +4961,7 @@
   <p:timing>
     <p:tnLst>
       <p:par>
-        <p:cTn xmlns:p14="http://schemas.microsoft.com/office/powerpoint/2010/main" id="1" dur="indefinite" restart="never" nodeType="tmRoot"/>
+        <p:cTn id="1" dur="indefinite" restart="never" nodeType="tmRoot"/>
       </p:par>
     </p:tnLst>
   </p:timing>
@@ -5005,6 +5025,13 @@
   <p:clrMapOvr>
     <a:masterClrMapping/>
   </p:clrMapOvr>
+  <p:timing>
+    <p:tnLst>
+      <p:par>
+        <p:cTn id="1" dur="indefinite" restart="never" nodeType="tmRoot"/>
+      </p:par>
+    </p:tnLst>
+  </p:timing>
 </p:sld>
 </file>
 
@@ -5035,6 +5062,13 @@
   <p:clrMapOvr>
     <a:masterClrMapping/>
   </p:clrMapOvr>
+  <p:timing>
+    <p:tnLst>
+      <p:par>
+        <p:cTn id="1" dur="indefinite" restart="never" nodeType="tmRoot"/>
+      </p:par>
+    </p:tnLst>
+  </p:timing>
 </p:sld>
 </file>
 
@@ -5071,19 +5105,12 @@
           <a:lstStyle/>
           <a:p>
             <a:r>
+              <a:rPr lang="en-US" dirty="0" smtClean="0"/>
+              <a:t>Why </a:t>
+            </a:r>
+            <a:r>
               <a:rPr lang="en-US" b="0" dirty="0" smtClean="0"/>
-              <a:t>How do you </a:t>
-            </a:r>
-            <a:r>
-              <a:rPr lang="en-US" dirty="0" smtClean="0"/>
-              <a:t>assess</a:t>
-            </a:r>
-            <a:br>
-              <a:rPr lang="en-US" dirty="0" smtClean="0"/>
-            </a:br>
-            <a:r>
-              <a:rPr lang="en-US" b="0" dirty="0" smtClean="0"/>
-              <a:t>information visualization</a:t>
+              <a:t>create visualizations</a:t>
             </a:r>
             <a:r>
               <a:rPr lang="en-US" dirty="0" smtClean="0"/>
@@ -5108,24 +5135,27 @@
           <a:bodyPr/>
           <a:lstStyle/>
           <a:p>
-            <a:r>
-              <a:rPr lang="en-US" dirty="0" smtClean="0"/>
-              <a:t>Very carefully</a:t>
-            </a:r>
-            <a:endParaRPr lang="en-US" dirty="0"/>
+            <a:endParaRPr lang="en-US"/>
           </a:p>
         </p:txBody>
       </p:sp>
     </p:spTree>
     <p:extLst>
       <p:ext uri="{BB962C8B-B14F-4D97-AF65-F5344CB8AC3E}">
-        <p14:creationId xmlns:p14="http://schemas.microsoft.com/office/powerpoint/2010/main" val="1843394657"/>
+        <p14:creationId xmlns:p14="http://schemas.microsoft.com/office/powerpoint/2010/main" val="2643604847"/>
       </p:ext>
     </p:extLst>
   </p:cSld>
   <p:clrMapOvr>
     <a:masterClrMapping/>
   </p:clrMapOvr>
+  <p:timing>
+    <p:tnLst>
+      <p:par>
+        <p:cTn id="1" dur="indefinite" restart="never" nodeType="tmRoot"/>
+      </p:par>
+    </p:tnLst>
+  </p:timing>
 </p:sld>
 </file>
 
@@ -5161,44 +5191,51 @@
           <a:bodyPr/>
           <a:lstStyle/>
           <a:p>
-            <a:r>
-              <a:rPr lang="en-US" b="0" dirty="0" smtClean="0"/>
-              <a:t>How do you </a:t>
-            </a:r>
+            <a:pPr algn="r"/>
+            <a:r>
+              <a:rPr lang="en-US" b="0" i="1" dirty="0">
+                <a:latin typeface="Times" panose="02020603050405020304" pitchFamily="18" charset="0"/>
+                <a:cs typeface="Times" panose="02020603050405020304" pitchFamily="18" charset="0"/>
+              </a:rPr>
+              <a:t>"The graph retains the </a:t>
+            </a:r>
+            <a:r>
+              <a:rPr lang="en-US" i="1" dirty="0">
+                <a:latin typeface="Times" panose="02020603050405020304" pitchFamily="18" charset="0"/>
+                <a:cs typeface="Times" panose="02020603050405020304" pitchFamily="18" charset="0"/>
+              </a:rPr>
+              <a:t>information</a:t>
+            </a:r>
+            <a:r>
+              <a:rPr lang="en-US" b="0" i="1" dirty="0">
+                <a:latin typeface="Times" panose="02020603050405020304" pitchFamily="18" charset="0"/>
+                <a:cs typeface="Times" panose="02020603050405020304" pitchFamily="18" charset="0"/>
+              </a:rPr>
+              <a:t> in the data" </a:t>
+            </a:r>
+          </a:p>
+        </p:txBody>
+      </p:sp>
+      <p:sp>
+        <p:nvSpPr>
+          <p:cNvPr id="3" name="Text Placeholder 2"/>
+          <p:cNvSpPr>
+            <a:spLocks noGrp="1"/>
+          </p:cNvSpPr>
+          <p:nvPr>
+            <p:ph type="body" idx="1"/>
+          </p:nvPr>
+        </p:nvSpPr>
+        <p:spPr/>
+        <p:txBody>
+          <a:bodyPr/>
+          <a:lstStyle/>
+          <a:p>
+            <a:pPr algn="r"/>
             <a:r>
               <a:rPr lang="en-US" dirty="0" smtClean="0"/>
-              <a:t>assess</a:t>
-            </a:r>
-            <a:br>
-              <a:rPr lang="en-US" dirty="0" smtClean="0"/>
-            </a:br>
-            <a:r>
-              <a:rPr lang="en-US" b="0" dirty="0" smtClean="0"/>
-              <a:t>information visualization</a:t>
-            </a:r>
-            <a:r>
-              <a:rPr lang="en-US" dirty="0" smtClean="0"/>
-              <a:t>?</a:t>
-            </a:r>
-            <a:endParaRPr lang="en-US" dirty="0"/>
-          </a:p>
-        </p:txBody>
-      </p:sp>
-      <p:sp>
-        <p:nvSpPr>
-          <p:cNvPr id="3" name="Text Placeholder 2"/>
-          <p:cNvSpPr>
-            <a:spLocks noGrp="1"/>
-          </p:cNvSpPr>
-          <p:nvPr>
-            <p:ph idx="1"/>
-          </p:nvPr>
-        </p:nvSpPr>
-        <p:spPr/>
-        <p:txBody>
-          <a:bodyPr/>
-          <a:lstStyle/>
-          <a:p>
+              <a:t>Cleveland 1994</a:t>
+            </a:r>
             <a:endParaRPr lang="en-US" dirty="0"/>
           </a:p>
         </p:txBody>
@@ -5206,13 +5243,20 @@
     </p:spTree>
     <p:extLst>
       <p:ext uri="{BB962C8B-B14F-4D97-AF65-F5344CB8AC3E}">
-        <p14:creationId xmlns:p14="http://schemas.microsoft.com/office/powerpoint/2010/main" val="2225573448"/>
+        <p14:creationId xmlns:p14="http://schemas.microsoft.com/office/powerpoint/2010/main" val="2452845156"/>
       </p:ext>
     </p:extLst>
   </p:cSld>
   <p:clrMapOvr>
     <a:masterClrMapping/>
   </p:clrMapOvr>
+  <p:timing>
+    <p:tnLst>
+      <p:par>
+        <p:cTn id="1" dur="indefinite" restart="never" nodeType="tmRoot"/>
+      </p:par>
+    </p:tnLst>
+  </p:timing>
 </p:sld>
 </file>
 
@@ -5248,18 +5292,30 @@
           <a:bodyPr/>
           <a:lstStyle/>
           <a:p>
-            <a:endParaRPr lang="en-US"/>
-          </a:p>
-        </p:txBody>
-      </p:sp>
-      <p:sp>
-        <p:nvSpPr>
-          <p:cNvPr id="3" name="Text Placeholder 2"/>
-          <p:cNvSpPr>
-            <a:spLocks noGrp="1"/>
-          </p:cNvSpPr>
-          <p:nvPr>
-            <p:ph type="body" idx="1"/>
+            <a:r>
+              <a:rPr lang="en-US" dirty="0" smtClean="0"/>
+              <a:t>Why </a:t>
+            </a:r>
+            <a:r>
+              <a:rPr lang="en-US" b="0" dirty="0" smtClean="0"/>
+              <a:t>create visualizations</a:t>
+            </a:r>
+            <a:r>
+              <a:rPr lang="en-US" dirty="0" smtClean="0"/>
+              <a:t>?</a:t>
+            </a:r>
+            <a:endParaRPr lang="en-US" dirty="0"/>
+          </a:p>
+        </p:txBody>
+      </p:sp>
+      <p:sp>
+        <p:nvSpPr>
+          <p:cNvPr id="4" name="Content Placeholder 3"/>
+          <p:cNvSpPr>
+            <a:spLocks noGrp="1"/>
+          </p:cNvSpPr>
+          <p:nvPr>
+            <p:ph idx="1"/>
           </p:nvPr>
         </p:nvSpPr>
         <p:spPr/>
@@ -5267,14 +5323,527 @@
           <a:bodyPr/>
           <a:lstStyle/>
           <a:p>
-            <a:endParaRPr lang="en-US"/>
+            <a:pPr marL="0" indent="0">
+              <a:buNone/>
+            </a:pPr>
+            <a:r>
+              <a:rPr lang="en-US" b="1" dirty="0" smtClean="0"/>
+              <a:t>Explore </a:t>
+            </a:r>
+            <a:r>
+              <a:rPr lang="en-US" dirty="0" smtClean="0"/>
+              <a:t>data structure</a:t>
+            </a:r>
+          </a:p>
+          <a:p>
+            <a:pPr marL="0" indent="0">
+              <a:buNone/>
+            </a:pPr>
+            <a:endParaRPr lang="en-US" dirty="0"/>
+          </a:p>
+          <a:p>
+            <a:pPr marL="0" indent="0">
+              <a:buNone/>
+            </a:pPr>
+            <a:r>
+              <a:rPr lang="en-US" dirty="0" smtClean="0"/>
+              <a:t>“Convey </a:t>
+            </a:r>
+            <a:r>
+              <a:rPr lang="en-US" dirty="0"/>
+              <a:t>the wealth of information that exists in </a:t>
+            </a:r>
+            <a:r>
+              <a:rPr lang="en-US" dirty="0" smtClean="0"/>
+              <a:t>data”</a:t>
+            </a:r>
+          </a:p>
+          <a:p>
+            <a:pPr marL="0" indent="0">
+              <a:buNone/>
+            </a:pPr>
+            <a:endParaRPr lang="en-US" dirty="0"/>
+          </a:p>
+          <a:p>
+            <a:pPr marL="0" indent="0">
+              <a:buNone/>
+            </a:pPr>
+            <a:r>
+              <a:rPr lang="en-US" b="1" dirty="0" smtClean="0"/>
+              <a:t>Encounter surprises</a:t>
+            </a:r>
+            <a:r>
+              <a:rPr lang="en-US" dirty="0" smtClean="0"/>
+              <a:t> in the data</a:t>
+            </a:r>
+          </a:p>
+          <a:p>
+            <a:pPr marL="0" indent="0">
+              <a:buNone/>
+            </a:pPr>
+            <a:endParaRPr lang="en-US" dirty="0"/>
+          </a:p>
+          <a:p>
+            <a:pPr marL="0" indent="0">
+              <a:buNone/>
+            </a:pPr>
+            <a:r>
+              <a:rPr lang="en-US" dirty="0"/>
+              <a:t>"strengthen our mental </a:t>
+            </a:r>
+            <a:r>
+              <a:rPr lang="en-US" dirty="0" smtClean="0"/>
+              <a:t>abilities" </a:t>
+            </a:r>
+            <a:endParaRPr lang="en-US" dirty="0"/>
           </a:p>
         </p:txBody>
       </p:sp>
     </p:spTree>
     <p:extLst>
       <p:ext uri="{BB962C8B-B14F-4D97-AF65-F5344CB8AC3E}">
-        <p14:creationId xmlns:p14="http://schemas.microsoft.com/office/powerpoint/2010/main" val="3682656141"/>
+        <p14:creationId xmlns:p14="http://schemas.microsoft.com/office/powerpoint/2010/main" val="807036804"/>
+      </p:ext>
+    </p:extLst>
+  </p:cSld>
+  <p:clrMapOvr>
+    <a:masterClrMapping/>
+  </p:clrMapOvr>
+  <p:timing>
+    <p:tnLst>
+      <p:par>
+        <p:cTn id="1" dur="indefinite" restart="never" nodeType="tmRoot"/>
+      </p:par>
+    </p:tnLst>
+  </p:timing>
+</p:sld>
+</file>
+
+<file path=ppt/slides/slide25.xml><?xml version="1.0" encoding="utf-8"?>
+<p:sld xmlns:a="http://schemas.openxmlformats.org/drawingml/2006/main" xmlns:r="http://schemas.openxmlformats.org/officeDocument/2006/relationships" xmlns:p="http://schemas.openxmlformats.org/presentationml/2006/main">
+  <p:cSld>
+    <p:spTree>
+      <p:nvGrpSpPr>
+        <p:cNvPr id="1" name=""/>
+        <p:cNvGrpSpPr/>
+        <p:nvPr/>
+      </p:nvGrpSpPr>
+      <p:grpSpPr>
+        <a:xfrm>
+          <a:off x="0" y="0"/>
+          <a:ext cx="0" cy="0"/>
+          <a:chOff x="0" y="0"/>
+          <a:chExt cx="0" cy="0"/>
+        </a:xfrm>
+      </p:grpSpPr>
+      <p:pic>
+        <p:nvPicPr>
+          <p:cNvPr id="1026" name="Picture 2" descr="http://3.bp.blogspot.com/_9jk8sA8xxkw/TPk92hd5_3I/AAAAAAAAATY/zDTAGg9pPtw/s1600/Jeff-Goldblum-jeff-goldblum-13452924-1280-960.jpg"/>
+          <p:cNvPicPr>
+            <a:picLocks noChangeAspect="1" noChangeArrowheads="1"/>
+          </p:cNvPicPr>
+          <p:nvPr/>
+        </p:nvPicPr>
+        <p:blipFill>
+          <a:blip r:embed="rId2">
+            <a:duotone>
+              <a:schemeClr val="bg2">
+                <a:shade val="45000"/>
+                <a:satMod val="135000"/>
+              </a:schemeClr>
+              <a:prstClr val="white"/>
+            </a:duotone>
+            <a:extLst>
+              <a:ext uri="{28A0092B-C50C-407E-A947-70E740481C1C}">
+                <a14:useLocalDpi xmlns:a14="http://schemas.microsoft.com/office/drawing/2010/main" val="0"/>
+              </a:ext>
+            </a:extLst>
+          </a:blip>
+          <a:srcRect/>
+          <a:stretch>
+            <a:fillRect/>
+          </a:stretch>
+        </p:blipFill>
+        <p:spPr bwMode="auto">
+          <a:xfrm>
+            <a:off x="0" y="-1063202"/>
+            <a:ext cx="12192000" cy="9144001"/>
+          </a:xfrm>
+          <a:prstGeom prst="rect">
+            <a:avLst/>
+          </a:prstGeom>
+          <a:noFill/>
+          <a:extLst>
+            <a:ext uri="{909E8E84-426E-40DD-AFC4-6F175D3DCCD1}">
+              <a14:hiddenFill xmlns:a14="http://schemas.microsoft.com/office/drawing/2010/main">
+                <a:solidFill>
+                  <a:srgbClr val="FFFFFF"/>
+                </a:solidFill>
+              </a14:hiddenFill>
+            </a:ext>
+          </a:extLst>
+        </p:spPr>
+      </p:pic>
+      <p:sp>
+        <p:nvSpPr>
+          <p:cNvPr id="4" name="Title 3"/>
+          <p:cNvSpPr>
+            <a:spLocks noGrp="1"/>
+          </p:cNvSpPr>
+          <p:nvPr>
+            <p:ph type="title"/>
+          </p:nvPr>
+        </p:nvSpPr>
+        <p:spPr>
+          <a:xfrm>
+            <a:off x="540327" y="899247"/>
+            <a:ext cx="6172199" cy="2851871"/>
+          </a:xfrm>
+        </p:spPr>
+        <p:txBody>
+          <a:bodyPr/>
+          <a:lstStyle/>
+          <a:p>
+            <a:pPr algn="r"/>
+            <a:r>
+              <a:rPr lang="en-US" b="0" i="1" dirty="0"/>
+              <a:t>Visualization saves </a:t>
+            </a:r>
+            <a:r>
+              <a:rPr lang="en-US" i="1" dirty="0"/>
+              <a:t>time.</a:t>
+            </a:r>
+            <a:endParaRPr lang="en-US" dirty="0"/>
+          </a:p>
+        </p:txBody>
+      </p:sp>
+      <p:sp>
+        <p:nvSpPr>
+          <p:cNvPr id="5" name="Text Placeholder 4"/>
+          <p:cNvSpPr>
+            <a:spLocks noGrp="1"/>
+          </p:cNvSpPr>
+          <p:nvPr>
+            <p:ph type="body" idx="1"/>
+          </p:nvPr>
+        </p:nvSpPr>
+        <p:spPr>
+          <a:xfrm>
+            <a:off x="831850" y="3778973"/>
+            <a:ext cx="5789937" cy="1499732"/>
+          </a:xfrm>
+        </p:spPr>
+        <p:txBody>
+          <a:bodyPr/>
+          <a:lstStyle/>
+          <a:p>
+            <a:pPr algn="r"/>
+            <a:r>
+              <a:rPr lang="en-US" dirty="0" smtClean="0"/>
+              <a:t>Chen et al. 2014</a:t>
+            </a:r>
+            <a:endParaRPr lang="en-US" dirty="0"/>
+          </a:p>
+        </p:txBody>
+      </p:sp>
+    </p:spTree>
+    <p:extLst>
+      <p:ext uri="{BB962C8B-B14F-4D97-AF65-F5344CB8AC3E}">
+        <p14:creationId xmlns:p14="http://schemas.microsoft.com/office/powerpoint/2010/main" val="70198231"/>
+      </p:ext>
+    </p:extLst>
+  </p:cSld>
+  <p:clrMapOvr>
+    <a:masterClrMapping/>
+  </p:clrMapOvr>
+  <p:timing>
+    <p:tnLst>
+      <p:par>
+        <p:cTn id="1" dur="indefinite" restart="never" nodeType="tmRoot"/>
+      </p:par>
+    </p:tnLst>
+  </p:timing>
+</p:sld>
+</file>
+
+<file path=ppt/slides/slide26.xml><?xml version="1.0" encoding="utf-8"?>
+<p:sld xmlns:a="http://schemas.openxmlformats.org/drawingml/2006/main" xmlns:r="http://schemas.openxmlformats.org/officeDocument/2006/relationships" xmlns:p="http://schemas.openxmlformats.org/presentationml/2006/main">
+  <p:cSld>
+    <p:spTree>
+      <p:nvGrpSpPr>
+        <p:cNvPr id="1" name=""/>
+        <p:cNvGrpSpPr/>
+        <p:nvPr/>
+      </p:nvGrpSpPr>
+      <p:grpSpPr>
+        <a:xfrm>
+          <a:off x="0" y="0"/>
+          <a:ext cx="0" cy="0"/>
+          <a:chOff x="0" y="0"/>
+          <a:chExt cx="0" cy="0"/>
+        </a:xfrm>
+      </p:grpSpPr>
+      <p:sp>
+        <p:nvSpPr>
+          <p:cNvPr id="2" name="Title 1"/>
+          <p:cNvSpPr>
+            <a:spLocks noGrp="1"/>
+          </p:cNvSpPr>
+          <p:nvPr>
+            <p:ph type="title"/>
+          </p:nvPr>
+        </p:nvSpPr>
+        <p:spPr/>
+        <p:txBody>
+          <a:bodyPr/>
+          <a:lstStyle/>
+          <a:p>
+            <a:r>
+              <a:rPr lang="en-US" b="0" dirty="0" smtClean="0"/>
+              <a:t>How do you </a:t>
+            </a:r>
+            <a:r>
+              <a:rPr lang="en-US" dirty="0" smtClean="0"/>
+              <a:t>assess</a:t>
+            </a:r>
+            <a:br>
+              <a:rPr lang="en-US" dirty="0" smtClean="0"/>
+            </a:br>
+            <a:r>
+              <a:rPr lang="en-US" b="0" dirty="0" smtClean="0"/>
+              <a:t>information visualization</a:t>
+            </a:r>
+            <a:r>
+              <a:rPr lang="en-US" dirty="0" smtClean="0"/>
+              <a:t>?</a:t>
+            </a:r>
+            <a:endParaRPr lang="en-US" dirty="0"/>
+          </a:p>
+        </p:txBody>
+      </p:sp>
+      <p:sp>
+        <p:nvSpPr>
+          <p:cNvPr id="3" name="Text Placeholder 2"/>
+          <p:cNvSpPr>
+            <a:spLocks noGrp="1"/>
+          </p:cNvSpPr>
+          <p:nvPr>
+            <p:ph type="body" idx="1"/>
+          </p:nvPr>
+        </p:nvSpPr>
+        <p:spPr/>
+        <p:txBody>
+          <a:bodyPr/>
+          <a:lstStyle/>
+          <a:p>
+            <a:r>
+              <a:rPr lang="en-US" dirty="0" smtClean="0"/>
+              <a:t>Very carefully</a:t>
+            </a:r>
+            <a:endParaRPr lang="en-US" dirty="0"/>
+          </a:p>
+        </p:txBody>
+      </p:sp>
+    </p:spTree>
+    <p:extLst>
+      <p:ext uri="{BB962C8B-B14F-4D97-AF65-F5344CB8AC3E}">
+        <p14:creationId xmlns:p14="http://schemas.microsoft.com/office/powerpoint/2010/main" val="1843394657"/>
+      </p:ext>
+    </p:extLst>
+  </p:cSld>
+  <p:clrMapOvr>
+    <a:masterClrMapping/>
+  </p:clrMapOvr>
+  <p:timing>
+    <p:tnLst>
+      <p:par>
+        <p:cTn id="1" dur="indefinite" restart="never" nodeType="tmRoot"/>
+      </p:par>
+    </p:tnLst>
+  </p:timing>
+</p:sld>
+</file>
+
+<file path=ppt/slides/slide27.xml><?xml version="1.0" encoding="utf-8"?>
+<p:sld xmlns:a="http://schemas.openxmlformats.org/drawingml/2006/main" xmlns:r="http://schemas.openxmlformats.org/officeDocument/2006/relationships" xmlns:p="http://schemas.openxmlformats.org/presentationml/2006/main">
+  <p:cSld>
+    <p:spTree>
+      <p:nvGrpSpPr>
+        <p:cNvPr id="1" name=""/>
+        <p:cNvGrpSpPr/>
+        <p:nvPr/>
+      </p:nvGrpSpPr>
+      <p:grpSpPr>
+        <a:xfrm>
+          <a:off x="0" y="0"/>
+          <a:ext cx="0" cy="0"/>
+          <a:chOff x="0" y="0"/>
+          <a:chExt cx="0" cy="0"/>
+        </a:xfrm>
+      </p:grpSpPr>
+    </p:spTree>
+    <p:extLst>
+      <p:ext uri="{BB962C8B-B14F-4D97-AF65-F5344CB8AC3E}">
+        <p14:creationId xmlns:p14="http://schemas.microsoft.com/office/powerpoint/2010/main" val="788595795"/>
+      </p:ext>
+    </p:extLst>
+  </p:cSld>
+  <p:clrMapOvr>
+    <a:masterClrMapping/>
+  </p:clrMapOvr>
+</p:sld>
+</file>
+
+<file path=ppt/slides/slide28.xml><?xml version="1.0" encoding="utf-8"?>
+<p:sld xmlns:a="http://schemas.openxmlformats.org/drawingml/2006/main" xmlns:r="http://schemas.openxmlformats.org/officeDocument/2006/relationships" xmlns:p="http://schemas.openxmlformats.org/presentationml/2006/main">
+  <p:cSld>
+    <p:spTree>
+      <p:nvGrpSpPr>
+        <p:cNvPr id="1" name=""/>
+        <p:cNvGrpSpPr/>
+        <p:nvPr/>
+      </p:nvGrpSpPr>
+      <p:grpSpPr>
+        <a:xfrm>
+          <a:off x="0" y="0"/>
+          <a:ext cx="0" cy="0"/>
+          <a:chOff x="0" y="0"/>
+          <a:chExt cx="0" cy="0"/>
+        </a:xfrm>
+      </p:grpSpPr>
+      <p:sp>
+        <p:nvSpPr>
+          <p:cNvPr id="2" name="Title 1"/>
+          <p:cNvSpPr>
+            <a:spLocks noGrp="1"/>
+          </p:cNvSpPr>
+          <p:nvPr>
+            <p:ph type="title"/>
+          </p:nvPr>
+        </p:nvSpPr>
+        <p:spPr/>
+        <p:txBody>
+          <a:bodyPr/>
+          <a:lstStyle/>
+          <a:p>
+            <a:r>
+              <a:rPr lang="en-US" b="0" dirty="0" smtClean="0"/>
+              <a:t>what are the</a:t>
+            </a:r>
+            <a:r>
+              <a:rPr lang="en-US" dirty="0" smtClean="0"/>
+              <a:t/>
+            </a:r>
+            <a:br>
+              <a:rPr lang="en-US" dirty="0" smtClean="0"/>
+            </a:br>
+            <a:r>
+              <a:rPr lang="en-US" dirty="0" smtClean="0"/>
+              <a:t>components </a:t>
+            </a:r>
+            <a:r>
+              <a:rPr lang="en-US" b="0" dirty="0" smtClean="0"/>
+              <a:t>of visualization</a:t>
+            </a:r>
+            <a:r>
+              <a:rPr lang="en-US" dirty="0" smtClean="0"/>
+              <a:t>?</a:t>
+            </a:r>
+            <a:endParaRPr lang="en-US" dirty="0"/>
+          </a:p>
+        </p:txBody>
+      </p:sp>
+      <p:sp>
+        <p:nvSpPr>
+          <p:cNvPr id="3" name="Text Placeholder 2"/>
+          <p:cNvSpPr>
+            <a:spLocks noGrp="1"/>
+          </p:cNvSpPr>
+          <p:nvPr>
+            <p:ph type="body" idx="1"/>
+          </p:nvPr>
+        </p:nvSpPr>
+        <p:spPr/>
+        <p:txBody>
+          <a:bodyPr/>
+          <a:lstStyle/>
+          <a:p>
+            <a:endParaRPr lang="en-US"/>
+          </a:p>
+        </p:txBody>
+      </p:sp>
+    </p:spTree>
+    <p:extLst>
+      <p:ext uri="{BB962C8B-B14F-4D97-AF65-F5344CB8AC3E}">
+        <p14:creationId xmlns:p14="http://schemas.microsoft.com/office/powerpoint/2010/main" val="2459382182"/>
+      </p:ext>
+    </p:extLst>
+  </p:cSld>
+  <p:clrMapOvr>
+    <a:masterClrMapping/>
+  </p:clrMapOvr>
+</p:sld>
+</file>
+
+<file path=ppt/slides/slide29.xml><?xml version="1.0" encoding="utf-8"?>
+<p:sld xmlns:a="http://schemas.openxmlformats.org/drawingml/2006/main" xmlns:r="http://schemas.openxmlformats.org/officeDocument/2006/relationships" xmlns:p="http://schemas.openxmlformats.org/presentationml/2006/main">
+  <p:cSld>
+    <p:spTree>
+      <p:nvGrpSpPr>
+        <p:cNvPr id="1" name=""/>
+        <p:cNvGrpSpPr/>
+        <p:nvPr/>
+      </p:nvGrpSpPr>
+      <p:grpSpPr>
+        <a:xfrm>
+          <a:off x="0" y="0"/>
+          <a:ext cx="0" cy="0"/>
+          <a:chOff x="0" y="0"/>
+          <a:chExt cx="0" cy="0"/>
+        </a:xfrm>
+      </p:grpSpPr>
+      <p:sp>
+        <p:nvSpPr>
+          <p:cNvPr id="2" name="Title 1"/>
+          <p:cNvSpPr>
+            <a:spLocks noGrp="1"/>
+          </p:cNvSpPr>
+          <p:nvPr>
+            <p:ph type="title"/>
+          </p:nvPr>
+        </p:nvSpPr>
+        <p:spPr/>
+        <p:txBody>
+          <a:bodyPr/>
+          <a:lstStyle/>
+          <a:p>
+            <a:endParaRPr lang="en-US"/>
+          </a:p>
+        </p:txBody>
+      </p:sp>
+      <p:sp>
+        <p:nvSpPr>
+          <p:cNvPr id="3" name="Text Placeholder 2"/>
+          <p:cNvSpPr>
+            <a:spLocks noGrp="1"/>
+          </p:cNvSpPr>
+          <p:nvPr>
+            <p:ph type="body" idx="1"/>
+          </p:nvPr>
+        </p:nvSpPr>
+        <p:spPr/>
+        <p:txBody>
+          <a:bodyPr/>
+          <a:lstStyle/>
+          <a:p>
+            <a:endParaRPr lang="en-US"/>
+          </a:p>
+        </p:txBody>
+      </p:sp>
+    </p:spTree>
+    <p:extLst>
+      <p:ext uri="{BB962C8B-B14F-4D97-AF65-F5344CB8AC3E}">
+        <p14:creationId xmlns:p14="http://schemas.microsoft.com/office/powerpoint/2010/main" val="565902820"/>
       </p:ext>
     </p:extLst>
   </p:cSld>
@@ -5334,6 +5903,561 @@
     <p:extLst>
       <p:ext uri="{BB962C8B-B14F-4D97-AF65-F5344CB8AC3E}">
         <p14:creationId xmlns:p14="http://schemas.microsoft.com/office/powerpoint/2010/main" val="3338424746"/>
+      </p:ext>
+    </p:extLst>
+  </p:cSld>
+  <p:clrMapOvr>
+    <a:masterClrMapping/>
+  </p:clrMapOvr>
+  <p:timing>
+    <p:tnLst>
+      <p:par>
+        <p:cTn id="1" dur="indefinite" restart="never" nodeType="tmRoot"/>
+      </p:par>
+    </p:tnLst>
+  </p:timing>
+</p:sld>
+</file>
+
+<file path=ppt/slides/slide30.xml><?xml version="1.0" encoding="utf-8"?>
+<p:sld xmlns:a="http://schemas.openxmlformats.org/drawingml/2006/main" xmlns:r="http://schemas.openxmlformats.org/officeDocument/2006/relationships" xmlns:p="http://schemas.openxmlformats.org/presentationml/2006/main">
+  <p:cSld>
+    <p:spTree>
+      <p:nvGrpSpPr>
+        <p:cNvPr id="1" name=""/>
+        <p:cNvGrpSpPr/>
+        <p:nvPr/>
+      </p:nvGrpSpPr>
+      <p:grpSpPr>
+        <a:xfrm>
+          <a:off x="0" y="0"/>
+          <a:ext cx="0" cy="0"/>
+          <a:chOff x="0" y="0"/>
+          <a:chExt cx="0" cy="0"/>
+        </a:xfrm>
+      </p:grpSpPr>
+      <p:sp>
+        <p:nvSpPr>
+          <p:cNvPr id="2" name="Title 1"/>
+          <p:cNvSpPr>
+            <a:spLocks noGrp="1"/>
+          </p:cNvSpPr>
+          <p:nvPr>
+            <p:ph type="title"/>
+          </p:nvPr>
+        </p:nvSpPr>
+        <p:spPr/>
+        <p:txBody>
+          <a:bodyPr/>
+          <a:lstStyle/>
+          <a:p>
+            <a:r>
+              <a:rPr lang="en-US" dirty="0" smtClean="0"/>
+              <a:t>[important pieces of </a:t>
+            </a:r>
+            <a:r>
+              <a:rPr lang="en-US" dirty="0" err="1" smtClean="0"/>
+              <a:t>viz</a:t>
+            </a:r>
+            <a:r>
+              <a:rPr lang="en-US" dirty="0" smtClean="0"/>
+              <a:t>]</a:t>
+            </a:r>
+            <a:endParaRPr lang="en-US" dirty="0"/>
+          </a:p>
+        </p:txBody>
+      </p:sp>
+      <p:sp>
+        <p:nvSpPr>
+          <p:cNvPr id="3" name="Text Placeholder 2"/>
+          <p:cNvSpPr>
+            <a:spLocks noGrp="1"/>
+          </p:cNvSpPr>
+          <p:nvPr>
+            <p:ph type="body" idx="1"/>
+          </p:nvPr>
+        </p:nvSpPr>
+        <p:spPr/>
+        <p:txBody>
+          <a:bodyPr/>
+          <a:lstStyle/>
+          <a:p>
+            <a:r>
+              <a:rPr lang="en-US" dirty="0" smtClean="0"/>
+              <a:t>Tasks, context, cognition</a:t>
+            </a:r>
+            <a:endParaRPr lang="en-US" dirty="0"/>
+          </a:p>
+        </p:txBody>
+      </p:sp>
+    </p:spTree>
+    <p:extLst>
+      <p:ext uri="{BB962C8B-B14F-4D97-AF65-F5344CB8AC3E}">
+        <p14:creationId xmlns:p14="http://schemas.microsoft.com/office/powerpoint/2010/main" val="2552897361"/>
+      </p:ext>
+    </p:extLst>
+  </p:cSld>
+  <p:clrMapOvr>
+    <a:masterClrMapping/>
+  </p:clrMapOvr>
+</p:sld>
+</file>
+
+<file path=ppt/slides/slide31.xml><?xml version="1.0" encoding="utf-8"?>
+<p:sld xmlns:a="http://schemas.openxmlformats.org/drawingml/2006/main" xmlns:r="http://schemas.openxmlformats.org/officeDocument/2006/relationships" xmlns:p="http://schemas.openxmlformats.org/presentationml/2006/main">
+  <p:cSld>
+    <p:spTree>
+      <p:nvGrpSpPr>
+        <p:cNvPr id="1" name=""/>
+        <p:cNvGrpSpPr/>
+        <p:nvPr/>
+      </p:nvGrpSpPr>
+      <p:grpSpPr>
+        <a:xfrm>
+          <a:off x="0" y="0"/>
+          <a:ext cx="0" cy="0"/>
+          <a:chOff x="0" y="0"/>
+          <a:chExt cx="0" cy="0"/>
+        </a:xfrm>
+      </p:grpSpPr>
+      <p:sp>
+        <p:nvSpPr>
+          <p:cNvPr id="2" name="Title 1"/>
+          <p:cNvSpPr>
+            <a:spLocks noGrp="1"/>
+          </p:cNvSpPr>
+          <p:nvPr>
+            <p:ph type="title"/>
+          </p:nvPr>
+        </p:nvSpPr>
+        <p:spPr/>
+        <p:txBody>
+          <a:bodyPr/>
+          <a:lstStyle/>
+          <a:p>
+            <a:r>
+              <a:rPr lang="en-US" b="0" dirty="0" smtClean="0"/>
+              <a:t>How do you </a:t>
+            </a:r>
+            <a:r>
+              <a:rPr lang="en-US" dirty="0" smtClean="0"/>
+              <a:t>assess</a:t>
+            </a:r>
+            <a:br>
+              <a:rPr lang="en-US" dirty="0" smtClean="0"/>
+            </a:br>
+            <a:r>
+              <a:rPr lang="en-US" b="0" dirty="0" smtClean="0"/>
+              <a:t>information visualization</a:t>
+            </a:r>
+            <a:r>
+              <a:rPr lang="en-US" dirty="0" smtClean="0"/>
+              <a:t>?</a:t>
+            </a:r>
+            <a:endParaRPr lang="en-US" dirty="0"/>
+          </a:p>
+        </p:txBody>
+      </p:sp>
+      <p:sp>
+        <p:nvSpPr>
+          <p:cNvPr id="3" name="Text Placeholder 2"/>
+          <p:cNvSpPr>
+            <a:spLocks noGrp="1"/>
+          </p:cNvSpPr>
+          <p:nvPr>
+            <p:ph idx="1"/>
+          </p:nvPr>
+        </p:nvSpPr>
+        <p:spPr/>
+        <p:txBody>
+          <a:bodyPr/>
+          <a:lstStyle/>
+          <a:p>
+            <a:endParaRPr lang="en-US" dirty="0"/>
+          </a:p>
+        </p:txBody>
+      </p:sp>
+    </p:spTree>
+    <p:extLst>
+      <p:ext uri="{BB962C8B-B14F-4D97-AF65-F5344CB8AC3E}">
+        <p14:creationId xmlns:p14="http://schemas.microsoft.com/office/powerpoint/2010/main" val="2225573448"/>
+      </p:ext>
+    </p:extLst>
+  </p:cSld>
+  <p:clrMapOvr>
+    <a:masterClrMapping/>
+  </p:clrMapOvr>
+  <p:timing>
+    <p:tnLst>
+      <p:par>
+        <p:cTn id="1" dur="indefinite" restart="never" nodeType="tmRoot"/>
+      </p:par>
+    </p:tnLst>
+  </p:timing>
+</p:sld>
+</file>
+
+<file path=ppt/slides/slide32.xml><?xml version="1.0" encoding="utf-8"?>
+<p:sld xmlns:a="http://schemas.openxmlformats.org/drawingml/2006/main" xmlns:r="http://schemas.openxmlformats.org/officeDocument/2006/relationships" xmlns:p="http://schemas.openxmlformats.org/presentationml/2006/main">
+  <p:cSld>
+    <p:spTree>
+      <p:nvGrpSpPr>
+        <p:cNvPr id="1" name=""/>
+        <p:cNvGrpSpPr/>
+        <p:nvPr/>
+      </p:nvGrpSpPr>
+      <p:grpSpPr>
+        <a:xfrm>
+          <a:off x="0" y="0"/>
+          <a:ext cx="0" cy="0"/>
+          <a:chOff x="0" y="0"/>
+          <a:chExt cx="0" cy="0"/>
+        </a:xfrm>
+      </p:grpSpPr>
+      <p:sp>
+        <p:nvSpPr>
+          <p:cNvPr id="2" name="Title 1"/>
+          <p:cNvSpPr>
+            <a:spLocks noGrp="1"/>
+          </p:cNvSpPr>
+          <p:nvPr>
+            <p:ph type="title"/>
+          </p:nvPr>
+        </p:nvSpPr>
+        <p:spPr/>
+        <p:txBody>
+          <a:bodyPr/>
+          <a:lstStyle/>
+          <a:p>
+            <a:r>
+              <a:rPr lang="en-US" dirty="0" smtClean="0"/>
+              <a:t>Designing </a:t>
+            </a:r>
+            <a:r>
+              <a:rPr lang="en-US" b="0" dirty="0" smtClean="0"/>
+              <a:t>a </a:t>
+            </a:r>
+            <a:br>
+              <a:rPr lang="en-US" b="0" dirty="0" smtClean="0"/>
+            </a:br>
+            <a:r>
+              <a:rPr lang="en-US" b="0" dirty="0" smtClean="0"/>
+              <a:t>visualization evaluation</a:t>
+            </a:r>
+            <a:endParaRPr lang="en-US" b="0" dirty="0"/>
+          </a:p>
+        </p:txBody>
+      </p:sp>
+      <p:sp>
+        <p:nvSpPr>
+          <p:cNvPr id="3" name="Text Placeholder 2"/>
+          <p:cNvSpPr>
+            <a:spLocks noGrp="1"/>
+          </p:cNvSpPr>
+          <p:nvPr>
+            <p:ph type="body" idx="1"/>
+          </p:nvPr>
+        </p:nvSpPr>
+        <p:spPr/>
+        <p:txBody>
+          <a:bodyPr/>
+          <a:lstStyle/>
+          <a:p>
+            <a:endParaRPr lang="en-US"/>
+          </a:p>
+        </p:txBody>
+      </p:sp>
+    </p:spTree>
+    <p:extLst>
+      <p:ext uri="{BB962C8B-B14F-4D97-AF65-F5344CB8AC3E}">
+        <p14:creationId xmlns:p14="http://schemas.microsoft.com/office/powerpoint/2010/main" val="3682656141"/>
+      </p:ext>
+    </p:extLst>
+  </p:cSld>
+  <p:clrMapOvr>
+    <a:masterClrMapping/>
+  </p:clrMapOvr>
+  <p:timing>
+    <p:tnLst>
+      <p:par>
+        <p:cTn id="1" dur="indefinite" restart="never" nodeType="tmRoot"/>
+      </p:par>
+    </p:tnLst>
+  </p:timing>
+</p:sld>
+</file>
+
+<file path=ppt/slides/slide33.xml><?xml version="1.0" encoding="utf-8"?>
+<p:sld xmlns:a="http://schemas.openxmlformats.org/drawingml/2006/main" xmlns:r="http://schemas.openxmlformats.org/officeDocument/2006/relationships" xmlns:p="http://schemas.openxmlformats.org/presentationml/2006/main">
+  <p:cSld>
+    <p:spTree>
+      <p:nvGrpSpPr>
+        <p:cNvPr id="1" name=""/>
+        <p:cNvGrpSpPr/>
+        <p:nvPr/>
+      </p:nvGrpSpPr>
+      <p:grpSpPr>
+        <a:xfrm>
+          <a:off x="0" y="0"/>
+          <a:ext cx="0" cy="0"/>
+          <a:chOff x="0" y="0"/>
+          <a:chExt cx="0" cy="0"/>
+        </a:xfrm>
+      </p:grpSpPr>
+      <p:sp>
+        <p:nvSpPr>
+          <p:cNvPr id="2" name="Title 1"/>
+          <p:cNvSpPr>
+            <a:spLocks noGrp="1"/>
+          </p:cNvSpPr>
+          <p:nvPr>
+            <p:ph type="title"/>
+          </p:nvPr>
+        </p:nvSpPr>
+        <p:spPr/>
+        <p:txBody>
+          <a:bodyPr/>
+          <a:lstStyle/>
+          <a:p>
+            <a:r>
+              <a:rPr lang="en-US" dirty="0" smtClean="0"/>
+              <a:t>Important components</a:t>
+            </a:r>
+            <a:br>
+              <a:rPr lang="en-US" dirty="0" smtClean="0"/>
+            </a:br>
+            <a:r>
+              <a:rPr lang="en-US" b="0" dirty="0" smtClean="0"/>
+              <a:t>of</a:t>
+            </a:r>
+            <a:r>
+              <a:rPr lang="en-US" b="0" dirty="0"/>
+              <a:t> </a:t>
+            </a:r>
+            <a:r>
+              <a:rPr lang="en-US" b="0" dirty="0" smtClean="0"/>
+              <a:t>information visualization </a:t>
+            </a:r>
+            <a:endParaRPr lang="en-US" b="0" dirty="0"/>
+          </a:p>
+        </p:txBody>
+      </p:sp>
+      <p:sp>
+        <p:nvSpPr>
+          <p:cNvPr id="4" name="Content Placeholder 3"/>
+          <p:cNvSpPr>
+            <a:spLocks noGrp="1"/>
+          </p:cNvSpPr>
+          <p:nvPr>
+            <p:ph idx="1"/>
+          </p:nvPr>
+        </p:nvSpPr>
+        <p:spPr/>
+        <p:txBody>
+          <a:bodyPr numCol="3"/>
+          <a:lstStyle/>
+          <a:p>
+            <a:pPr marL="0" indent="0">
+              <a:buNone/>
+            </a:pPr>
+            <a:r>
+              <a:rPr lang="en-US" b="1" dirty="0" smtClean="0"/>
+              <a:t>Cognition</a:t>
+            </a:r>
+          </a:p>
+          <a:p>
+            <a:pPr marL="0" indent="0">
+              <a:buNone/>
+            </a:pPr>
+            <a:r>
+              <a:rPr lang="en-US" dirty="0" smtClean="0"/>
+              <a:t>usability</a:t>
+            </a:r>
+            <a:endParaRPr lang="en-US" dirty="0"/>
+          </a:p>
+          <a:p>
+            <a:pPr marL="0" indent="0">
+              <a:buNone/>
+            </a:pPr>
+            <a:endParaRPr lang="en-US" b="1" dirty="0" smtClean="0"/>
+          </a:p>
+          <a:p>
+            <a:pPr marL="0" indent="0">
+              <a:buNone/>
+            </a:pPr>
+            <a:endParaRPr lang="en-US" b="1" dirty="0"/>
+          </a:p>
+          <a:p>
+            <a:pPr marL="0" indent="0">
+              <a:buNone/>
+            </a:pPr>
+            <a:endParaRPr lang="en-US" b="1" dirty="0" smtClean="0"/>
+          </a:p>
+          <a:p>
+            <a:pPr marL="0" indent="0">
+              <a:buNone/>
+            </a:pPr>
+            <a:endParaRPr lang="en-US" b="1" dirty="0"/>
+          </a:p>
+          <a:p>
+            <a:pPr marL="0" indent="0">
+              <a:buNone/>
+            </a:pPr>
+            <a:endParaRPr lang="en-US" b="1" dirty="0" smtClean="0"/>
+          </a:p>
+          <a:p>
+            <a:pPr marL="0" indent="0">
+              <a:buNone/>
+            </a:pPr>
+            <a:endParaRPr lang="en-US" b="1" dirty="0" smtClean="0"/>
+          </a:p>
+          <a:p>
+            <a:pPr marL="0" indent="0">
+              <a:buNone/>
+            </a:pPr>
+            <a:r>
+              <a:rPr lang="en-US" b="1" dirty="0" smtClean="0"/>
+              <a:t>Context</a:t>
+            </a:r>
+          </a:p>
+          <a:p>
+            <a:pPr marL="0" indent="0">
+              <a:buNone/>
+            </a:pPr>
+            <a:r>
+              <a:rPr lang="en-US" dirty="0" smtClean="0"/>
+              <a:t>Problems</a:t>
+            </a:r>
+          </a:p>
+          <a:p>
+            <a:pPr marL="0" indent="0">
+              <a:buNone/>
+            </a:pPr>
+            <a:r>
+              <a:rPr lang="en-US" dirty="0" smtClean="0"/>
+              <a:t>Goals </a:t>
+            </a:r>
+          </a:p>
+          <a:p>
+            <a:pPr marL="0" indent="0">
+              <a:buNone/>
+            </a:pPr>
+            <a:r>
+              <a:rPr lang="en-US" dirty="0" smtClean="0"/>
+              <a:t>Tasks</a:t>
+            </a:r>
+          </a:p>
+          <a:p>
+            <a:pPr marL="0" indent="0">
+              <a:buNone/>
+            </a:pPr>
+            <a:endParaRPr lang="en-US" dirty="0"/>
+          </a:p>
+          <a:p>
+            <a:pPr marL="0" indent="0">
+              <a:buNone/>
+            </a:pPr>
+            <a:endParaRPr lang="en-US" dirty="0" smtClean="0"/>
+          </a:p>
+          <a:p>
+            <a:pPr marL="0" indent="0">
+              <a:buNone/>
+            </a:pPr>
+            <a:endParaRPr lang="en-US" dirty="0"/>
+          </a:p>
+          <a:p>
+            <a:pPr marL="0" indent="0">
+              <a:buNone/>
+            </a:pPr>
+            <a:endParaRPr lang="en-US" dirty="0" smtClean="0"/>
+          </a:p>
+          <a:p>
+            <a:pPr marL="0" indent="0">
+              <a:buNone/>
+            </a:pPr>
+            <a:endParaRPr lang="en-US" dirty="0"/>
+          </a:p>
+        </p:txBody>
+      </p:sp>
+    </p:spTree>
+    <p:extLst>
+      <p:ext uri="{BB962C8B-B14F-4D97-AF65-F5344CB8AC3E}">
+        <p14:creationId xmlns:p14="http://schemas.microsoft.com/office/powerpoint/2010/main" val="3554654945"/>
+      </p:ext>
+    </p:extLst>
+  </p:cSld>
+  <p:clrMapOvr>
+    <a:masterClrMapping/>
+  </p:clrMapOvr>
+  <p:timing>
+    <p:tnLst>
+      <p:par>
+        <p:cTn id="1" dur="indefinite" restart="never" nodeType="tmRoot"/>
+      </p:par>
+    </p:tnLst>
+  </p:timing>
+</p:sld>
+</file>
+
+<file path=ppt/slides/slide34.xml><?xml version="1.0" encoding="utf-8"?>
+<p:sld xmlns:a="http://schemas.openxmlformats.org/drawingml/2006/main" xmlns:r="http://schemas.openxmlformats.org/officeDocument/2006/relationships" xmlns:p="http://schemas.openxmlformats.org/presentationml/2006/main">
+  <p:cSld>
+    <p:spTree>
+      <p:nvGrpSpPr>
+        <p:cNvPr id="1" name=""/>
+        <p:cNvGrpSpPr/>
+        <p:nvPr/>
+      </p:nvGrpSpPr>
+      <p:grpSpPr>
+        <a:xfrm>
+          <a:off x="0" y="0"/>
+          <a:ext cx="0" cy="0"/>
+          <a:chOff x="0" y="0"/>
+          <a:chExt cx="0" cy="0"/>
+        </a:xfrm>
+      </p:grpSpPr>
+      <p:sp>
+        <p:nvSpPr>
+          <p:cNvPr id="2" name="Title 1"/>
+          <p:cNvSpPr>
+            <a:spLocks noGrp="1"/>
+          </p:cNvSpPr>
+          <p:nvPr>
+            <p:ph type="title"/>
+          </p:nvPr>
+        </p:nvSpPr>
+        <p:spPr/>
+        <p:txBody>
+          <a:bodyPr/>
+          <a:lstStyle/>
+          <a:p>
+            <a:endParaRPr lang="en-US"/>
+          </a:p>
+        </p:txBody>
+      </p:sp>
+      <p:sp>
+        <p:nvSpPr>
+          <p:cNvPr id="3" name="Text Placeholder 2"/>
+          <p:cNvSpPr>
+            <a:spLocks noGrp="1"/>
+          </p:cNvSpPr>
+          <p:nvPr>
+            <p:ph type="body" idx="1"/>
+          </p:nvPr>
+        </p:nvSpPr>
+        <p:spPr/>
+        <p:txBody>
+          <a:bodyPr/>
+          <a:lstStyle/>
+          <a:p>
+            <a:endParaRPr lang="en-US"/>
+          </a:p>
+        </p:txBody>
+      </p:sp>
+    </p:spTree>
+    <p:extLst>
+      <p:ext uri="{BB962C8B-B14F-4D97-AF65-F5344CB8AC3E}">
+        <p14:creationId xmlns:p14="http://schemas.microsoft.com/office/powerpoint/2010/main" val="66908851"/>
       </p:ext>
     </p:extLst>
   </p:cSld>
@@ -5400,6 +6524,13 @@
   <p:clrMapOvr>
     <a:masterClrMapping/>
   </p:clrMapOvr>
+  <p:timing>
+    <p:tnLst>
+      <p:par>
+        <p:cTn id="1" dur="indefinite" restart="never" nodeType="tmRoot"/>
+      </p:par>
+    </p:tnLst>
+  </p:timing>
 </p:sld>
 </file>
 
@@ -5460,6 +6591,13 @@
   <p:clrMapOvr>
     <a:masterClrMapping/>
   </p:clrMapOvr>
+  <p:timing>
+    <p:tnLst>
+      <p:par>
+        <p:cTn id="1" dur="indefinite" restart="never" nodeType="tmRoot"/>
+      </p:par>
+    </p:tnLst>
+  </p:timing>
 </p:sld>
 </file>
 
@@ -5490,6 +6628,13 @@
   <p:clrMapOvr>
     <a:masterClrMapping/>
   </p:clrMapOvr>
+  <p:timing>
+    <p:tnLst>
+      <p:par>
+        <p:cTn id="1" dur="indefinite" restart="never" nodeType="tmRoot"/>
+      </p:par>
+    </p:tnLst>
+  </p:timing>
 </p:sld>
 </file>
 
@@ -5552,7 +6697,7 @@
   <p:timing>
     <p:tnLst>
       <p:par>
-        <p:cTn xmlns:p14="http://schemas.microsoft.com/office/powerpoint/2010/main" id="1" dur="indefinite" restart="never" nodeType="tmRoot"/>
+        <p:cTn id="1" dur="indefinite" restart="never" nodeType="tmRoot"/>
       </p:par>
     </p:tnLst>
   </p:timing>
@@ -5619,7 +6764,7 @@
   <p:timing>
     <p:tnLst>
       <p:par>
-        <p:cTn xmlns:p14="http://schemas.microsoft.com/office/powerpoint/2010/main" id="1" dur="indefinite" restart="never" nodeType="tmRoot"/>
+        <p:cTn id="1" dur="indefinite" restart="never" nodeType="tmRoot"/>
       </p:par>
     </p:tnLst>
   </p:timing>
@@ -5686,7 +6831,7 @@
   <p:timing>
     <p:tnLst>
       <p:par>
-        <p:cTn xmlns:p14="http://schemas.microsoft.com/office/powerpoint/2010/main" id="1" dur="indefinite" restart="never" nodeType="tmRoot"/>
+        <p:cTn id="1" dur="indefinite" restart="never" nodeType="tmRoot"/>
       </p:par>
     </p:tnLst>
   </p:timing>
@@ -5948,7 +7093,7 @@
   <a:extraClrSchemeLst/>
   <a:extLst>
     <a:ext uri="{05A4C25C-085E-4340-85A3-A5531E510DB2}">
-      <thm15:themeFamily xmlns:thm15="http://schemas.microsoft.com/office/thememl/2012/main" xmlns="" name="Office Theme" id="{62F939B6-93AF-4DB8-9C6B-D6C7DFDC589F}" vid="{4A3C46E8-61CC-4603-A589-7422A47A8E4A}"/>
+      <thm15:themeFamily xmlns:thm15="http://schemas.microsoft.com/office/thememl/2012/main" name="Office Theme" id="{62F939B6-93AF-4DB8-9C6B-D6C7DFDC589F}" vid="{4A3C46E8-61CC-4603-A589-7422A47A8E4A}"/>
     </a:ext>
   </a:extLst>
 </a:theme>
